--- a/presentazione.pptx
+++ b/presentazione.pptx
@@ -2,22 +2,23 @@
 <file path=ppt/presentation.xml><?xml version="1.0" encoding="utf-8"?>
 <p:presentation xmlns:a="http://schemas.openxmlformats.org/drawingml/2006/main" xmlns:r="http://schemas.openxmlformats.org/officeDocument/2006/relationships" xmlns:p="http://schemas.openxmlformats.org/presentationml/2006/main" saveSubsetFonts="1" autoCompressPictures="0">
   <p:sldMasterIdLst>
-    <p:sldMasterId id="2147483648" r:id="rId1"/>
+    <p:sldMasterId id="2147483773" r:id="rId1"/>
   </p:sldMasterIdLst>
   <p:sldIdLst>
     <p:sldId id="256" r:id="rId2"/>
     <p:sldId id="257" r:id="rId3"/>
-    <p:sldId id="258" r:id="rId4"/>
-    <p:sldId id="259" r:id="rId5"/>
-    <p:sldId id="260" r:id="rId6"/>
+    <p:sldId id="263" r:id="rId4"/>
+    <p:sldId id="264" r:id="rId5"/>
+    <p:sldId id="265" r:id="rId6"/>
+    <p:sldId id="266" r:id="rId7"/>
   </p:sldIdLst>
   <p:sldSz cx="12192000" cy="6858000"/>
   <p:notesSz cx="6858000" cy="9144000"/>
   <p:defaultTextStyle>
     <a:defPPr>
-      <a:defRPr lang="it-IT"/>
+      <a:defRPr lang="en-US"/>
     </a:defPPr>
-    <a:lvl1pPr marL="0" algn="l" defTabSz="914400" rtl="0" eaLnBrk="1" latinLnBrk="0" hangingPunct="1">
+    <a:lvl1pPr marL="0" algn="l" defTabSz="457200" rtl="0" eaLnBrk="1" latinLnBrk="0" hangingPunct="1">
       <a:defRPr sz="1800" kern="1200">
         <a:solidFill>
           <a:schemeClr val="tx1"/>
@@ -27,7 +28,7 @@
         <a:cs typeface="+mn-cs"/>
       </a:defRPr>
     </a:lvl1pPr>
-    <a:lvl2pPr marL="457200" algn="l" defTabSz="914400" rtl="0" eaLnBrk="1" latinLnBrk="0" hangingPunct="1">
+    <a:lvl2pPr marL="457200" algn="l" defTabSz="457200" rtl="0" eaLnBrk="1" latinLnBrk="0" hangingPunct="1">
       <a:defRPr sz="1800" kern="1200">
         <a:solidFill>
           <a:schemeClr val="tx1"/>
@@ -37,7 +38,7 @@
         <a:cs typeface="+mn-cs"/>
       </a:defRPr>
     </a:lvl2pPr>
-    <a:lvl3pPr marL="914400" algn="l" defTabSz="914400" rtl="0" eaLnBrk="1" latinLnBrk="0" hangingPunct="1">
+    <a:lvl3pPr marL="914400" algn="l" defTabSz="457200" rtl="0" eaLnBrk="1" latinLnBrk="0" hangingPunct="1">
       <a:defRPr sz="1800" kern="1200">
         <a:solidFill>
           <a:schemeClr val="tx1"/>
@@ -47,7 +48,7 @@
         <a:cs typeface="+mn-cs"/>
       </a:defRPr>
     </a:lvl3pPr>
-    <a:lvl4pPr marL="1371600" algn="l" defTabSz="914400" rtl="0" eaLnBrk="1" latinLnBrk="0" hangingPunct="1">
+    <a:lvl4pPr marL="1371600" algn="l" defTabSz="457200" rtl="0" eaLnBrk="1" latinLnBrk="0" hangingPunct="1">
       <a:defRPr sz="1800" kern="1200">
         <a:solidFill>
           <a:schemeClr val="tx1"/>
@@ -57,7 +58,7 @@
         <a:cs typeface="+mn-cs"/>
       </a:defRPr>
     </a:lvl4pPr>
-    <a:lvl5pPr marL="1828800" algn="l" defTabSz="914400" rtl="0" eaLnBrk="1" latinLnBrk="0" hangingPunct="1">
+    <a:lvl5pPr marL="1828800" algn="l" defTabSz="457200" rtl="0" eaLnBrk="1" latinLnBrk="0" hangingPunct="1">
       <a:defRPr sz="1800" kern="1200">
         <a:solidFill>
           <a:schemeClr val="tx1"/>
@@ -67,7 +68,7 @@
         <a:cs typeface="+mn-cs"/>
       </a:defRPr>
     </a:lvl5pPr>
-    <a:lvl6pPr marL="2286000" algn="l" defTabSz="914400" rtl="0" eaLnBrk="1" latinLnBrk="0" hangingPunct="1">
+    <a:lvl6pPr marL="2286000" algn="l" defTabSz="457200" rtl="0" eaLnBrk="1" latinLnBrk="0" hangingPunct="1">
       <a:defRPr sz="1800" kern="1200">
         <a:solidFill>
           <a:schemeClr val="tx1"/>
@@ -77,7 +78,7 @@
         <a:cs typeface="+mn-cs"/>
       </a:defRPr>
     </a:lvl6pPr>
-    <a:lvl7pPr marL="2743200" algn="l" defTabSz="914400" rtl="0" eaLnBrk="1" latinLnBrk="0" hangingPunct="1">
+    <a:lvl7pPr marL="2743200" algn="l" defTabSz="457200" rtl="0" eaLnBrk="1" latinLnBrk="0" hangingPunct="1">
       <a:defRPr sz="1800" kern="1200">
         <a:solidFill>
           <a:schemeClr val="tx1"/>
@@ -87,7 +88,7 @@
         <a:cs typeface="+mn-cs"/>
       </a:defRPr>
     </a:lvl7pPr>
-    <a:lvl8pPr marL="3200400" algn="l" defTabSz="914400" rtl="0" eaLnBrk="1" latinLnBrk="0" hangingPunct="1">
+    <a:lvl8pPr marL="3200400" algn="l" defTabSz="457200" rtl="0" eaLnBrk="1" latinLnBrk="0" hangingPunct="1">
       <a:defRPr sz="1800" kern="1200">
         <a:solidFill>
           <a:schemeClr val="tx1"/>
@@ -97,7 +98,7 @@
         <a:cs typeface="+mn-cs"/>
       </a:defRPr>
     </a:lvl8pPr>
-    <a:lvl9pPr marL="3657600" algn="l" defTabSz="914400" rtl="0" eaLnBrk="1" latinLnBrk="0" hangingPunct="1">
+    <a:lvl9pPr marL="3657600" algn="l" defTabSz="457200" rtl="0" eaLnBrk="1" latinLnBrk="0" hangingPunct="1">
       <a:defRPr sz="1800" kern="1200">
         <a:solidFill>
           <a:schemeClr val="tx1"/>
@@ -108,6 +109,11 @@
       </a:defRPr>
     </a:lvl9pPr>
   </p:defaultTextStyle>
+  <p:extLst>
+    <p:ext uri="{EFAFB233-063F-42B5-8137-9DF3F51BA10A}">
+      <p15:sldGuideLst xmlns:p15="http://schemas.microsoft.com/office/powerpoint/2012/main"/>
+    </p:ext>
+  </p:extLst>
 </p:presentation>
 </file>
 
@@ -132,12 +138,9 @@
           <a:lstStyle/>
           <a:p>
             <a:pPr>
-              <a:defRPr sz="1400" b="0" i="0" u="none" strike="noStrike" kern="1200" spc="0" baseline="0">
+              <a:defRPr sz="2128" b="1" i="0" u="none" strike="noStrike" kern="1200" baseline="0">
                 <a:solidFill>
-                  <a:schemeClr val="tx1">
-                    <a:lumMod val="65000"/>
-                    <a:lumOff val="35000"/>
-                  </a:schemeClr>
+                  <a:schemeClr val="tx2"/>
                 </a:solidFill>
                 <a:latin typeface="+mn-lt"/>
                 <a:ea typeface="+mn-ea"/>
@@ -146,16 +149,19 @@
             </a:pPr>
             <a:r>
               <a:rPr lang="it-IT"/>
-              <a:t>Input-Output</a:t>
+              <a:t>Input-Output Curve</a:t>
             </a:r>
-            <a:r>
-              <a:rPr lang="it-IT" baseline="0"/>
-              <a:t> Relationship</a:t>
-            </a:r>
-            <a:endParaRPr lang="it-IT"/>
           </a:p>
         </c:rich>
       </c:tx>
+      <c:layout>
+        <c:manualLayout>
+          <c:xMode val="edge"/>
+          <c:yMode val="edge"/>
+          <c:x val="0.32276949295436763"/>
+          <c:y val="1.9069202687105914E-2"/>
+        </c:manualLayout>
+      </c:layout>
       <c:overlay val="0"/>
       <c:spPr>
         <a:noFill/>
@@ -164,6 +170,23 @@
         </a:ln>
         <a:effectLst/>
       </c:spPr>
+      <c:txPr>
+        <a:bodyPr rot="0" spcFirstLastPara="1" vertOverflow="ellipsis" vert="horz" wrap="square" anchor="ctr" anchorCtr="1"/>
+        <a:lstStyle/>
+        <a:p>
+          <a:pPr>
+            <a:defRPr sz="2128" b="1" i="0" u="none" strike="noStrike" kern="1200" baseline="0">
+              <a:solidFill>
+                <a:schemeClr val="tx2"/>
+              </a:solidFill>
+              <a:latin typeface="+mn-lt"/>
+              <a:ea typeface="+mn-ea"/>
+              <a:cs typeface="+mn-cs"/>
+            </a:defRPr>
+          </a:pPr>
+          <a:endParaRPr lang="it-IT"/>
+        </a:p>
+      </c:txPr>
     </c:title>
     <c:autoTitleDeleted val="0"/>
     <c:plotArea>
@@ -172,9 +195,9 @@
           <c:layoutTarget val="inner"/>
           <c:xMode val="edge"/>
           <c:yMode val="edge"/>
-          <c:x val="4.764996766708509E-2"/>
+          <c:x val="0.1545766295070691"/>
           <c:y val="7.9550703714581575E-2"/>
-          <c:w val="0.91991633858267718"/>
+          <c:w val="0.81866609739556828"/>
           <c:h val="0.83436039817118857"/>
         </c:manualLayout>
       </c:layout>
@@ -196,9 +219,11 @@
             </c:strRef>
           </c:tx>
           <c:spPr>
-            <a:ln w="19050" cap="rnd">
+            <a:ln w="9525" cap="rnd">
               <a:solidFill>
-                <a:schemeClr val="accent2"/>
+                <a:schemeClr val="accent2">
+                  <a:lumMod val="60000"/>
+                </a:schemeClr>
               </a:solidFill>
               <a:round/>
             </a:ln>
@@ -2694,7 +2719,7 @@
           <c:smooth val="1"/>
           <c:extLst>
             <c:ext xmlns:c16="http://schemas.microsoft.com/office/drawing/2014/chart" uri="{C3380CC4-5D6E-409C-BE32-E72D297353CC}">
-              <c16:uniqueId val="{00000000-7E0C-044E-A20A-EB3CF9E9DDA4}"/>
+              <c16:uniqueId val="{00000000-56FE-48DC-84BF-D3C0C8B3E31B}"/>
             </c:ext>
           </c:extLst>
         </c:ser>
@@ -2713,9 +2738,12 @@
             </c:strRef>
           </c:tx>
           <c:spPr>
-            <a:ln w="19050" cap="rnd">
+            <a:ln w="9525" cap="rnd">
               <a:solidFill>
-                <a:schemeClr val="accent6"/>
+                <a:schemeClr val="accent1">
+                  <a:lumMod val="80000"/>
+                  <a:lumOff val="20000"/>
+                </a:schemeClr>
               </a:solidFill>
               <a:round/>
             </a:ln>
@@ -5211,7 +5239,7 @@
           <c:smooth val="1"/>
           <c:extLst>
             <c:ext xmlns:c16="http://schemas.microsoft.com/office/drawing/2014/chart" uri="{C3380CC4-5D6E-409C-BE32-E72D297353CC}">
-              <c16:uniqueId val="{00000001-7E0C-044E-A20A-EB3CF9E9DDA4}"/>
+              <c16:uniqueId val="{00000001-56FE-48DC-84BF-D3C0C8B3E31B}"/>
             </c:ext>
           </c:extLst>
         </c:ser>
@@ -5230,7 +5258,7 @@
             </c:strRef>
           </c:tx>
           <c:spPr>
-            <a:ln w="19050" cap="rnd">
+            <a:ln w="9525" cap="rnd">
               <a:solidFill>
                 <a:schemeClr val="accent1"/>
               </a:solidFill>
@@ -7728,7 +7756,7 @@
           <c:smooth val="1"/>
           <c:extLst>
             <c:ext xmlns:c16="http://schemas.microsoft.com/office/drawing/2014/chart" uri="{C3380CC4-5D6E-409C-BE32-E72D297353CC}">
-              <c16:uniqueId val="{00000002-7E0C-044E-A20A-EB3CF9E9DDA4}"/>
+              <c16:uniqueId val="{00000002-56FE-48DC-84BF-D3C0C8B3E31B}"/>
             </c:ext>
           </c:extLst>
         </c:ser>
@@ -7754,7 +7782,7 @@
           <c:spPr>
             <a:ln w="9525" cap="flat" cmpd="sng" algn="ctr">
               <a:solidFill>
-                <a:schemeClr val="tx1">
+                <a:schemeClr val="tx2">
                   <a:lumMod val="15000"/>
                   <a:lumOff val="85000"/>
                 </a:schemeClr>
@@ -7771,12 +7799,9 @@
               <a:lstStyle/>
               <a:p>
                 <a:pPr>
-                  <a:defRPr sz="1000" b="0" i="0" u="none" strike="noStrike" kern="1200" baseline="0">
+                  <a:defRPr sz="1197" b="1" i="0" u="none" strike="noStrike" kern="1200" baseline="0">
                     <a:solidFill>
-                      <a:schemeClr val="tx1">
-                        <a:lumMod val="65000"/>
-                        <a:lumOff val="35000"/>
-                      </a:schemeClr>
+                      <a:schemeClr val="tx2"/>
                     </a:solidFill>
                     <a:latin typeface="+mn-lt"/>
                     <a:ea typeface="+mn-ea"/>
@@ -7785,15 +7810,19 @@
                 </a:pPr>
                 <a:r>
                   <a:rPr lang="it-IT"/>
-                  <a:t>PWM Step</a:t>
-                </a:r>
-                <a:r>
-                  <a:rPr lang="it-IT" baseline="0"/>
-                  <a:t> Value [#]</a:t>
+                  <a:t>PWM Step Value [#]</a:t>
                 </a:r>
               </a:p>
             </c:rich>
           </c:tx>
+          <c:layout>
+            <c:manualLayout>
+              <c:xMode val="edge"/>
+              <c:yMode val="edge"/>
+              <c:x val="0.76545921356904267"/>
+              <c:y val="0.89610339300673569"/>
+            </c:manualLayout>
+          </c:layout>
           <c:overlay val="0"/>
           <c:spPr>
             <a:noFill/>
@@ -7802,6 +7831,23 @@
             </a:ln>
             <a:effectLst/>
           </c:spPr>
+          <c:txPr>
+            <a:bodyPr rot="0" spcFirstLastPara="1" vertOverflow="ellipsis" vert="horz" wrap="square" anchor="ctr" anchorCtr="1"/>
+            <a:lstStyle/>
+            <a:p>
+              <a:pPr>
+                <a:defRPr sz="1197" b="1" i="0" u="none" strike="noStrike" kern="1200" baseline="0">
+                  <a:solidFill>
+                    <a:schemeClr val="tx2"/>
+                  </a:solidFill>
+                  <a:latin typeface="+mn-lt"/>
+                  <a:ea typeface="+mn-ea"/>
+                  <a:cs typeface="+mn-cs"/>
+                </a:defRPr>
+              </a:pPr>
+              <a:endParaRPr lang="it-IT"/>
+            </a:p>
+          </c:txPr>
         </c:title>
         <c:numFmt formatCode="General" sourceLinked="1"/>
         <c:majorTickMark val="none"/>
@@ -7809,14 +7855,13 @@
         <c:tickLblPos val="nextTo"/>
         <c:spPr>
           <a:noFill/>
-          <a:ln w="9525" cap="flat" cmpd="sng" algn="ctr">
+          <a:ln>
             <a:solidFill>
-              <a:schemeClr val="tx1">
-                <a:lumMod val="25000"/>
-                <a:lumOff val="75000"/>
+              <a:schemeClr val="tx2">
+                <a:lumMod val="40000"/>
+                <a:lumOff val="60000"/>
               </a:schemeClr>
             </a:solidFill>
-            <a:round/>
           </a:ln>
           <a:effectLst/>
         </c:spPr>
@@ -7825,12 +7870,9 @@
           <a:lstStyle/>
           <a:p>
             <a:pPr>
-              <a:defRPr sz="900" b="0" i="0" u="none" strike="noStrike" kern="1200" baseline="0">
+              <a:defRPr sz="1197" b="0" i="0" u="none" strike="noStrike" kern="1200" baseline="0">
                 <a:solidFill>
-                  <a:schemeClr val="tx1">
-                    <a:lumMod val="65000"/>
-                    <a:lumOff val="35000"/>
-                  </a:schemeClr>
+                  <a:schemeClr val="tx2"/>
                 </a:solidFill>
                 <a:latin typeface="+mn-lt"/>
                 <a:ea typeface="+mn-ea"/>
@@ -7855,7 +7897,7 @@
           <c:spPr>
             <a:ln w="9525" cap="flat" cmpd="sng" algn="ctr">
               <a:solidFill>
-                <a:schemeClr val="tx1">
+                <a:schemeClr val="tx2">
                   <a:lumMod val="15000"/>
                   <a:lumOff val="85000"/>
                 </a:schemeClr>
@@ -7872,12 +7914,9 @@
               <a:lstStyle/>
               <a:p>
                 <a:pPr>
-                  <a:defRPr sz="1000" b="0" i="0" u="none" strike="noStrike" kern="1200" baseline="0">
+                  <a:defRPr sz="1197" b="1" i="0" u="none" strike="noStrike" kern="1200" baseline="0">
                     <a:solidFill>
-                      <a:schemeClr val="tx1">
-                        <a:lumMod val="65000"/>
-                        <a:lumOff val="35000"/>
-                      </a:schemeClr>
+                      <a:schemeClr val="tx2"/>
                     </a:solidFill>
                     <a:latin typeface="+mn-lt"/>
                     <a:ea typeface="+mn-ea"/>
@@ -7885,16 +7924,20 @@
                   </a:defRPr>
                 </a:pPr>
                 <a:r>
-                  <a:rPr lang="it-IT" dirty="0" err="1"/>
-                  <a:t>Shaft</a:t>
-                </a:r>
-                <a:r>
-                  <a:rPr lang="it-IT" dirty="0"/>
-                  <a:t> Angle [°]</a:t>
+                  <a:rPr lang="it-IT"/>
+                  <a:t>Shaft Angle [°]</a:t>
                 </a:r>
               </a:p>
             </c:rich>
           </c:tx>
+          <c:layout>
+            <c:manualLayout>
+              <c:xMode val="edge"/>
+              <c:yMode val="edge"/>
+              <c:x val="0"/>
+              <c:y val="0.34846390315047254"/>
+            </c:manualLayout>
+          </c:layout>
           <c:overlay val="0"/>
           <c:spPr>
             <a:noFill/>
@@ -7903,6 +7946,23 @@
             </a:ln>
             <a:effectLst/>
           </c:spPr>
+          <c:txPr>
+            <a:bodyPr rot="-5400000" spcFirstLastPara="1" vertOverflow="ellipsis" vert="horz" wrap="square" anchor="ctr" anchorCtr="1"/>
+            <a:lstStyle/>
+            <a:p>
+              <a:pPr>
+                <a:defRPr sz="1197" b="1" i="0" u="none" strike="noStrike" kern="1200" baseline="0">
+                  <a:solidFill>
+                    <a:schemeClr val="tx2"/>
+                  </a:solidFill>
+                  <a:latin typeface="+mn-lt"/>
+                  <a:ea typeface="+mn-ea"/>
+                  <a:cs typeface="+mn-cs"/>
+                </a:defRPr>
+              </a:pPr>
+              <a:endParaRPr lang="it-IT"/>
+            </a:p>
+          </c:txPr>
         </c:title>
         <c:numFmt formatCode="0.000" sourceLinked="1"/>
         <c:majorTickMark val="none"/>
@@ -7910,14 +7970,13 @@
         <c:tickLblPos val="nextTo"/>
         <c:spPr>
           <a:noFill/>
-          <a:ln w="9525" cap="flat" cmpd="sng" algn="ctr">
+          <a:ln>
             <a:solidFill>
-              <a:schemeClr val="tx1">
-                <a:lumMod val="25000"/>
-                <a:lumOff val="75000"/>
+              <a:schemeClr val="tx2">
+                <a:lumMod val="40000"/>
+                <a:lumOff val="60000"/>
               </a:schemeClr>
             </a:solidFill>
-            <a:round/>
           </a:ln>
           <a:effectLst/>
         </c:spPr>
@@ -7926,12 +7985,9 @@
           <a:lstStyle/>
           <a:p>
             <a:pPr>
-              <a:defRPr sz="900" b="0" i="0" u="none" strike="noStrike" kern="1200" baseline="0">
+              <a:defRPr sz="1197" b="0" i="0" u="none" strike="noStrike" kern="1200" baseline="0">
                 <a:solidFill>
-                  <a:schemeClr val="tx1">
-                    <a:lumMod val="65000"/>
-                    <a:lumOff val="35000"/>
-                  </a:schemeClr>
+                  <a:schemeClr val="tx2"/>
                 </a:solidFill>
                 <a:latin typeface="+mn-lt"/>
                 <a:ea typeface="+mn-ea"/>
@@ -7945,12 +8001,26 @@
         <c:crosses val="autoZero"/>
         <c:crossBetween val="midCat"/>
       </c:valAx>
+      <c:spPr>
+        <a:noFill/>
+        <a:ln>
+          <a:noFill/>
+        </a:ln>
+        <a:effectLst/>
+      </c:spPr>
     </c:plotArea>
     <c:plotVisOnly val="1"/>
     <c:dispBlanksAs val="gap"/>
     <c:showDLblsOverMax val="0"/>
     <c:extLst/>
   </c:chart>
+  <c:spPr>
+    <a:noFill/>
+    <a:ln>
+      <a:noFill/>
+    </a:ln>
+    <a:effectLst/>
+  </c:spPr>
   <c:txPr>
     <a:bodyPr/>
     <a:lstStyle/>
@@ -7961,7 +8031,7 @@
       <a:endParaRPr lang="it-IT"/>
     </a:p>
   </c:txPr>
-  <c:externalData r:id="rId1">
+  <c:externalData r:id="rId3">
     <c:autoUpdate val="0"/>
   </c:externalData>
 </c:chartSpace>
@@ -7988,12 +8058,9 @@
           <a:lstStyle/>
           <a:p>
             <a:pPr>
-              <a:defRPr sz="1400" b="0" i="0" u="none" strike="noStrike" kern="1200" spc="0" baseline="0">
+              <a:defRPr sz="2128" b="1" i="0" u="none" strike="noStrike" kern="1200" baseline="0">
                 <a:solidFill>
-                  <a:schemeClr val="tx1">
-                    <a:lumMod val="65000"/>
-                    <a:lumOff val="35000"/>
-                  </a:schemeClr>
+                  <a:schemeClr val="tx2"/>
                 </a:solidFill>
                 <a:latin typeface="+mn-lt"/>
                 <a:ea typeface="+mn-ea"/>
@@ -8007,6 +8074,14 @@
           </a:p>
         </c:rich>
       </c:tx>
+      <c:layout>
+        <c:manualLayout>
+          <c:xMode val="edge"/>
+          <c:yMode val="edge"/>
+          <c:x val="0.44218745154317707"/>
+          <c:y val="0"/>
+        </c:manualLayout>
+      </c:layout>
       <c:overlay val="0"/>
       <c:spPr>
         <a:noFill/>
@@ -8015,6 +8090,23 @@
         </a:ln>
         <a:effectLst/>
       </c:spPr>
+      <c:txPr>
+        <a:bodyPr rot="0" spcFirstLastPara="1" vertOverflow="ellipsis" vert="horz" wrap="square" anchor="ctr" anchorCtr="1"/>
+        <a:lstStyle/>
+        <a:p>
+          <a:pPr>
+            <a:defRPr sz="2128" b="1" i="0" u="none" strike="noStrike" kern="1200" baseline="0">
+              <a:solidFill>
+                <a:schemeClr val="tx2"/>
+              </a:solidFill>
+              <a:latin typeface="+mn-lt"/>
+              <a:ea typeface="+mn-ea"/>
+              <a:cs typeface="+mn-cs"/>
+            </a:defRPr>
+          </a:pPr>
+          <a:endParaRPr lang="it-IT"/>
+        </a:p>
+      </c:txPr>
     </c:title>
     <c:autoTitleDeleted val="0"/>
     <c:plotArea>
@@ -8023,9 +8115,9 @@
           <c:layoutTarget val="inner"/>
           <c:xMode val="edge"/>
           <c:yMode val="edge"/>
-          <c:x val="5.2952140748031493E-2"/>
+          <c:x val="0.15449409394909347"/>
           <c:y val="9.7062469554839215E-2"/>
-          <c:w val="0.91991633858267718"/>
+          <c:w val="0.81874863295354394"/>
           <c:h val="0.83436039817118857"/>
         </c:manualLayout>
       </c:layout>
@@ -8046,6 +8138,15 @@
               </c:strCache>
             </c:strRef>
           </c:tx>
+          <c:spPr>
+            <a:ln w="9525" cap="rnd">
+              <a:solidFill>
+                <a:schemeClr val="accent1"/>
+              </a:solidFill>
+              <a:round/>
+            </a:ln>
+            <a:effectLst/>
+          </c:spPr>
           <c:marker>
             <c:symbol val="none"/>
           </c:marker>
@@ -10536,7 +10637,7 @@
           <c:smooth val="1"/>
           <c:extLst>
             <c:ext xmlns:c16="http://schemas.microsoft.com/office/drawing/2014/chart" uri="{C3380CC4-5D6E-409C-BE32-E72D297353CC}">
-              <c16:uniqueId val="{00000000-696A-6D41-9B73-D19BA74ED5EB}"/>
+              <c16:uniqueId val="{00000000-E8B4-471B-9602-67A88EFA6975}"/>
             </c:ext>
           </c:extLst>
         </c:ser>
@@ -10554,6 +10655,15 @@
               </c:strCache>
             </c:strRef>
           </c:tx>
+          <c:spPr>
+            <a:ln w="9525" cap="rnd">
+              <a:solidFill>
+                <a:schemeClr val="accent2"/>
+              </a:solidFill>
+              <a:round/>
+            </a:ln>
+            <a:effectLst/>
+          </c:spPr>
           <c:marker>
             <c:symbol val="none"/>
           </c:marker>
@@ -13044,7 +13154,7 @@
           <c:smooth val="1"/>
           <c:extLst>
             <c:ext xmlns:c16="http://schemas.microsoft.com/office/drawing/2014/chart" uri="{C3380CC4-5D6E-409C-BE32-E72D297353CC}">
-              <c16:uniqueId val="{00000001-696A-6D41-9B73-D19BA74ED5EB}"/>
+              <c16:uniqueId val="{00000001-E8B4-471B-9602-67A88EFA6975}"/>
             </c:ext>
           </c:extLst>
         </c:ser>
@@ -13070,7 +13180,7 @@
           <c:spPr>
             <a:ln w="9525" cap="flat" cmpd="sng" algn="ctr">
               <a:solidFill>
-                <a:schemeClr val="tx1">
+                <a:schemeClr val="tx2">
                   <a:lumMod val="15000"/>
                   <a:lumOff val="85000"/>
                 </a:schemeClr>
@@ -13087,12 +13197,9 @@
               <a:lstStyle/>
               <a:p>
                 <a:pPr>
-                  <a:defRPr sz="1000" b="0" i="0" u="none" strike="noStrike" kern="1200" baseline="0">
+                  <a:defRPr sz="1197" b="1" i="0" u="none" strike="noStrike" kern="1200" baseline="0">
                     <a:solidFill>
-                      <a:schemeClr val="tx1">
-                        <a:lumMod val="65000"/>
-                        <a:lumOff val="35000"/>
-                      </a:schemeClr>
+                      <a:schemeClr val="tx2"/>
                     </a:solidFill>
                     <a:latin typeface="+mn-lt"/>
                     <a:ea typeface="+mn-ea"/>
@@ -13101,15 +13208,19 @@
                 </a:pPr>
                 <a:r>
                   <a:rPr lang="it-IT"/>
-                  <a:t>PWM Step</a:t>
-                </a:r>
-                <a:r>
-                  <a:rPr lang="it-IT" baseline="0"/>
-                  <a:t> Value [#]</a:t>
+                  <a:t>PWM Step Value [#]</a:t>
                 </a:r>
               </a:p>
             </c:rich>
           </c:tx>
+          <c:layout>
+            <c:manualLayout>
+              <c:xMode val="edge"/>
+              <c:yMode val="edge"/>
+              <c:x val="0.79042482512060774"/>
+              <c:y val="0.90032870661007669"/>
+            </c:manualLayout>
+          </c:layout>
           <c:overlay val="0"/>
           <c:spPr>
             <a:noFill/>
@@ -13118,6 +13229,23 @@
             </a:ln>
             <a:effectLst/>
           </c:spPr>
+          <c:txPr>
+            <a:bodyPr rot="0" spcFirstLastPara="1" vertOverflow="ellipsis" vert="horz" wrap="square" anchor="ctr" anchorCtr="1"/>
+            <a:lstStyle/>
+            <a:p>
+              <a:pPr>
+                <a:defRPr sz="1197" b="1" i="0" u="none" strike="noStrike" kern="1200" baseline="0">
+                  <a:solidFill>
+                    <a:schemeClr val="tx2"/>
+                  </a:solidFill>
+                  <a:latin typeface="+mn-lt"/>
+                  <a:ea typeface="+mn-ea"/>
+                  <a:cs typeface="+mn-cs"/>
+                </a:defRPr>
+              </a:pPr>
+              <a:endParaRPr lang="it-IT"/>
+            </a:p>
+          </c:txPr>
         </c:title>
         <c:numFmt formatCode="General" sourceLinked="1"/>
         <c:majorTickMark val="none"/>
@@ -13125,14 +13253,13 @@
         <c:tickLblPos val="nextTo"/>
         <c:spPr>
           <a:noFill/>
-          <a:ln w="9525" cap="flat" cmpd="sng" algn="ctr">
+          <a:ln>
             <a:solidFill>
-              <a:schemeClr val="tx1">
-                <a:lumMod val="25000"/>
-                <a:lumOff val="75000"/>
+              <a:schemeClr val="tx2">
+                <a:lumMod val="40000"/>
+                <a:lumOff val="60000"/>
               </a:schemeClr>
             </a:solidFill>
-            <a:round/>
           </a:ln>
           <a:effectLst/>
         </c:spPr>
@@ -13141,12 +13268,9 @@
           <a:lstStyle/>
           <a:p>
             <a:pPr>
-              <a:defRPr sz="900" b="0" i="0" u="none" strike="noStrike" kern="1200" baseline="0">
+              <a:defRPr sz="1197" b="0" i="0" u="none" strike="noStrike" kern="1200" baseline="0">
                 <a:solidFill>
-                  <a:schemeClr val="tx1">
-                    <a:lumMod val="65000"/>
-                    <a:lumOff val="35000"/>
-                  </a:schemeClr>
+                  <a:schemeClr val="tx2"/>
                 </a:solidFill>
                 <a:latin typeface="+mn-lt"/>
                 <a:ea typeface="+mn-ea"/>
@@ -13171,7 +13295,7 @@
           <c:spPr>
             <a:ln w="9525" cap="flat" cmpd="sng" algn="ctr">
               <a:solidFill>
-                <a:schemeClr val="tx1">
+                <a:schemeClr val="tx2">
                   <a:lumMod val="15000"/>
                   <a:lumOff val="85000"/>
                 </a:schemeClr>
@@ -13188,12 +13312,9 @@
               <a:lstStyle/>
               <a:p>
                 <a:pPr>
-                  <a:defRPr sz="1000" b="0" i="0" u="none" strike="noStrike" kern="1200" baseline="0">
+                  <a:defRPr sz="1197" b="1" i="0" u="none" strike="noStrike" kern="1200" baseline="0">
                     <a:solidFill>
-                      <a:schemeClr val="tx1">
-                        <a:lumMod val="65000"/>
-                        <a:lumOff val="35000"/>
-                      </a:schemeClr>
+                      <a:schemeClr val="tx2"/>
                     </a:solidFill>
                     <a:latin typeface="+mn-lt"/>
                     <a:ea typeface="+mn-ea"/>
@@ -13215,6 +13336,23 @@
             </a:ln>
             <a:effectLst/>
           </c:spPr>
+          <c:txPr>
+            <a:bodyPr rot="-5400000" spcFirstLastPara="1" vertOverflow="ellipsis" vert="horz" wrap="square" anchor="ctr" anchorCtr="1"/>
+            <a:lstStyle/>
+            <a:p>
+              <a:pPr>
+                <a:defRPr sz="1197" b="1" i="0" u="none" strike="noStrike" kern="1200" baseline="0">
+                  <a:solidFill>
+                    <a:schemeClr val="tx2"/>
+                  </a:solidFill>
+                  <a:latin typeface="+mn-lt"/>
+                  <a:ea typeface="+mn-ea"/>
+                  <a:cs typeface="+mn-cs"/>
+                </a:defRPr>
+              </a:pPr>
+              <a:endParaRPr lang="it-IT"/>
+            </a:p>
+          </c:txPr>
         </c:title>
         <c:numFmt formatCode="0.000" sourceLinked="1"/>
         <c:majorTickMark val="none"/>
@@ -13222,14 +13360,13 @@
         <c:tickLblPos val="nextTo"/>
         <c:spPr>
           <a:noFill/>
-          <a:ln w="9525" cap="flat" cmpd="sng" algn="ctr">
+          <a:ln>
             <a:solidFill>
-              <a:schemeClr val="tx1">
-                <a:lumMod val="25000"/>
-                <a:lumOff val="75000"/>
+              <a:schemeClr val="tx2">
+                <a:lumMod val="40000"/>
+                <a:lumOff val="60000"/>
               </a:schemeClr>
             </a:solidFill>
-            <a:round/>
           </a:ln>
           <a:effectLst/>
         </c:spPr>
@@ -13238,12 +13375,9 @@
           <a:lstStyle/>
           <a:p>
             <a:pPr>
-              <a:defRPr sz="900" b="0" i="0" u="none" strike="noStrike" kern="1200" baseline="0">
+              <a:defRPr sz="1197" b="0" i="0" u="none" strike="noStrike" kern="1200" baseline="0">
                 <a:solidFill>
-                  <a:schemeClr val="tx1">
-                    <a:lumMod val="65000"/>
-                    <a:lumOff val="35000"/>
-                  </a:schemeClr>
+                  <a:schemeClr val="tx2"/>
                 </a:solidFill>
                 <a:latin typeface="+mn-lt"/>
                 <a:ea typeface="+mn-ea"/>
@@ -13257,12 +13391,26 @@
         <c:crosses val="autoZero"/>
         <c:crossBetween val="midCat"/>
       </c:valAx>
+      <c:spPr>
+        <a:noFill/>
+        <a:ln>
+          <a:noFill/>
+        </a:ln>
+        <a:effectLst/>
+      </c:spPr>
     </c:plotArea>
     <c:plotVisOnly val="1"/>
     <c:dispBlanksAs val="gap"/>
     <c:showDLblsOverMax val="0"/>
     <c:extLst/>
   </c:chart>
+  <c:spPr>
+    <a:noFill/>
+    <a:ln>
+      <a:noFill/>
+    </a:ln>
+    <a:effectLst/>
+  </c:spPr>
   <c:txPr>
     <a:bodyPr/>
     <a:lstStyle/>
@@ -13273,15 +13421,1061 @@
       <a:endParaRPr lang="it-IT"/>
     </a:p>
   </c:txPr>
-  <c:externalData r:id="rId1">
+  <c:externalData r:id="rId3">
     <c:autoUpdate val="0"/>
   </c:externalData>
 </c:chartSpace>
 </file>
 
+<file path=ppt/charts/colors1.xml><?xml version="1.0" encoding="utf-8"?>
+<cs:colorStyle xmlns:cs="http://schemas.microsoft.com/office/drawing/2012/chartStyle" xmlns:a="http://schemas.openxmlformats.org/drawingml/2006/main" meth="cycle" id="10">
+  <a:schemeClr val="accent1"/>
+  <a:schemeClr val="accent2"/>
+  <a:schemeClr val="accent3"/>
+  <a:schemeClr val="accent4"/>
+  <a:schemeClr val="accent5"/>
+  <a:schemeClr val="accent6"/>
+  <cs:variation/>
+  <cs:variation>
+    <a:lumMod val="60000"/>
+  </cs:variation>
+  <cs:variation>
+    <a:lumMod val="80000"/>
+    <a:lumOff val="20000"/>
+  </cs:variation>
+  <cs:variation>
+    <a:lumMod val="80000"/>
+  </cs:variation>
+  <cs:variation>
+    <a:lumMod val="60000"/>
+    <a:lumOff val="40000"/>
+  </cs:variation>
+  <cs:variation>
+    <a:lumMod val="50000"/>
+  </cs:variation>
+  <cs:variation>
+    <a:lumMod val="70000"/>
+    <a:lumOff val="30000"/>
+  </cs:variation>
+  <cs:variation>
+    <a:lumMod val="70000"/>
+  </cs:variation>
+  <cs:variation>
+    <a:lumMod val="50000"/>
+    <a:lumOff val="50000"/>
+  </cs:variation>
+</cs:colorStyle>
+</file>
+
+<file path=ppt/charts/colors2.xml><?xml version="1.0" encoding="utf-8"?>
+<cs:colorStyle xmlns:cs="http://schemas.microsoft.com/office/drawing/2012/chartStyle" xmlns:a="http://schemas.openxmlformats.org/drawingml/2006/main" meth="cycle" id="10">
+  <a:schemeClr val="accent1"/>
+  <a:schemeClr val="accent2"/>
+  <a:schemeClr val="accent3"/>
+  <a:schemeClr val="accent4"/>
+  <a:schemeClr val="accent5"/>
+  <a:schemeClr val="accent6"/>
+  <cs:variation/>
+  <cs:variation>
+    <a:lumMod val="60000"/>
+  </cs:variation>
+  <cs:variation>
+    <a:lumMod val="80000"/>
+    <a:lumOff val="20000"/>
+  </cs:variation>
+  <cs:variation>
+    <a:lumMod val="80000"/>
+  </cs:variation>
+  <cs:variation>
+    <a:lumMod val="60000"/>
+    <a:lumOff val="40000"/>
+  </cs:variation>
+  <cs:variation>
+    <a:lumMod val="50000"/>
+  </cs:variation>
+  <cs:variation>
+    <a:lumMod val="70000"/>
+    <a:lumOff val="30000"/>
+  </cs:variation>
+  <cs:variation>
+    <a:lumMod val="70000"/>
+  </cs:variation>
+  <cs:variation>
+    <a:lumMod val="50000"/>
+    <a:lumOff val="50000"/>
+  </cs:variation>
+</cs:colorStyle>
+</file>
+
+<file path=ppt/charts/style1.xml><?xml version="1.0" encoding="utf-8"?>
+<cs:chartStyle xmlns:cs="http://schemas.microsoft.com/office/drawing/2012/chartStyle" xmlns:a="http://schemas.openxmlformats.org/drawingml/2006/main" id="242">
+  <cs:axisTitle>
+    <cs:lnRef idx="0"/>
+    <cs:fillRef idx="0"/>
+    <cs:effectRef idx="0"/>
+    <cs:fontRef idx="minor">
+      <a:schemeClr val="tx2"/>
+    </cs:fontRef>
+    <cs:defRPr sz="1197" b="1" kern="1200"/>
+  </cs:axisTitle>
+  <cs:categoryAxis>
+    <cs:lnRef idx="0"/>
+    <cs:fillRef idx="0"/>
+    <cs:effectRef idx="0"/>
+    <cs:fontRef idx="minor">
+      <a:schemeClr val="tx2"/>
+    </cs:fontRef>
+    <cs:spPr>
+      <a:ln w="9525" cap="flat" cmpd="sng" algn="ctr">
+        <a:solidFill>
+          <a:schemeClr val="tx2">
+            <a:lumMod val="15000"/>
+            <a:lumOff val="85000"/>
+          </a:schemeClr>
+        </a:solidFill>
+        <a:round/>
+      </a:ln>
+    </cs:spPr>
+    <cs:defRPr sz="1197" kern="1200"/>
+  </cs:categoryAxis>
+  <cs:chartArea mods="allowNoFillOverride allowNoLineOverride">
+    <cs:lnRef idx="0"/>
+    <cs:fillRef idx="0"/>
+    <cs:effectRef idx="0"/>
+    <cs:fontRef idx="minor">
+      <a:schemeClr val="tx2"/>
+    </cs:fontRef>
+    <cs:spPr>
+      <a:solidFill>
+        <a:schemeClr val="bg1"/>
+      </a:solidFill>
+      <a:ln w="9525" cap="flat" cmpd="sng" algn="ctr">
+        <a:solidFill>
+          <a:schemeClr val="tx2">
+            <a:lumMod val="15000"/>
+            <a:lumOff val="85000"/>
+          </a:schemeClr>
+        </a:solidFill>
+        <a:round/>
+      </a:ln>
+    </cs:spPr>
+    <cs:defRPr sz="1197" kern="1200"/>
+  </cs:chartArea>
+  <cs:dataLabel>
+    <cs:lnRef idx="0"/>
+    <cs:fillRef idx="0"/>
+    <cs:effectRef idx="0"/>
+    <cs:fontRef idx="minor">
+      <a:schemeClr val="tx2"/>
+    </cs:fontRef>
+    <cs:defRPr sz="1197" kern="1200"/>
+  </cs:dataLabel>
+  <cs:dataLabelCallout>
+    <cs:lnRef idx="0"/>
+    <cs:fillRef idx="0"/>
+    <cs:effectRef idx="0"/>
+    <cs:fontRef idx="minor">
+      <a:schemeClr val="dk2">
+        <a:lumMod val="75000"/>
+      </a:schemeClr>
+    </cs:fontRef>
+    <cs:spPr>
+      <a:solidFill>
+        <a:schemeClr val="lt1"/>
+      </a:solidFill>
+      <a:ln>
+        <a:solidFill>
+          <a:schemeClr val="dk1">
+            <a:lumMod val="25000"/>
+            <a:lumOff val="75000"/>
+          </a:schemeClr>
+        </a:solidFill>
+      </a:ln>
+    </cs:spPr>
+    <cs:defRPr sz="1197" kern="1200"/>
+    <cs:bodyPr rot="0" spcFirstLastPara="1" vertOverflow="clip" horzOverflow="clip" vert="horz" wrap="square" lIns="36576" tIns="18288" rIns="36576" bIns="18288" anchor="ctr" anchorCtr="1">
+      <a:spAutoFit/>
+    </cs:bodyPr>
+  </cs:dataLabelCallout>
+  <cs:dataPoint>
+    <cs:lnRef idx="0"/>
+    <cs:fillRef idx="3">
+      <cs:styleClr val="auto"/>
+    </cs:fillRef>
+    <cs:effectRef idx="2"/>
+    <cs:fontRef idx="minor">
+      <a:schemeClr val="tx2"/>
+    </cs:fontRef>
+  </cs:dataPoint>
+  <cs:dataPoint3D>
+    <cs:lnRef idx="0"/>
+    <cs:fillRef idx="3">
+      <cs:styleClr val="auto"/>
+    </cs:fillRef>
+    <cs:effectRef idx="2"/>
+    <cs:fontRef idx="minor">
+      <a:schemeClr val="tx2"/>
+    </cs:fontRef>
+  </cs:dataPoint3D>
+  <cs:dataPointLine>
+    <cs:lnRef idx="0">
+      <cs:styleClr val="auto"/>
+    </cs:lnRef>
+    <cs:fillRef idx="3"/>
+    <cs:effectRef idx="2"/>
+    <cs:fontRef idx="minor">
+      <a:schemeClr val="tx2"/>
+    </cs:fontRef>
+    <cs:spPr>
+      <a:ln w="9525" cap="rnd">
+        <a:solidFill>
+          <a:schemeClr val="phClr"/>
+        </a:solidFill>
+        <a:round/>
+      </a:ln>
+    </cs:spPr>
+  </cs:dataPointLine>
+  <cs:dataPointMarker>
+    <cs:lnRef idx="0">
+      <cs:styleClr val="auto"/>
+    </cs:lnRef>
+    <cs:fillRef idx="3">
+      <cs:styleClr val="auto"/>
+    </cs:fillRef>
+    <cs:effectRef idx="2"/>
+    <cs:fontRef idx="minor">
+      <a:schemeClr val="tx2"/>
+    </cs:fontRef>
+    <cs:spPr>
+      <a:ln w="9525">
+        <a:solidFill>
+          <a:schemeClr val="phClr"/>
+        </a:solidFill>
+        <a:round/>
+      </a:ln>
+    </cs:spPr>
+  </cs:dataPointMarker>
+  <cs:dataPointMarkerLayout symbol="circle" size="5"/>
+  <cs:dataPointWireframe>
+    <cs:lnRef idx="0">
+      <cs:styleClr val="auto"/>
+    </cs:lnRef>
+    <cs:fillRef idx="3"/>
+    <cs:effectRef idx="2"/>
+    <cs:fontRef idx="minor">
+      <a:schemeClr val="tx2"/>
+    </cs:fontRef>
+    <cs:spPr>
+      <a:ln w="9525" cap="rnd">
+        <a:solidFill>
+          <a:schemeClr val="phClr"/>
+        </a:solidFill>
+        <a:round/>
+      </a:ln>
+    </cs:spPr>
+  </cs:dataPointWireframe>
+  <cs:dataTable>
+    <cs:lnRef idx="0"/>
+    <cs:fillRef idx="0"/>
+    <cs:effectRef idx="0"/>
+    <cs:fontRef idx="minor">
+      <a:schemeClr val="tx2"/>
+    </cs:fontRef>
+    <cs:spPr>
+      <a:ln w="9525">
+        <a:solidFill>
+          <a:schemeClr val="tx2">
+            <a:lumMod val="15000"/>
+            <a:lumOff val="85000"/>
+          </a:schemeClr>
+        </a:solidFill>
+      </a:ln>
+    </cs:spPr>
+    <cs:defRPr sz="1197" kern="1200"/>
+  </cs:dataTable>
+  <cs:downBar>
+    <cs:lnRef idx="0"/>
+    <cs:fillRef idx="0"/>
+    <cs:effectRef idx="0"/>
+    <cs:fontRef idx="minor">
+      <a:schemeClr val="dk1"/>
+    </cs:fontRef>
+    <cs:spPr>
+      <a:solidFill>
+        <a:schemeClr val="dk1">
+          <a:lumMod val="65000"/>
+          <a:lumOff val="35000"/>
+        </a:schemeClr>
+      </a:solidFill>
+      <a:ln w="9525">
+        <a:solidFill>
+          <a:schemeClr val="tx1">
+            <a:lumMod val="65000"/>
+            <a:lumOff val="35000"/>
+          </a:schemeClr>
+        </a:solidFill>
+      </a:ln>
+    </cs:spPr>
+  </cs:downBar>
+  <cs:dropLine>
+    <cs:lnRef idx="0"/>
+    <cs:fillRef idx="0"/>
+    <cs:effectRef idx="0"/>
+    <cs:fontRef idx="minor">
+      <a:schemeClr val="tx2"/>
+    </cs:fontRef>
+    <cs:spPr>
+      <a:ln w="9525">
+        <a:solidFill>
+          <a:schemeClr val="tx2">
+            <a:lumMod val="60000"/>
+            <a:lumOff val="40000"/>
+          </a:schemeClr>
+        </a:solidFill>
+        <a:prstDash val="dash"/>
+      </a:ln>
+    </cs:spPr>
+  </cs:dropLine>
+  <cs:errorBar>
+    <cs:lnRef idx="0"/>
+    <cs:fillRef idx="0"/>
+    <cs:effectRef idx="0"/>
+    <cs:fontRef idx="minor">
+      <a:schemeClr val="tx2"/>
+    </cs:fontRef>
+    <cs:spPr>
+      <a:ln w="9525">
+        <a:solidFill>
+          <a:schemeClr val="tx2">
+            <a:lumMod val="75000"/>
+          </a:schemeClr>
+        </a:solidFill>
+        <a:round/>
+      </a:ln>
+    </cs:spPr>
+  </cs:errorBar>
+  <cs:floor>
+    <cs:lnRef idx="0"/>
+    <cs:fillRef idx="0"/>
+    <cs:effectRef idx="0"/>
+    <cs:fontRef idx="minor">
+      <a:schemeClr val="tx2"/>
+    </cs:fontRef>
+  </cs:floor>
+  <cs:gridlineMajor>
+    <cs:lnRef idx="0"/>
+    <cs:fillRef idx="0"/>
+    <cs:effectRef idx="0"/>
+    <cs:fontRef idx="minor">
+      <a:schemeClr val="tx2"/>
+    </cs:fontRef>
+    <cs:spPr>
+      <a:ln w="9525" cap="flat" cmpd="sng" algn="ctr">
+        <a:solidFill>
+          <a:schemeClr val="tx2">
+            <a:lumMod val="15000"/>
+            <a:lumOff val="85000"/>
+          </a:schemeClr>
+        </a:solidFill>
+        <a:round/>
+      </a:ln>
+    </cs:spPr>
+  </cs:gridlineMajor>
+  <cs:gridlineMinor>
+    <cs:lnRef idx="0"/>
+    <cs:fillRef idx="0"/>
+    <cs:effectRef idx="0"/>
+    <cs:fontRef idx="minor">
+      <a:schemeClr val="tx2"/>
+    </cs:fontRef>
+    <cs:spPr>
+      <a:ln>
+        <a:solidFill>
+          <a:schemeClr val="tx2">
+            <a:lumMod val="5000"/>
+            <a:lumOff val="95000"/>
+          </a:schemeClr>
+        </a:solidFill>
+      </a:ln>
+    </cs:spPr>
+  </cs:gridlineMinor>
+  <cs:hiLoLine>
+    <cs:lnRef idx="0"/>
+    <cs:fillRef idx="0"/>
+    <cs:effectRef idx="0"/>
+    <cs:fontRef idx="minor">
+      <a:schemeClr val="tx2"/>
+    </cs:fontRef>
+    <cs:spPr>
+      <a:ln w="9525">
+        <a:solidFill>
+          <a:schemeClr val="tx2">
+            <a:lumMod val="60000"/>
+            <a:lumOff val="40000"/>
+          </a:schemeClr>
+        </a:solidFill>
+        <a:prstDash val="dash"/>
+      </a:ln>
+    </cs:spPr>
+  </cs:hiLoLine>
+  <cs:leaderLine>
+    <cs:lnRef idx="0"/>
+    <cs:fillRef idx="0"/>
+    <cs:effectRef idx="0"/>
+    <cs:fontRef idx="minor">
+      <a:schemeClr val="tx2"/>
+    </cs:fontRef>
+    <cs:spPr>
+      <a:ln w="9525">
+        <a:solidFill>
+          <a:schemeClr val="tx2">
+            <a:lumMod val="35000"/>
+            <a:lumOff val="65000"/>
+          </a:schemeClr>
+        </a:solidFill>
+      </a:ln>
+    </cs:spPr>
+  </cs:leaderLine>
+  <cs:legend>
+    <cs:lnRef idx="0"/>
+    <cs:fillRef idx="0"/>
+    <cs:effectRef idx="0"/>
+    <cs:fontRef idx="minor">
+      <a:schemeClr val="tx2"/>
+    </cs:fontRef>
+    <cs:defRPr sz="1197" kern="1200"/>
+  </cs:legend>
+  <cs:plotArea>
+    <cs:lnRef idx="0"/>
+    <cs:fillRef idx="0"/>
+    <cs:effectRef idx="0"/>
+    <cs:fontRef idx="minor">
+      <a:schemeClr val="tx2"/>
+    </cs:fontRef>
+  </cs:plotArea>
+  <cs:plotArea3D>
+    <cs:lnRef idx="0"/>
+    <cs:fillRef idx="0"/>
+    <cs:effectRef idx="0"/>
+    <cs:fontRef idx="minor">
+      <a:schemeClr val="tx2"/>
+    </cs:fontRef>
+  </cs:plotArea3D>
+  <cs:seriesAxis>
+    <cs:lnRef idx="0"/>
+    <cs:fillRef idx="0"/>
+    <cs:effectRef idx="0"/>
+    <cs:fontRef idx="minor">
+      <a:schemeClr val="tx2"/>
+    </cs:fontRef>
+    <cs:spPr>
+      <a:ln w="9525" cap="flat" cmpd="sng" algn="ctr">
+        <a:solidFill>
+          <a:schemeClr val="tx2">
+            <a:lumMod val="15000"/>
+            <a:lumOff val="85000"/>
+          </a:schemeClr>
+        </a:solidFill>
+        <a:round/>
+      </a:ln>
+    </cs:spPr>
+    <cs:defRPr sz="1197" kern="1200"/>
+  </cs:seriesAxis>
+  <cs:seriesLine>
+    <cs:lnRef idx="0"/>
+    <cs:fillRef idx="0"/>
+    <cs:effectRef idx="0"/>
+    <cs:fontRef idx="minor">
+      <a:schemeClr val="tx2"/>
+    </cs:fontRef>
+    <cs:spPr>
+      <a:ln w="9525">
+        <a:solidFill>
+          <a:schemeClr val="tx2">
+            <a:lumMod val="60000"/>
+            <a:lumOff val="40000"/>
+          </a:schemeClr>
+        </a:solidFill>
+        <a:prstDash val="dash"/>
+      </a:ln>
+    </cs:spPr>
+  </cs:seriesLine>
+  <cs:title>
+    <cs:lnRef idx="0"/>
+    <cs:fillRef idx="0"/>
+    <cs:effectRef idx="0"/>
+    <cs:fontRef idx="minor">
+      <a:schemeClr val="tx2"/>
+    </cs:fontRef>
+    <cs:defRPr sz="2128" b="1" kern="1200"/>
+  </cs:title>
+  <cs:trendline>
+    <cs:lnRef idx="0">
+      <cs:styleClr val="auto"/>
+    </cs:lnRef>
+    <cs:fillRef idx="0"/>
+    <cs:effectRef idx="0"/>
+    <cs:fontRef idx="minor">
+      <a:schemeClr val="tx2"/>
+    </cs:fontRef>
+    <cs:spPr>
+      <a:ln w="9525" cap="rnd">
+        <a:solidFill>
+          <a:schemeClr val="phClr"/>
+        </a:solidFill>
+      </a:ln>
+    </cs:spPr>
+  </cs:trendline>
+  <cs:trendlineLabel>
+    <cs:lnRef idx="0"/>
+    <cs:fillRef idx="0"/>
+    <cs:effectRef idx="0"/>
+    <cs:fontRef idx="minor">
+      <a:schemeClr val="tx2"/>
+    </cs:fontRef>
+    <cs:defRPr sz="1197" kern="1200"/>
+  </cs:trendlineLabel>
+  <cs:upBar>
+    <cs:lnRef idx="0"/>
+    <cs:fillRef idx="0"/>
+    <cs:effectRef idx="0"/>
+    <cs:fontRef idx="minor">
+      <a:schemeClr val="tx2"/>
+    </cs:fontRef>
+    <cs:spPr>
+      <a:solidFill>
+        <a:schemeClr val="lt1"/>
+      </a:solidFill>
+      <a:ln w="9525">
+        <a:solidFill>
+          <a:schemeClr val="tx1">
+            <a:lumMod val="15000"/>
+            <a:lumOff val="85000"/>
+          </a:schemeClr>
+        </a:solidFill>
+      </a:ln>
+    </cs:spPr>
+  </cs:upBar>
+  <cs:valueAxis>
+    <cs:lnRef idx="0"/>
+    <cs:fillRef idx="0"/>
+    <cs:effectRef idx="0"/>
+    <cs:fontRef idx="minor">
+      <a:schemeClr val="tx2"/>
+    </cs:fontRef>
+    <cs:spPr>
+      <a:ln>
+        <a:solidFill>
+          <a:schemeClr val="tx2">
+            <a:lumMod val="40000"/>
+            <a:lumOff val="60000"/>
+          </a:schemeClr>
+        </a:solidFill>
+      </a:ln>
+    </cs:spPr>
+    <cs:defRPr sz="1197" kern="1200"/>
+  </cs:valueAxis>
+  <cs:wall>
+    <cs:lnRef idx="0"/>
+    <cs:fillRef idx="0"/>
+    <cs:effectRef idx="0"/>
+    <cs:fontRef idx="minor">
+      <a:schemeClr val="tx2"/>
+    </cs:fontRef>
+  </cs:wall>
+</cs:chartStyle>
+</file>
+
+<file path=ppt/charts/style2.xml><?xml version="1.0" encoding="utf-8"?>
+<cs:chartStyle xmlns:cs="http://schemas.microsoft.com/office/drawing/2012/chartStyle" xmlns:a="http://schemas.openxmlformats.org/drawingml/2006/main" id="242">
+  <cs:axisTitle>
+    <cs:lnRef idx="0"/>
+    <cs:fillRef idx="0"/>
+    <cs:effectRef idx="0"/>
+    <cs:fontRef idx="minor">
+      <a:schemeClr val="tx2"/>
+    </cs:fontRef>
+    <cs:defRPr sz="1197" b="1" kern="1200"/>
+  </cs:axisTitle>
+  <cs:categoryAxis>
+    <cs:lnRef idx="0"/>
+    <cs:fillRef idx="0"/>
+    <cs:effectRef idx="0"/>
+    <cs:fontRef idx="minor">
+      <a:schemeClr val="tx2"/>
+    </cs:fontRef>
+    <cs:spPr>
+      <a:ln w="9525" cap="flat" cmpd="sng" algn="ctr">
+        <a:solidFill>
+          <a:schemeClr val="tx2">
+            <a:lumMod val="15000"/>
+            <a:lumOff val="85000"/>
+          </a:schemeClr>
+        </a:solidFill>
+        <a:round/>
+      </a:ln>
+    </cs:spPr>
+    <cs:defRPr sz="1197" kern="1200"/>
+  </cs:categoryAxis>
+  <cs:chartArea mods="allowNoFillOverride allowNoLineOverride">
+    <cs:lnRef idx="0"/>
+    <cs:fillRef idx="0"/>
+    <cs:effectRef idx="0"/>
+    <cs:fontRef idx="minor">
+      <a:schemeClr val="tx2"/>
+    </cs:fontRef>
+    <cs:spPr>
+      <a:solidFill>
+        <a:schemeClr val="bg1"/>
+      </a:solidFill>
+      <a:ln w="9525" cap="flat" cmpd="sng" algn="ctr">
+        <a:solidFill>
+          <a:schemeClr val="tx2">
+            <a:lumMod val="15000"/>
+            <a:lumOff val="85000"/>
+          </a:schemeClr>
+        </a:solidFill>
+        <a:round/>
+      </a:ln>
+    </cs:spPr>
+    <cs:defRPr sz="1197" kern="1200"/>
+  </cs:chartArea>
+  <cs:dataLabel>
+    <cs:lnRef idx="0"/>
+    <cs:fillRef idx="0"/>
+    <cs:effectRef idx="0"/>
+    <cs:fontRef idx="minor">
+      <a:schemeClr val="tx2"/>
+    </cs:fontRef>
+    <cs:defRPr sz="1197" kern="1200"/>
+  </cs:dataLabel>
+  <cs:dataLabelCallout>
+    <cs:lnRef idx="0"/>
+    <cs:fillRef idx="0"/>
+    <cs:effectRef idx="0"/>
+    <cs:fontRef idx="minor">
+      <a:schemeClr val="dk2">
+        <a:lumMod val="75000"/>
+      </a:schemeClr>
+    </cs:fontRef>
+    <cs:spPr>
+      <a:solidFill>
+        <a:schemeClr val="lt1"/>
+      </a:solidFill>
+      <a:ln>
+        <a:solidFill>
+          <a:schemeClr val="dk1">
+            <a:lumMod val="25000"/>
+            <a:lumOff val="75000"/>
+          </a:schemeClr>
+        </a:solidFill>
+      </a:ln>
+    </cs:spPr>
+    <cs:defRPr sz="1197" kern="1200"/>
+    <cs:bodyPr rot="0" spcFirstLastPara="1" vertOverflow="clip" horzOverflow="clip" vert="horz" wrap="square" lIns="36576" tIns="18288" rIns="36576" bIns="18288" anchor="ctr" anchorCtr="1">
+      <a:spAutoFit/>
+    </cs:bodyPr>
+  </cs:dataLabelCallout>
+  <cs:dataPoint>
+    <cs:lnRef idx="0"/>
+    <cs:fillRef idx="3">
+      <cs:styleClr val="auto"/>
+    </cs:fillRef>
+    <cs:effectRef idx="2"/>
+    <cs:fontRef idx="minor">
+      <a:schemeClr val="tx2"/>
+    </cs:fontRef>
+  </cs:dataPoint>
+  <cs:dataPoint3D>
+    <cs:lnRef idx="0"/>
+    <cs:fillRef idx="3">
+      <cs:styleClr val="auto"/>
+    </cs:fillRef>
+    <cs:effectRef idx="2"/>
+    <cs:fontRef idx="minor">
+      <a:schemeClr val="tx2"/>
+    </cs:fontRef>
+  </cs:dataPoint3D>
+  <cs:dataPointLine>
+    <cs:lnRef idx="0">
+      <cs:styleClr val="auto"/>
+    </cs:lnRef>
+    <cs:fillRef idx="3"/>
+    <cs:effectRef idx="2"/>
+    <cs:fontRef idx="minor">
+      <a:schemeClr val="tx2"/>
+    </cs:fontRef>
+    <cs:spPr>
+      <a:ln w="9525" cap="rnd">
+        <a:solidFill>
+          <a:schemeClr val="phClr"/>
+        </a:solidFill>
+        <a:round/>
+      </a:ln>
+    </cs:spPr>
+  </cs:dataPointLine>
+  <cs:dataPointMarker>
+    <cs:lnRef idx="0">
+      <cs:styleClr val="auto"/>
+    </cs:lnRef>
+    <cs:fillRef idx="3">
+      <cs:styleClr val="auto"/>
+    </cs:fillRef>
+    <cs:effectRef idx="2"/>
+    <cs:fontRef idx="minor">
+      <a:schemeClr val="tx2"/>
+    </cs:fontRef>
+    <cs:spPr>
+      <a:ln w="9525">
+        <a:solidFill>
+          <a:schemeClr val="phClr"/>
+        </a:solidFill>
+        <a:round/>
+      </a:ln>
+    </cs:spPr>
+  </cs:dataPointMarker>
+  <cs:dataPointMarkerLayout symbol="circle" size="5"/>
+  <cs:dataPointWireframe>
+    <cs:lnRef idx="0">
+      <cs:styleClr val="auto"/>
+    </cs:lnRef>
+    <cs:fillRef idx="3"/>
+    <cs:effectRef idx="2"/>
+    <cs:fontRef idx="minor">
+      <a:schemeClr val="tx2"/>
+    </cs:fontRef>
+    <cs:spPr>
+      <a:ln w="9525" cap="rnd">
+        <a:solidFill>
+          <a:schemeClr val="phClr"/>
+        </a:solidFill>
+        <a:round/>
+      </a:ln>
+    </cs:spPr>
+  </cs:dataPointWireframe>
+  <cs:dataTable>
+    <cs:lnRef idx="0"/>
+    <cs:fillRef idx="0"/>
+    <cs:effectRef idx="0"/>
+    <cs:fontRef idx="minor">
+      <a:schemeClr val="tx2"/>
+    </cs:fontRef>
+    <cs:spPr>
+      <a:ln w="9525">
+        <a:solidFill>
+          <a:schemeClr val="tx2">
+            <a:lumMod val="15000"/>
+            <a:lumOff val="85000"/>
+          </a:schemeClr>
+        </a:solidFill>
+      </a:ln>
+    </cs:spPr>
+    <cs:defRPr sz="1197" kern="1200"/>
+  </cs:dataTable>
+  <cs:downBar>
+    <cs:lnRef idx="0"/>
+    <cs:fillRef idx="0"/>
+    <cs:effectRef idx="0"/>
+    <cs:fontRef idx="minor">
+      <a:schemeClr val="dk1"/>
+    </cs:fontRef>
+    <cs:spPr>
+      <a:solidFill>
+        <a:schemeClr val="dk1">
+          <a:lumMod val="65000"/>
+          <a:lumOff val="35000"/>
+        </a:schemeClr>
+      </a:solidFill>
+      <a:ln w="9525">
+        <a:solidFill>
+          <a:schemeClr val="tx1">
+            <a:lumMod val="65000"/>
+            <a:lumOff val="35000"/>
+          </a:schemeClr>
+        </a:solidFill>
+      </a:ln>
+    </cs:spPr>
+  </cs:downBar>
+  <cs:dropLine>
+    <cs:lnRef idx="0"/>
+    <cs:fillRef idx="0"/>
+    <cs:effectRef idx="0"/>
+    <cs:fontRef idx="minor">
+      <a:schemeClr val="tx2"/>
+    </cs:fontRef>
+    <cs:spPr>
+      <a:ln w="9525">
+        <a:solidFill>
+          <a:schemeClr val="tx2">
+            <a:lumMod val="60000"/>
+            <a:lumOff val="40000"/>
+          </a:schemeClr>
+        </a:solidFill>
+        <a:prstDash val="dash"/>
+      </a:ln>
+    </cs:spPr>
+  </cs:dropLine>
+  <cs:errorBar>
+    <cs:lnRef idx="0"/>
+    <cs:fillRef idx="0"/>
+    <cs:effectRef idx="0"/>
+    <cs:fontRef idx="minor">
+      <a:schemeClr val="tx2"/>
+    </cs:fontRef>
+    <cs:spPr>
+      <a:ln w="9525">
+        <a:solidFill>
+          <a:schemeClr val="tx2">
+            <a:lumMod val="75000"/>
+          </a:schemeClr>
+        </a:solidFill>
+        <a:round/>
+      </a:ln>
+    </cs:spPr>
+  </cs:errorBar>
+  <cs:floor>
+    <cs:lnRef idx="0"/>
+    <cs:fillRef idx="0"/>
+    <cs:effectRef idx="0"/>
+    <cs:fontRef idx="minor">
+      <a:schemeClr val="tx2"/>
+    </cs:fontRef>
+  </cs:floor>
+  <cs:gridlineMajor>
+    <cs:lnRef idx="0"/>
+    <cs:fillRef idx="0"/>
+    <cs:effectRef idx="0"/>
+    <cs:fontRef idx="minor">
+      <a:schemeClr val="tx2"/>
+    </cs:fontRef>
+    <cs:spPr>
+      <a:ln w="9525" cap="flat" cmpd="sng" algn="ctr">
+        <a:solidFill>
+          <a:schemeClr val="tx2">
+            <a:lumMod val="15000"/>
+            <a:lumOff val="85000"/>
+          </a:schemeClr>
+        </a:solidFill>
+        <a:round/>
+      </a:ln>
+    </cs:spPr>
+  </cs:gridlineMajor>
+  <cs:gridlineMinor>
+    <cs:lnRef idx="0"/>
+    <cs:fillRef idx="0"/>
+    <cs:effectRef idx="0"/>
+    <cs:fontRef idx="minor">
+      <a:schemeClr val="tx2"/>
+    </cs:fontRef>
+    <cs:spPr>
+      <a:ln>
+        <a:solidFill>
+          <a:schemeClr val="tx2">
+            <a:lumMod val="5000"/>
+            <a:lumOff val="95000"/>
+          </a:schemeClr>
+        </a:solidFill>
+      </a:ln>
+    </cs:spPr>
+  </cs:gridlineMinor>
+  <cs:hiLoLine>
+    <cs:lnRef idx="0"/>
+    <cs:fillRef idx="0"/>
+    <cs:effectRef idx="0"/>
+    <cs:fontRef idx="minor">
+      <a:schemeClr val="tx2"/>
+    </cs:fontRef>
+    <cs:spPr>
+      <a:ln w="9525">
+        <a:solidFill>
+          <a:schemeClr val="tx2">
+            <a:lumMod val="60000"/>
+            <a:lumOff val="40000"/>
+          </a:schemeClr>
+        </a:solidFill>
+        <a:prstDash val="dash"/>
+      </a:ln>
+    </cs:spPr>
+  </cs:hiLoLine>
+  <cs:leaderLine>
+    <cs:lnRef idx="0"/>
+    <cs:fillRef idx="0"/>
+    <cs:effectRef idx="0"/>
+    <cs:fontRef idx="minor">
+      <a:schemeClr val="tx2"/>
+    </cs:fontRef>
+    <cs:spPr>
+      <a:ln w="9525">
+        <a:solidFill>
+          <a:schemeClr val="tx2">
+            <a:lumMod val="35000"/>
+            <a:lumOff val="65000"/>
+          </a:schemeClr>
+        </a:solidFill>
+      </a:ln>
+    </cs:spPr>
+  </cs:leaderLine>
+  <cs:legend>
+    <cs:lnRef idx="0"/>
+    <cs:fillRef idx="0"/>
+    <cs:effectRef idx="0"/>
+    <cs:fontRef idx="minor">
+      <a:schemeClr val="tx2"/>
+    </cs:fontRef>
+    <cs:defRPr sz="1197" kern="1200"/>
+  </cs:legend>
+  <cs:plotArea>
+    <cs:lnRef idx="0"/>
+    <cs:fillRef idx="0"/>
+    <cs:effectRef idx="0"/>
+    <cs:fontRef idx="minor">
+      <a:schemeClr val="tx2"/>
+    </cs:fontRef>
+  </cs:plotArea>
+  <cs:plotArea3D>
+    <cs:lnRef idx="0"/>
+    <cs:fillRef idx="0"/>
+    <cs:effectRef idx="0"/>
+    <cs:fontRef idx="minor">
+      <a:schemeClr val="tx2"/>
+    </cs:fontRef>
+  </cs:plotArea3D>
+  <cs:seriesAxis>
+    <cs:lnRef idx="0"/>
+    <cs:fillRef idx="0"/>
+    <cs:effectRef idx="0"/>
+    <cs:fontRef idx="minor">
+      <a:schemeClr val="tx2"/>
+    </cs:fontRef>
+    <cs:spPr>
+      <a:ln w="9525" cap="flat" cmpd="sng" algn="ctr">
+        <a:solidFill>
+          <a:schemeClr val="tx2">
+            <a:lumMod val="15000"/>
+            <a:lumOff val="85000"/>
+          </a:schemeClr>
+        </a:solidFill>
+        <a:round/>
+      </a:ln>
+    </cs:spPr>
+    <cs:defRPr sz="1197" kern="1200"/>
+  </cs:seriesAxis>
+  <cs:seriesLine>
+    <cs:lnRef idx="0"/>
+    <cs:fillRef idx="0"/>
+    <cs:effectRef idx="0"/>
+    <cs:fontRef idx="minor">
+      <a:schemeClr val="tx2"/>
+    </cs:fontRef>
+    <cs:spPr>
+      <a:ln w="9525">
+        <a:solidFill>
+          <a:schemeClr val="tx2">
+            <a:lumMod val="60000"/>
+            <a:lumOff val="40000"/>
+          </a:schemeClr>
+        </a:solidFill>
+        <a:prstDash val="dash"/>
+      </a:ln>
+    </cs:spPr>
+  </cs:seriesLine>
+  <cs:title>
+    <cs:lnRef idx="0"/>
+    <cs:fillRef idx="0"/>
+    <cs:effectRef idx="0"/>
+    <cs:fontRef idx="minor">
+      <a:schemeClr val="tx2"/>
+    </cs:fontRef>
+    <cs:defRPr sz="2128" b="1" kern="1200"/>
+  </cs:title>
+  <cs:trendline>
+    <cs:lnRef idx="0">
+      <cs:styleClr val="auto"/>
+    </cs:lnRef>
+    <cs:fillRef idx="0"/>
+    <cs:effectRef idx="0"/>
+    <cs:fontRef idx="minor">
+      <a:schemeClr val="tx2"/>
+    </cs:fontRef>
+    <cs:spPr>
+      <a:ln w="9525" cap="rnd">
+        <a:solidFill>
+          <a:schemeClr val="phClr"/>
+        </a:solidFill>
+      </a:ln>
+    </cs:spPr>
+  </cs:trendline>
+  <cs:trendlineLabel>
+    <cs:lnRef idx="0"/>
+    <cs:fillRef idx="0"/>
+    <cs:effectRef idx="0"/>
+    <cs:fontRef idx="minor">
+      <a:schemeClr val="tx2"/>
+    </cs:fontRef>
+    <cs:defRPr sz="1197" kern="1200"/>
+  </cs:trendlineLabel>
+  <cs:upBar>
+    <cs:lnRef idx="0"/>
+    <cs:fillRef idx="0"/>
+    <cs:effectRef idx="0"/>
+    <cs:fontRef idx="minor">
+      <a:schemeClr val="tx2"/>
+    </cs:fontRef>
+    <cs:spPr>
+      <a:solidFill>
+        <a:schemeClr val="lt1"/>
+      </a:solidFill>
+      <a:ln w="9525">
+        <a:solidFill>
+          <a:schemeClr val="tx1">
+            <a:lumMod val="15000"/>
+            <a:lumOff val="85000"/>
+          </a:schemeClr>
+        </a:solidFill>
+      </a:ln>
+    </cs:spPr>
+  </cs:upBar>
+  <cs:valueAxis>
+    <cs:lnRef idx="0"/>
+    <cs:fillRef idx="0"/>
+    <cs:effectRef idx="0"/>
+    <cs:fontRef idx="minor">
+      <a:schemeClr val="tx2"/>
+    </cs:fontRef>
+    <cs:spPr>
+      <a:ln>
+        <a:solidFill>
+          <a:schemeClr val="tx2">
+            <a:lumMod val="40000"/>
+            <a:lumOff val="60000"/>
+          </a:schemeClr>
+        </a:solidFill>
+      </a:ln>
+    </cs:spPr>
+    <cs:defRPr sz="1197" kern="1200"/>
+  </cs:valueAxis>
+  <cs:wall>
+    <cs:lnRef idx="0"/>
+    <cs:fillRef idx="0"/>
+    <cs:effectRef idx="0"/>
+    <cs:fontRef idx="minor">
+      <a:schemeClr val="tx2"/>
+    </cs:fontRef>
+  </cs:wall>
+</cs:chartStyle>
+</file>
+
 <file path=ppt/slideLayouts/slideLayout1.xml><?xml version="1.0" encoding="utf-8"?>
 <p:sldLayout xmlns:a="http://schemas.openxmlformats.org/drawingml/2006/main" xmlns:r="http://schemas.openxmlformats.org/officeDocument/2006/relationships" xmlns:p="http://schemas.openxmlformats.org/presentationml/2006/main" type="title" preserve="1">
   <p:cSld name="Diapositiva titolo">
+    <p:bg>
+      <p:bgPr>
+        <a:solidFill>
+          <a:schemeClr val="accent1"/>
+        </a:solidFill>
+        <a:effectLst/>
+      </p:bgPr>
+    </p:bg>
     <p:spTree>
       <p:nvGrpSpPr>
         <p:cNvPr id="1" name=""/>
@@ -13298,13 +14492,42 @@
       </p:grpSpPr>
       <p:sp>
         <p:nvSpPr>
-          <p:cNvPr id="2" name="Titolo 1">
-            <a:extLst>
-              <a:ext uri="{FF2B5EF4-FFF2-40B4-BE49-F238E27FC236}">
-                <a16:creationId xmlns:a16="http://schemas.microsoft.com/office/drawing/2014/main" id="{1D54D370-5DFE-D0E3-3F1A-E8E7902E64D0}"/>
-              </a:ext>
-            </a:extLst>
-          </p:cNvPr>
+          <p:cNvPr id="4" name="Rectangle 3"/>
+          <p:cNvSpPr/>
+          <p:nvPr/>
+        </p:nvSpPr>
+        <p:spPr>
+          <a:xfrm>
+            <a:off x="0" y="0"/>
+            <a:ext cx="12192000" cy="6858000"/>
+          </a:xfrm>
+          <a:prstGeom prst="rect">
+            <a:avLst/>
+          </a:prstGeom>
+          <a:ln>
+            <a:noFill/>
+          </a:ln>
+        </p:spPr>
+        <p:style>
+          <a:lnRef idx="2">
+            <a:schemeClr val="accent1">
+              <a:shade val="50000"/>
+            </a:schemeClr>
+          </a:lnRef>
+          <a:fillRef idx="1">
+            <a:schemeClr val="accent1"/>
+          </a:fillRef>
+          <a:effectRef idx="0">
+            <a:schemeClr val="accent1"/>
+          </a:effectRef>
+          <a:fontRef idx="minor">
+            <a:schemeClr val="lt1"/>
+          </a:fontRef>
+        </p:style>
+      </p:sp>
+      <p:sp>
+        <p:nvSpPr>
+          <p:cNvPr id="2" name="Title 1"/>
           <p:cNvSpPr>
             <a:spLocks noGrp="1"/>
           </p:cNvSpPr>
@@ -13314,15 +14537,24 @@
         </p:nvSpPr>
         <p:spPr>
           <a:xfrm>
-            <a:off x="1524000" y="1122363"/>
-            <a:ext cx="9144000" cy="2387600"/>
+            <a:off x="603504" y="770467"/>
+            <a:ext cx="10782300" cy="3352800"/>
           </a:xfrm>
         </p:spPr>
         <p:txBody>
-          <a:bodyPr anchor="b"/>
+          <a:bodyPr anchor="b">
+            <a:noAutofit/>
+          </a:bodyPr>
           <a:lstStyle>
-            <a:lvl1pPr algn="ctr">
-              <a:defRPr sz="6000"/>
+            <a:lvl1pPr algn="l">
+              <a:lnSpc>
+                <a:spcPct val="80000"/>
+              </a:lnSpc>
+              <a:defRPr sz="8800" spc="-120" baseline="0">
+                <a:solidFill>
+                  <a:srgbClr val="FFFFFF"/>
+                </a:solidFill>
+              </a:defRPr>
             </a:lvl1pPr>
           </a:lstStyle>
           <a:p>
@@ -13330,18 +14562,13 @@
               <a:rPr lang="it-IT"/>
               <a:t>Fare clic per modificare lo stile del titolo dello schema</a:t>
             </a:r>
+            <a:endParaRPr lang="en-US" dirty="0"/>
           </a:p>
         </p:txBody>
       </p:sp>
       <p:sp>
         <p:nvSpPr>
-          <p:cNvPr id="3" name="Sottotitolo 2">
-            <a:extLst>
-              <a:ext uri="{FF2B5EF4-FFF2-40B4-BE49-F238E27FC236}">
-                <a16:creationId xmlns:a16="http://schemas.microsoft.com/office/drawing/2014/main" id="{A8564E29-CB16-25C1-A021-1C339E8B462E}"/>
-              </a:ext>
-            </a:extLst>
-          </p:cNvPr>
+          <p:cNvPr id="3" name="Subtitle 2"/>
           <p:cNvSpPr>
             <a:spLocks noGrp="1"/>
           </p:cNvSpPr>
@@ -13351,48 +14578,55 @@
         </p:nvSpPr>
         <p:spPr>
           <a:xfrm>
-            <a:off x="1524000" y="3602038"/>
-            <a:ext cx="9144000" cy="1655762"/>
+            <a:off x="667512" y="4206876"/>
+            <a:ext cx="9228201" cy="1645920"/>
           </a:xfrm>
         </p:spPr>
         <p:txBody>
-          <a:bodyPr/>
+          <a:bodyPr>
+            <a:normAutofit/>
+          </a:bodyPr>
           <a:lstStyle>
-            <a:lvl1pPr marL="0" indent="0" algn="ctr">
+            <a:lvl1pPr marL="0" indent="0" algn="l">
               <a:buNone/>
-              <a:defRPr sz="2400"/>
+              <a:defRPr sz="3200">
+                <a:solidFill>
+                  <a:schemeClr val="bg1"/>
+                </a:solidFill>
+                <a:latin typeface="+mj-lt"/>
+              </a:defRPr>
             </a:lvl1pPr>
             <a:lvl2pPr marL="457200" indent="0" algn="ctr">
               <a:buNone/>
-              <a:defRPr sz="2000"/>
+              <a:defRPr sz="2800"/>
             </a:lvl2pPr>
             <a:lvl3pPr marL="914400" indent="0" algn="ctr">
               <a:buNone/>
-              <a:defRPr sz="1800"/>
+              <a:defRPr sz="2400"/>
             </a:lvl3pPr>
             <a:lvl4pPr marL="1371600" indent="0" algn="ctr">
               <a:buNone/>
-              <a:defRPr sz="1600"/>
+              <a:defRPr sz="2000"/>
             </a:lvl4pPr>
             <a:lvl5pPr marL="1828800" indent="0" algn="ctr">
               <a:buNone/>
-              <a:defRPr sz="1600"/>
+              <a:defRPr sz="2000"/>
             </a:lvl5pPr>
             <a:lvl6pPr marL="2286000" indent="0" algn="ctr">
               <a:buNone/>
-              <a:defRPr sz="1600"/>
+              <a:defRPr sz="2000"/>
             </a:lvl6pPr>
             <a:lvl7pPr marL="2743200" indent="0" algn="ctr">
               <a:buNone/>
-              <a:defRPr sz="1600"/>
+              <a:defRPr sz="2000"/>
             </a:lvl7pPr>
             <a:lvl8pPr marL="3200400" indent="0" algn="ctr">
               <a:buNone/>
-              <a:defRPr sz="1600"/>
+              <a:defRPr sz="2000"/>
             </a:lvl8pPr>
             <a:lvl9pPr marL="3657600" indent="0" algn="ctr">
               <a:buNone/>
-              <a:defRPr sz="1600"/>
+              <a:defRPr sz="2000"/>
             </a:lvl9pPr>
           </a:lstStyle>
           <a:p>
@@ -13400,18 +14634,13 @@
               <a:rPr lang="it-IT"/>
               <a:t>Fare clic per modificare lo stile del sottotitolo dello schema</a:t>
             </a:r>
+            <a:endParaRPr lang="en-US" dirty="0"/>
           </a:p>
         </p:txBody>
       </p:sp>
       <p:sp>
         <p:nvSpPr>
-          <p:cNvPr id="4" name="Segnaposto data 3">
-            <a:extLst>
-              <a:ext uri="{FF2B5EF4-FFF2-40B4-BE49-F238E27FC236}">
-                <a16:creationId xmlns:a16="http://schemas.microsoft.com/office/drawing/2014/main" id="{E66671E6-51E8-967D-141A-58F2B36308C4}"/>
-              </a:ext>
-            </a:extLst>
-          </p:cNvPr>
+          <p:cNvPr id="7" name="Date Placeholder 6"/>
           <p:cNvSpPr>
             <a:spLocks noGrp="1"/>
           </p:cNvSpPr>
@@ -13422,11 +14651,21 @@
         <p:spPr/>
         <p:txBody>
           <a:bodyPr/>
-          <a:lstStyle/>
+          <a:lstStyle>
+            <a:lvl1pPr>
+              <a:defRPr>
+                <a:solidFill>
+                  <a:srgbClr val="FFFFFF">
+                    <a:alpha val="80000"/>
+                  </a:srgbClr>
+                </a:solidFill>
+              </a:defRPr>
+            </a:lvl1pPr>
+          </a:lstStyle>
           <a:p>
             <a:fld id="{B0FA7BDC-315E-494E-8854-05043C958474}" type="datetimeFigureOut">
               <a:rPr lang="it-IT" smtClean="0"/>
-              <a:t>14/02/24</a:t>
+              <a:t>22/02/2024</a:t>
             </a:fld>
             <a:endParaRPr lang="it-IT"/>
           </a:p>
@@ -13434,13 +14673,7 @@
       </p:sp>
       <p:sp>
         <p:nvSpPr>
-          <p:cNvPr id="5" name="Segnaposto piè di pagina 4">
-            <a:extLst>
-              <a:ext uri="{FF2B5EF4-FFF2-40B4-BE49-F238E27FC236}">
-                <a16:creationId xmlns:a16="http://schemas.microsoft.com/office/drawing/2014/main" id="{DBE0DBD1-9078-9653-5906-B4F6BDFFE819}"/>
-              </a:ext>
-            </a:extLst>
-          </p:cNvPr>
+          <p:cNvPr id="8" name="Footer Placeholder 7"/>
           <p:cNvSpPr>
             <a:spLocks noGrp="1"/>
           </p:cNvSpPr>
@@ -13451,7 +14684,17 @@
         <p:spPr/>
         <p:txBody>
           <a:bodyPr/>
-          <a:lstStyle/>
+          <a:lstStyle>
+            <a:lvl1pPr>
+              <a:defRPr>
+                <a:solidFill>
+                  <a:srgbClr val="FFFFFF">
+                    <a:alpha val="80000"/>
+                  </a:srgbClr>
+                </a:solidFill>
+              </a:defRPr>
+            </a:lvl1pPr>
+          </a:lstStyle>
           <a:p>
             <a:endParaRPr lang="it-IT"/>
           </a:p>
@@ -13459,13 +14702,7 @@
       </p:sp>
       <p:sp>
         <p:nvSpPr>
-          <p:cNvPr id="6" name="Segnaposto numero diapositiva 5">
-            <a:extLst>
-              <a:ext uri="{FF2B5EF4-FFF2-40B4-BE49-F238E27FC236}">
-                <a16:creationId xmlns:a16="http://schemas.microsoft.com/office/drawing/2014/main" id="{CDBB419A-FE37-4903-90A9-CD5967F99761}"/>
-              </a:ext>
-            </a:extLst>
-          </p:cNvPr>
+          <p:cNvPr id="9" name="Slide Number Placeholder 8"/>
           <p:cNvSpPr>
             <a:spLocks noGrp="1"/>
           </p:cNvSpPr>
@@ -13476,7 +14713,17 @@
         <p:spPr/>
         <p:txBody>
           <a:bodyPr/>
-          <a:lstStyle/>
+          <a:lstStyle>
+            <a:lvl1pPr>
+              <a:defRPr>
+                <a:solidFill>
+                  <a:srgbClr val="FFFFFF">
+                    <a:alpha val="25000"/>
+                  </a:srgbClr>
+                </a:solidFill>
+              </a:defRPr>
+            </a:lvl1pPr>
+          </a:lstStyle>
           <a:p>
             <a:fld id="{9A03ADBE-4075-7E41-9295-F26B04E6A9D6}" type="slidenum">
               <a:rPr lang="it-IT" smtClean="0"/>
@@ -13489,7 +14736,7 @@
     </p:spTree>
     <p:extLst>
       <p:ext uri="{BB962C8B-B14F-4D97-AF65-F5344CB8AC3E}">
-        <p14:creationId xmlns:p14="http://schemas.microsoft.com/office/powerpoint/2010/main" val="2107946349"/>
+        <p14:creationId xmlns:p14="http://schemas.microsoft.com/office/powerpoint/2010/main" val="1311740365"/>
       </p:ext>
     </p:extLst>
   </p:cSld>
@@ -13518,13 +14765,7 @@
       </p:grpSpPr>
       <p:sp>
         <p:nvSpPr>
-          <p:cNvPr id="2" name="Titolo 1">
-            <a:extLst>
-              <a:ext uri="{FF2B5EF4-FFF2-40B4-BE49-F238E27FC236}">
-                <a16:creationId xmlns:a16="http://schemas.microsoft.com/office/drawing/2014/main" id="{4FBF39EF-03FC-9FAE-FDFF-F0A7E549350F}"/>
-              </a:ext>
-            </a:extLst>
-          </p:cNvPr>
+          <p:cNvPr id="2" name="Title 1"/>
           <p:cNvSpPr>
             <a:spLocks noGrp="1"/>
           </p:cNvSpPr>
@@ -13541,18 +14782,13 @@
               <a:rPr lang="it-IT"/>
               <a:t>Fare clic per modificare lo stile del titolo dello schema</a:t>
             </a:r>
+            <a:endParaRPr lang="en-US" dirty="0"/>
           </a:p>
         </p:txBody>
       </p:sp>
       <p:sp>
         <p:nvSpPr>
-          <p:cNvPr id="3" name="Segnaposto testo verticale 2">
-            <a:extLst>
-              <a:ext uri="{FF2B5EF4-FFF2-40B4-BE49-F238E27FC236}">
-                <a16:creationId xmlns:a16="http://schemas.microsoft.com/office/drawing/2014/main" id="{A1A5141E-26B4-3F5D-D894-3C4F173974FE}"/>
-              </a:ext>
-            </a:extLst>
-          </p:cNvPr>
+          <p:cNvPr id="3" name="Vertical Text Placeholder 2"/>
           <p:cNvSpPr>
             <a:spLocks noGrp="1"/>
           </p:cNvSpPr>
@@ -13598,18 +14834,13 @@
               <a:rPr lang="it-IT"/>
               <a:t>Quinto livello</a:t>
             </a:r>
+            <a:endParaRPr lang="en-US" dirty="0"/>
           </a:p>
         </p:txBody>
       </p:sp>
       <p:sp>
         <p:nvSpPr>
-          <p:cNvPr id="4" name="Segnaposto data 3">
-            <a:extLst>
-              <a:ext uri="{FF2B5EF4-FFF2-40B4-BE49-F238E27FC236}">
-                <a16:creationId xmlns:a16="http://schemas.microsoft.com/office/drawing/2014/main" id="{F9666ADF-8516-7B04-5C26-B4049EBFC662}"/>
-              </a:ext>
-            </a:extLst>
-          </p:cNvPr>
+          <p:cNvPr id="4" name="Date Placeholder 3"/>
           <p:cNvSpPr>
             <a:spLocks noGrp="1"/>
           </p:cNvSpPr>
@@ -13624,7 +14855,7 @@
           <a:p>
             <a:fld id="{B0FA7BDC-315E-494E-8854-05043C958474}" type="datetimeFigureOut">
               <a:rPr lang="it-IT" smtClean="0"/>
-              <a:t>14/02/24</a:t>
+              <a:t>22/02/2024</a:t>
             </a:fld>
             <a:endParaRPr lang="it-IT"/>
           </a:p>
@@ -13632,13 +14863,7 @@
       </p:sp>
       <p:sp>
         <p:nvSpPr>
-          <p:cNvPr id="5" name="Segnaposto piè di pagina 4">
-            <a:extLst>
-              <a:ext uri="{FF2B5EF4-FFF2-40B4-BE49-F238E27FC236}">
-                <a16:creationId xmlns:a16="http://schemas.microsoft.com/office/drawing/2014/main" id="{598BDE40-EAE1-56D2-CBCF-9ECFE37957C0}"/>
-              </a:ext>
-            </a:extLst>
-          </p:cNvPr>
+          <p:cNvPr id="5" name="Footer Placeholder 4"/>
           <p:cNvSpPr>
             <a:spLocks noGrp="1"/>
           </p:cNvSpPr>
@@ -13657,13 +14882,7 @@
       </p:sp>
       <p:sp>
         <p:nvSpPr>
-          <p:cNvPr id="6" name="Segnaposto numero diapositiva 5">
-            <a:extLst>
-              <a:ext uri="{FF2B5EF4-FFF2-40B4-BE49-F238E27FC236}">
-                <a16:creationId xmlns:a16="http://schemas.microsoft.com/office/drawing/2014/main" id="{ACBE56A7-95CD-2B7E-E935-00A3C41FDA5A}"/>
-              </a:ext>
-            </a:extLst>
-          </p:cNvPr>
+          <p:cNvPr id="6" name="Slide Number Placeholder 5"/>
           <p:cNvSpPr>
             <a:spLocks noGrp="1"/>
           </p:cNvSpPr>
@@ -13687,7 +14906,7 @@
     </p:spTree>
     <p:extLst>
       <p:ext uri="{BB962C8B-B14F-4D97-AF65-F5344CB8AC3E}">
-        <p14:creationId xmlns:p14="http://schemas.microsoft.com/office/powerpoint/2010/main" val="3744315174"/>
+        <p14:creationId xmlns:p14="http://schemas.microsoft.com/office/powerpoint/2010/main" val="3387956022"/>
       </p:ext>
     </p:extLst>
   </p:cSld>
@@ -13716,13 +14935,7 @@
       </p:grpSpPr>
       <p:sp>
         <p:nvSpPr>
-          <p:cNvPr id="2" name="Titolo verticale 1">
-            <a:extLst>
-              <a:ext uri="{FF2B5EF4-FFF2-40B4-BE49-F238E27FC236}">
-                <a16:creationId xmlns:a16="http://schemas.microsoft.com/office/drawing/2014/main" id="{D3DD63EE-E946-75A4-E078-576A3640F920}"/>
-              </a:ext>
-            </a:extLst>
-          </p:cNvPr>
+          <p:cNvPr id="2" name="Vertical Title 1"/>
           <p:cNvSpPr>
             <a:spLocks noGrp="1"/>
           </p:cNvSpPr>
@@ -13732,8 +14945,8 @@
         </p:nvSpPr>
         <p:spPr>
           <a:xfrm>
-            <a:off x="8724900" y="365125"/>
-            <a:ext cx="2628900" cy="5811838"/>
+            <a:off x="8743950" y="695325"/>
+            <a:ext cx="2628900" cy="4800600"/>
           </a:xfrm>
         </p:spPr>
         <p:txBody>
@@ -13744,18 +14957,13 @@
               <a:rPr lang="it-IT"/>
               <a:t>Fare clic per modificare lo stile del titolo dello schema</a:t>
             </a:r>
+            <a:endParaRPr lang="en-US" dirty="0"/>
           </a:p>
         </p:txBody>
       </p:sp>
       <p:sp>
         <p:nvSpPr>
-          <p:cNvPr id="3" name="Segnaposto testo verticale 2">
-            <a:extLst>
-              <a:ext uri="{FF2B5EF4-FFF2-40B4-BE49-F238E27FC236}">
-                <a16:creationId xmlns:a16="http://schemas.microsoft.com/office/drawing/2014/main" id="{02AFD02E-4573-4554-886C-EB4B0E7299FB}"/>
-              </a:ext>
-            </a:extLst>
-          </p:cNvPr>
+          <p:cNvPr id="3" name="Vertical Text Placeholder 2"/>
           <p:cNvSpPr>
             <a:spLocks noGrp="1"/>
           </p:cNvSpPr>
@@ -13765,8 +14973,8 @@
         </p:nvSpPr>
         <p:spPr>
           <a:xfrm>
-            <a:off x="838200" y="365125"/>
-            <a:ext cx="7734300" cy="5811838"/>
+            <a:off x="771525" y="714375"/>
+            <a:ext cx="7734300" cy="5400675"/>
           </a:xfrm>
         </p:spPr>
         <p:txBody>
@@ -13806,18 +15014,13 @@
               <a:rPr lang="it-IT"/>
               <a:t>Quinto livello</a:t>
             </a:r>
+            <a:endParaRPr lang="en-US" dirty="0"/>
           </a:p>
         </p:txBody>
       </p:sp>
       <p:sp>
         <p:nvSpPr>
-          <p:cNvPr id="4" name="Segnaposto data 3">
-            <a:extLst>
-              <a:ext uri="{FF2B5EF4-FFF2-40B4-BE49-F238E27FC236}">
-                <a16:creationId xmlns:a16="http://schemas.microsoft.com/office/drawing/2014/main" id="{457F7A36-53EC-6596-DAF2-9681274DCD6E}"/>
-              </a:ext>
-            </a:extLst>
-          </p:cNvPr>
+          <p:cNvPr id="4" name="Date Placeholder 3"/>
           <p:cNvSpPr>
             <a:spLocks noGrp="1"/>
           </p:cNvSpPr>
@@ -13832,7 +15035,7 @@
           <a:p>
             <a:fld id="{B0FA7BDC-315E-494E-8854-05043C958474}" type="datetimeFigureOut">
               <a:rPr lang="it-IT" smtClean="0"/>
-              <a:t>14/02/24</a:t>
+              <a:t>22/02/2024</a:t>
             </a:fld>
             <a:endParaRPr lang="it-IT"/>
           </a:p>
@@ -13840,13 +15043,7 @@
       </p:sp>
       <p:sp>
         <p:nvSpPr>
-          <p:cNvPr id="5" name="Segnaposto piè di pagina 4">
-            <a:extLst>
-              <a:ext uri="{FF2B5EF4-FFF2-40B4-BE49-F238E27FC236}">
-                <a16:creationId xmlns:a16="http://schemas.microsoft.com/office/drawing/2014/main" id="{00AFE0B8-5F9B-F741-85EA-BA377E60B00B}"/>
-              </a:ext>
-            </a:extLst>
-          </p:cNvPr>
+          <p:cNvPr id="5" name="Footer Placeholder 4"/>
           <p:cNvSpPr>
             <a:spLocks noGrp="1"/>
           </p:cNvSpPr>
@@ -13865,13 +15062,7 @@
       </p:sp>
       <p:sp>
         <p:nvSpPr>
-          <p:cNvPr id="6" name="Segnaposto numero diapositiva 5">
-            <a:extLst>
-              <a:ext uri="{FF2B5EF4-FFF2-40B4-BE49-F238E27FC236}">
-                <a16:creationId xmlns:a16="http://schemas.microsoft.com/office/drawing/2014/main" id="{E9E909A1-EBE2-951F-CF71-571230DDE47B}"/>
-              </a:ext>
-            </a:extLst>
-          </p:cNvPr>
+          <p:cNvPr id="6" name="Slide Number Placeholder 5"/>
           <p:cNvSpPr>
             <a:spLocks noGrp="1"/>
           </p:cNvSpPr>
@@ -13895,7 +15086,7 @@
     </p:spTree>
     <p:extLst>
       <p:ext uri="{BB962C8B-B14F-4D97-AF65-F5344CB8AC3E}">
-        <p14:creationId xmlns:p14="http://schemas.microsoft.com/office/powerpoint/2010/main" val="1950036188"/>
+        <p14:creationId xmlns:p14="http://schemas.microsoft.com/office/powerpoint/2010/main" val="440965795"/>
       </p:ext>
     </p:extLst>
   </p:cSld>
@@ -13924,13 +15115,7 @@
       </p:grpSpPr>
       <p:sp>
         <p:nvSpPr>
-          <p:cNvPr id="2" name="Titolo 1">
-            <a:extLst>
-              <a:ext uri="{FF2B5EF4-FFF2-40B4-BE49-F238E27FC236}">
-                <a16:creationId xmlns:a16="http://schemas.microsoft.com/office/drawing/2014/main" id="{F5450DF1-8E10-EC82-E2E6-690B90630E13}"/>
-              </a:ext>
-            </a:extLst>
-          </p:cNvPr>
+          <p:cNvPr id="2" name="Title 1"/>
           <p:cNvSpPr>
             <a:spLocks noGrp="1"/>
           </p:cNvSpPr>
@@ -13947,18 +15132,13 @@
               <a:rPr lang="it-IT"/>
               <a:t>Fare clic per modificare lo stile del titolo dello schema</a:t>
             </a:r>
+            <a:endParaRPr lang="en-US" dirty="0"/>
           </a:p>
         </p:txBody>
       </p:sp>
       <p:sp>
         <p:nvSpPr>
-          <p:cNvPr id="3" name="Segnaposto contenuto 2">
-            <a:extLst>
-              <a:ext uri="{FF2B5EF4-FFF2-40B4-BE49-F238E27FC236}">
-                <a16:creationId xmlns:a16="http://schemas.microsoft.com/office/drawing/2014/main" id="{BC8D159B-6C4D-C16E-CB25-429DACE03DC1}"/>
-              </a:ext>
-            </a:extLst>
-          </p:cNvPr>
+          <p:cNvPr id="3" name="Content Placeholder 2"/>
           <p:cNvSpPr>
             <a:spLocks noGrp="1"/>
           </p:cNvSpPr>
@@ -14004,18 +15184,13 @@
               <a:rPr lang="it-IT"/>
               <a:t>Quinto livello</a:t>
             </a:r>
+            <a:endParaRPr lang="en-US" dirty="0"/>
           </a:p>
         </p:txBody>
       </p:sp>
       <p:sp>
         <p:nvSpPr>
-          <p:cNvPr id="4" name="Segnaposto data 3">
-            <a:extLst>
-              <a:ext uri="{FF2B5EF4-FFF2-40B4-BE49-F238E27FC236}">
-                <a16:creationId xmlns:a16="http://schemas.microsoft.com/office/drawing/2014/main" id="{270252F8-DC2F-58A1-1DB2-6F3CF2F5AA42}"/>
-              </a:ext>
-            </a:extLst>
-          </p:cNvPr>
+          <p:cNvPr id="4" name="Date Placeholder 3"/>
           <p:cNvSpPr>
             <a:spLocks noGrp="1"/>
           </p:cNvSpPr>
@@ -14030,7 +15205,7 @@
           <a:p>
             <a:fld id="{B0FA7BDC-315E-494E-8854-05043C958474}" type="datetimeFigureOut">
               <a:rPr lang="it-IT" smtClean="0"/>
-              <a:t>14/02/24</a:t>
+              <a:t>22/02/2024</a:t>
             </a:fld>
             <a:endParaRPr lang="it-IT"/>
           </a:p>
@@ -14038,13 +15213,7 @@
       </p:sp>
       <p:sp>
         <p:nvSpPr>
-          <p:cNvPr id="5" name="Segnaposto piè di pagina 4">
-            <a:extLst>
-              <a:ext uri="{FF2B5EF4-FFF2-40B4-BE49-F238E27FC236}">
-                <a16:creationId xmlns:a16="http://schemas.microsoft.com/office/drawing/2014/main" id="{C036F4D1-DB91-CACD-06D9-1E049B7B9FCD}"/>
-              </a:ext>
-            </a:extLst>
-          </p:cNvPr>
+          <p:cNvPr id="5" name="Footer Placeholder 4"/>
           <p:cNvSpPr>
             <a:spLocks noGrp="1"/>
           </p:cNvSpPr>
@@ -14063,13 +15232,7 @@
       </p:sp>
       <p:sp>
         <p:nvSpPr>
-          <p:cNvPr id="6" name="Segnaposto numero diapositiva 5">
-            <a:extLst>
-              <a:ext uri="{FF2B5EF4-FFF2-40B4-BE49-F238E27FC236}">
-                <a16:creationId xmlns:a16="http://schemas.microsoft.com/office/drawing/2014/main" id="{C28BA19B-E5B2-6A71-429C-F3CE170A3006}"/>
-              </a:ext>
-            </a:extLst>
-          </p:cNvPr>
+          <p:cNvPr id="6" name="Slide Number Placeholder 5"/>
           <p:cNvSpPr>
             <a:spLocks noGrp="1"/>
           </p:cNvSpPr>
@@ -14093,7 +15256,7 @@
     </p:spTree>
     <p:extLst>
       <p:ext uri="{BB962C8B-B14F-4D97-AF65-F5344CB8AC3E}">
-        <p14:creationId xmlns:p14="http://schemas.microsoft.com/office/powerpoint/2010/main" val="1390258736"/>
+        <p14:creationId xmlns:p14="http://schemas.microsoft.com/office/powerpoint/2010/main" val="1660504674"/>
       </p:ext>
     </p:extLst>
   </p:cSld>
@@ -14122,13 +15285,7 @@
       </p:grpSpPr>
       <p:sp>
         <p:nvSpPr>
-          <p:cNvPr id="2" name="Titolo 1">
-            <a:extLst>
-              <a:ext uri="{FF2B5EF4-FFF2-40B4-BE49-F238E27FC236}">
-                <a16:creationId xmlns:a16="http://schemas.microsoft.com/office/drawing/2014/main" id="{838B957F-CC60-D147-BCEE-86891683F1D1}"/>
-              </a:ext>
-            </a:extLst>
-          </p:cNvPr>
+          <p:cNvPr id="2" name="Title 1"/>
           <p:cNvSpPr>
             <a:spLocks noGrp="1"/>
           </p:cNvSpPr>
@@ -14138,15 +15295,24 @@
         </p:nvSpPr>
         <p:spPr>
           <a:xfrm>
-            <a:off x="831850" y="1709738"/>
-            <a:ext cx="10515600" cy="2852737"/>
+            <a:off x="603504" y="767419"/>
+            <a:ext cx="10780776" cy="3355848"/>
           </a:xfrm>
         </p:spPr>
         <p:txBody>
-          <a:bodyPr anchor="b"/>
+          <a:bodyPr anchor="b">
+            <a:normAutofit/>
+          </a:bodyPr>
           <a:lstStyle>
             <a:lvl1pPr>
-              <a:defRPr sz="6000"/>
+              <a:lnSpc>
+                <a:spcPct val="80000"/>
+              </a:lnSpc>
+              <a:defRPr sz="8800" b="0" baseline="0">
+                <a:solidFill>
+                  <a:schemeClr val="accent1"/>
+                </a:solidFill>
+              </a:defRPr>
             </a:lvl1pPr>
           </a:lstStyle>
           <a:p>
@@ -14154,18 +15320,13 @@
               <a:rPr lang="it-IT"/>
               <a:t>Fare clic per modificare lo stile del titolo dello schema</a:t>
             </a:r>
+            <a:endParaRPr lang="en-US" dirty="0"/>
           </a:p>
         </p:txBody>
       </p:sp>
       <p:sp>
         <p:nvSpPr>
-          <p:cNvPr id="3" name="Segnaposto testo 2">
-            <a:extLst>
-              <a:ext uri="{FF2B5EF4-FFF2-40B4-BE49-F238E27FC236}">
-                <a16:creationId xmlns:a16="http://schemas.microsoft.com/office/drawing/2014/main" id="{D3736055-FE2C-CFE4-4504-58C89E372339}"/>
-              </a:ext>
-            </a:extLst>
-          </p:cNvPr>
+          <p:cNvPr id="3" name="Text Placeholder 2"/>
           <p:cNvSpPr>
             <a:spLocks noGrp="1"/>
           </p:cNvSpPr>
@@ -14175,26 +15336,27 @@
         </p:nvSpPr>
         <p:spPr>
           <a:xfrm>
-            <a:off x="831850" y="4589463"/>
-            <a:ext cx="10515600" cy="1500187"/>
+            <a:off x="667512" y="4204209"/>
+            <a:ext cx="9226296" cy="1645920"/>
           </a:xfrm>
         </p:spPr>
         <p:txBody>
-          <a:bodyPr/>
+          <a:bodyPr anchor="t">
+            <a:normAutofit/>
+          </a:bodyPr>
           <a:lstStyle>
             <a:lvl1pPr marL="0" indent="0">
               <a:buNone/>
-              <a:defRPr sz="2400">
+              <a:defRPr sz="3200">
                 <a:solidFill>
-                  <a:schemeClr val="tx1">
-                    <a:tint val="75000"/>
-                  </a:schemeClr>
+                  <a:schemeClr val="tx1"/>
                 </a:solidFill>
+                <a:latin typeface="+mj-lt"/>
               </a:defRPr>
             </a:lvl1pPr>
             <a:lvl2pPr marL="457200" indent="0">
               <a:buNone/>
-              <a:defRPr sz="2000">
+              <a:defRPr sz="1800">
                 <a:solidFill>
                   <a:schemeClr val="tx1">
                     <a:tint val="75000"/>
@@ -14204,7 +15366,7 @@
             </a:lvl2pPr>
             <a:lvl3pPr marL="914400" indent="0">
               <a:buNone/>
-              <a:defRPr sz="1800">
+              <a:defRPr sz="1600">
                 <a:solidFill>
                   <a:schemeClr val="tx1">
                     <a:tint val="75000"/>
@@ -14214,7 +15376,7 @@
             </a:lvl3pPr>
             <a:lvl4pPr marL="1371600" indent="0">
               <a:buNone/>
-              <a:defRPr sz="1600">
+              <a:defRPr sz="1400">
                 <a:solidFill>
                   <a:schemeClr val="tx1">
                     <a:tint val="75000"/>
@@ -14224,7 +15386,7 @@
             </a:lvl4pPr>
             <a:lvl5pPr marL="1828800" indent="0">
               <a:buNone/>
-              <a:defRPr sz="1600">
+              <a:defRPr sz="1400">
                 <a:solidFill>
                   <a:schemeClr val="tx1">
                     <a:tint val="75000"/>
@@ -14234,7 +15396,7 @@
             </a:lvl5pPr>
             <a:lvl6pPr marL="2286000" indent="0">
               <a:buNone/>
-              <a:defRPr sz="1600">
+              <a:defRPr sz="1400">
                 <a:solidFill>
                   <a:schemeClr val="tx1">
                     <a:tint val="75000"/>
@@ -14244,7 +15406,7 @@
             </a:lvl6pPr>
             <a:lvl7pPr marL="2743200" indent="0">
               <a:buNone/>
-              <a:defRPr sz="1600">
+              <a:defRPr sz="1400">
                 <a:solidFill>
                   <a:schemeClr val="tx1">
                     <a:tint val="75000"/>
@@ -14254,7 +15416,7 @@
             </a:lvl7pPr>
             <a:lvl8pPr marL="3200400" indent="0">
               <a:buNone/>
-              <a:defRPr sz="1600">
+              <a:defRPr sz="1400">
                 <a:solidFill>
                   <a:schemeClr val="tx1">
                     <a:tint val="75000"/>
@@ -14264,7 +15426,7 @@
             </a:lvl8pPr>
             <a:lvl9pPr marL="3657600" indent="0">
               <a:buNone/>
-              <a:defRPr sz="1600">
+              <a:defRPr sz="1400">
                 <a:solidFill>
                   <a:schemeClr val="tx1">
                     <a:tint val="75000"/>
@@ -14284,13 +15446,7 @@
       </p:sp>
       <p:sp>
         <p:nvSpPr>
-          <p:cNvPr id="4" name="Segnaposto data 3">
-            <a:extLst>
-              <a:ext uri="{FF2B5EF4-FFF2-40B4-BE49-F238E27FC236}">
-                <a16:creationId xmlns:a16="http://schemas.microsoft.com/office/drawing/2014/main" id="{98FEDFA0-2E73-7019-1929-4DC2A88DB987}"/>
-              </a:ext>
-            </a:extLst>
-          </p:cNvPr>
+          <p:cNvPr id="4" name="Date Placeholder 3"/>
           <p:cNvSpPr>
             <a:spLocks noGrp="1"/>
           </p:cNvSpPr>
@@ -14305,7 +15461,7 @@
           <a:p>
             <a:fld id="{B0FA7BDC-315E-494E-8854-05043C958474}" type="datetimeFigureOut">
               <a:rPr lang="it-IT" smtClean="0"/>
-              <a:t>14/02/24</a:t>
+              <a:t>22/02/2024</a:t>
             </a:fld>
             <a:endParaRPr lang="it-IT"/>
           </a:p>
@@ -14313,13 +15469,7 @@
       </p:sp>
       <p:sp>
         <p:nvSpPr>
-          <p:cNvPr id="5" name="Segnaposto piè di pagina 4">
-            <a:extLst>
-              <a:ext uri="{FF2B5EF4-FFF2-40B4-BE49-F238E27FC236}">
-                <a16:creationId xmlns:a16="http://schemas.microsoft.com/office/drawing/2014/main" id="{FA53D3E8-821A-E233-DB19-9D1D8ED39E00}"/>
-              </a:ext>
-            </a:extLst>
-          </p:cNvPr>
+          <p:cNvPr id="5" name="Footer Placeholder 4"/>
           <p:cNvSpPr>
             <a:spLocks noGrp="1"/>
           </p:cNvSpPr>
@@ -14338,13 +15488,7 @@
       </p:sp>
       <p:sp>
         <p:nvSpPr>
-          <p:cNvPr id="6" name="Segnaposto numero diapositiva 5">
-            <a:extLst>
-              <a:ext uri="{FF2B5EF4-FFF2-40B4-BE49-F238E27FC236}">
-                <a16:creationId xmlns:a16="http://schemas.microsoft.com/office/drawing/2014/main" id="{0EDD8666-1D52-9C66-6F3E-D2FB537C970A}"/>
-              </a:ext>
-            </a:extLst>
-          </p:cNvPr>
+          <p:cNvPr id="6" name="Slide Number Placeholder 5"/>
           <p:cNvSpPr>
             <a:spLocks noGrp="1"/>
           </p:cNvSpPr>
@@ -14368,7 +15512,7 @@
     </p:spTree>
     <p:extLst>
       <p:ext uri="{BB962C8B-B14F-4D97-AF65-F5344CB8AC3E}">
-        <p14:creationId xmlns:p14="http://schemas.microsoft.com/office/powerpoint/2010/main" val="118626968"/>
+        <p14:creationId xmlns:p14="http://schemas.microsoft.com/office/powerpoint/2010/main" val="505703409"/>
       </p:ext>
     </p:extLst>
   </p:cSld>
@@ -14397,13 +15541,7 @@
       </p:grpSpPr>
       <p:sp>
         <p:nvSpPr>
-          <p:cNvPr id="2" name="Titolo 1">
-            <a:extLst>
-              <a:ext uri="{FF2B5EF4-FFF2-40B4-BE49-F238E27FC236}">
-                <a16:creationId xmlns:a16="http://schemas.microsoft.com/office/drawing/2014/main" id="{D2EE5CF3-4CAB-400C-89B3-C2BC2CE53CEB}"/>
-              </a:ext>
-            </a:extLst>
-          </p:cNvPr>
+          <p:cNvPr id="2" name="Title 1"/>
           <p:cNvSpPr>
             <a:spLocks noGrp="1"/>
           </p:cNvSpPr>
@@ -14420,18 +15558,13 @@
               <a:rPr lang="it-IT"/>
               <a:t>Fare clic per modificare lo stile del titolo dello schema</a:t>
             </a:r>
+            <a:endParaRPr lang="en-US" dirty="0"/>
           </a:p>
         </p:txBody>
       </p:sp>
       <p:sp>
         <p:nvSpPr>
-          <p:cNvPr id="3" name="Segnaposto contenuto 2">
-            <a:extLst>
-              <a:ext uri="{FF2B5EF4-FFF2-40B4-BE49-F238E27FC236}">
-                <a16:creationId xmlns:a16="http://schemas.microsoft.com/office/drawing/2014/main" id="{33659EC6-E014-9DDE-B1B4-86EBE8D96D21}"/>
-              </a:ext>
-            </a:extLst>
-          </p:cNvPr>
+          <p:cNvPr id="3" name="Content Placeholder 2"/>
           <p:cNvSpPr>
             <a:spLocks noGrp="1"/>
           </p:cNvSpPr>
@@ -14441,13 +15574,41 @@
         </p:nvSpPr>
         <p:spPr>
           <a:xfrm>
-            <a:off x="838200" y="1825625"/>
-            <a:ext cx="5181600" cy="4351338"/>
+            <a:off x="676656" y="1998134"/>
+            <a:ext cx="4663440" cy="3767328"/>
           </a:xfrm>
         </p:spPr>
         <p:txBody>
           <a:bodyPr/>
-          <a:lstStyle/>
+          <a:lstStyle>
+            <a:lvl1pPr>
+              <a:defRPr sz="2400"/>
+            </a:lvl1pPr>
+            <a:lvl2pPr>
+              <a:defRPr sz="2000"/>
+            </a:lvl2pPr>
+            <a:lvl3pPr>
+              <a:defRPr sz="1800"/>
+            </a:lvl3pPr>
+            <a:lvl4pPr>
+              <a:defRPr sz="1600"/>
+            </a:lvl4pPr>
+            <a:lvl5pPr>
+              <a:defRPr sz="1600"/>
+            </a:lvl5pPr>
+            <a:lvl6pPr>
+              <a:defRPr sz="1600"/>
+            </a:lvl6pPr>
+            <a:lvl7pPr>
+              <a:defRPr sz="1600"/>
+            </a:lvl7pPr>
+            <a:lvl8pPr>
+              <a:defRPr sz="1600"/>
+            </a:lvl8pPr>
+            <a:lvl9pPr>
+              <a:defRPr sz="1600"/>
+            </a:lvl9pPr>
+          </a:lstStyle>
           <a:p>
             <a:pPr lvl="0"/>
             <a:r>
@@ -14482,18 +15643,13 @@
               <a:rPr lang="it-IT"/>
               <a:t>Quinto livello</a:t>
             </a:r>
+            <a:endParaRPr lang="en-US" dirty="0"/>
           </a:p>
         </p:txBody>
       </p:sp>
       <p:sp>
         <p:nvSpPr>
-          <p:cNvPr id="4" name="Segnaposto contenuto 3">
-            <a:extLst>
-              <a:ext uri="{FF2B5EF4-FFF2-40B4-BE49-F238E27FC236}">
-                <a16:creationId xmlns:a16="http://schemas.microsoft.com/office/drawing/2014/main" id="{176040F8-7A1B-38FC-A426-1EA97C9B0D4A}"/>
-              </a:ext>
-            </a:extLst>
-          </p:cNvPr>
+          <p:cNvPr id="4" name="Content Placeholder 3"/>
           <p:cNvSpPr>
             <a:spLocks noGrp="1"/>
           </p:cNvSpPr>
@@ -14503,13 +15659,41 @@
         </p:nvSpPr>
         <p:spPr>
           <a:xfrm>
-            <a:off x="6172200" y="1825625"/>
-            <a:ext cx="5181600" cy="4351338"/>
+            <a:off x="6011330" y="1998134"/>
+            <a:ext cx="4663440" cy="3767328"/>
           </a:xfrm>
         </p:spPr>
         <p:txBody>
           <a:bodyPr/>
-          <a:lstStyle/>
+          <a:lstStyle>
+            <a:lvl1pPr>
+              <a:defRPr sz="2400"/>
+            </a:lvl1pPr>
+            <a:lvl2pPr>
+              <a:defRPr sz="2000"/>
+            </a:lvl2pPr>
+            <a:lvl3pPr>
+              <a:defRPr sz="1800"/>
+            </a:lvl3pPr>
+            <a:lvl4pPr>
+              <a:defRPr sz="1600"/>
+            </a:lvl4pPr>
+            <a:lvl5pPr>
+              <a:defRPr sz="1600"/>
+            </a:lvl5pPr>
+            <a:lvl6pPr>
+              <a:defRPr sz="1600"/>
+            </a:lvl6pPr>
+            <a:lvl7pPr>
+              <a:defRPr sz="1600"/>
+            </a:lvl7pPr>
+            <a:lvl8pPr>
+              <a:defRPr sz="1600"/>
+            </a:lvl8pPr>
+            <a:lvl9pPr>
+              <a:defRPr sz="1600"/>
+            </a:lvl9pPr>
+          </a:lstStyle>
           <a:p>
             <a:pPr lvl="0"/>
             <a:r>
@@ -14544,18 +15728,13 @@
               <a:rPr lang="it-IT"/>
               <a:t>Quinto livello</a:t>
             </a:r>
+            <a:endParaRPr lang="en-US" dirty="0"/>
           </a:p>
         </p:txBody>
       </p:sp>
       <p:sp>
         <p:nvSpPr>
-          <p:cNvPr id="5" name="Segnaposto data 4">
-            <a:extLst>
-              <a:ext uri="{FF2B5EF4-FFF2-40B4-BE49-F238E27FC236}">
-                <a16:creationId xmlns:a16="http://schemas.microsoft.com/office/drawing/2014/main" id="{9E5DA87A-BD03-CC40-68BF-0A6C6D2FD5D3}"/>
-              </a:ext>
-            </a:extLst>
-          </p:cNvPr>
+          <p:cNvPr id="5" name="Date Placeholder 4"/>
           <p:cNvSpPr>
             <a:spLocks noGrp="1"/>
           </p:cNvSpPr>
@@ -14570,7 +15749,7 @@
           <a:p>
             <a:fld id="{B0FA7BDC-315E-494E-8854-05043C958474}" type="datetimeFigureOut">
               <a:rPr lang="it-IT" smtClean="0"/>
-              <a:t>14/02/24</a:t>
+              <a:t>22/02/2024</a:t>
             </a:fld>
             <a:endParaRPr lang="it-IT"/>
           </a:p>
@@ -14578,13 +15757,7 @@
       </p:sp>
       <p:sp>
         <p:nvSpPr>
-          <p:cNvPr id="6" name="Segnaposto piè di pagina 5">
-            <a:extLst>
-              <a:ext uri="{FF2B5EF4-FFF2-40B4-BE49-F238E27FC236}">
-                <a16:creationId xmlns:a16="http://schemas.microsoft.com/office/drawing/2014/main" id="{5D5ADDC4-4A1E-7411-6053-8D4510D41AC9}"/>
-              </a:ext>
-            </a:extLst>
-          </p:cNvPr>
+          <p:cNvPr id="6" name="Footer Placeholder 5"/>
           <p:cNvSpPr>
             <a:spLocks noGrp="1"/>
           </p:cNvSpPr>
@@ -14603,13 +15776,7 @@
       </p:sp>
       <p:sp>
         <p:nvSpPr>
-          <p:cNvPr id="7" name="Segnaposto numero diapositiva 6">
-            <a:extLst>
-              <a:ext uri="{FF2B5EF4-FFF2-40B4-BE49-F238E27FC236}">
-                <a16:creationId xmlns:a16="http://schemas.microsoft.com/office/drawing/2014/main" id="{96869F0C-A6FB-396F-0902-A1EE987F2445}"/>
-              </a:ext>
-            </a:extLst>
-          </p:cNvPr>
+          <p:cNvPr id="7" name="Slide Number Placeholder 6"/>
           <p:cNvSpPr>
             <a:spLocks noGrp="1"/>
           </p:cNvSpPr>
@@ -14633,7 +15800,7 @@
     </p:spTree>
     <p:extLst>
       <p:ext uri="{BB962C8B-B14F-4D97-AF65-F5344CB8AC3E}">
-        <p14:creationId xmlns:p14="http://schemas.microsoft.com/office/powerpoint/2010/main" val="3592071822"/>
+        <p14:creationId xmlns:p14="http://schemas.microsoft.com/office/powerpoint/2010/main" val="3405917191"/>
       </p:ext>
     </p:extLst>
   </p:cSld>
@@ -14662,13 +15829,7 @@
       </p:grpSpPr>
       <p:sp>
         <p:nvSpPr>
-          <p:cNvPr id="2" name="Titolo 1">
-            <a:extLst>
-              <a:ext uri="{FF2B5EF4-FFF2-40B4-BE49-F238E27FC236}">
-                <a16:creationId xmlns:a16="http://schemas.microsoft.com/office/drawing/2014/main" id="{2C58F3F7-757A-EE77-5EA1-6981511E1B42}"/>
-              </a:ext>
-            </a:extLst>
-          </p:cNvPr>
+          <p:cNvPr id="10" name="Title 9"/>
           <p:cNvSpPr>
             <a:spLocks noGrp="1"/>
           </p:cNvSpPr>
@@ -14676,12 +15837,7 @@
             <p:ph type="title"/>
           </p:nvPr>
         </p:nvSpPr>
-        <p:spPr>
-          <a:xfrm>
-            <a:off x="839788" y="365125"/>
-            <a:ext cx="10515600" cy="1325563"/>
-          </a:xfrm>
-        </p:spPr>
+        <p:spPr/>
         <p:txBody>
           <a:bodyPr/>
           <a:lstStyle/>
@@ -14690,18 +15846,13 @@
               <a:rPr lang="it-IT"/>
               <a:t>Fare clic per modificare lo stile del titolo dello schema</a:t>
             </a:r>
+            <a:endParaRPr lang="en-US" dirty="0"/>
           </a:p>
         </p:txBody>
       </p:sp>
       <p:sp>
         <p:nvSpPr>
-          <p:cNvPr id="3" name="Segnaposto testo 2">
-            <a:extLst>
-              <a:ext uri="{FF2B5EF4-FFF2-40B4-BE49-F238E27FC236}">
-                <a16:creationId xmlns:a16="http://schemas.microsoft.com/office/drawing/2014/main" id="{70264A53-CEA0-D8B8-E209-2E283755FF2D}"/>
-              </a:ext>
-            </a:extLst>
-          </p:cNvPr>
+          <p:cNvPr id="3" name="Text Placeholder 2"/>
           <p:cNvSpPr>
             <a:spLocks noGrp="1"/>
           </p:cNvSpPr>
@@ -14711,16 +15862,26 @@
         </p:nvSpPr>
         <p:spPr>
           <a:xfrm>
-            <a:off x="839788" y="1681163"/>
-            <a:ext cx="5157787" cy="823912"/>
+            <a:off x="676656" y="2040467"/>
+            <a:ext cx="4663440" cy="723400"/>
           </a:xfrm>
         </p:spPr>
         <p:txBody>
-          <a:bodyPr anchor="b"/>
+          <a:bodyPr anchor="ctr">
+            <a:normAutofit/>
+          </a:bodyPr>
           <a:lstStyle>
             <a:lvl1pPr marL="0" indent="0">
               <a:buNone/>
-              <a:defRPr sz="2400" b="1"/>
+              <a:defRPr sz="2200" b="0" cap="all" baseline="0">
+                <a:solidFill>
+                  <a:schemeClr val="tx1">
+                    <a:lumMod val="85000"/>
+                    <a:lumOff val="15000"/>
+                  </a:schemeClr>
+                </a:solidFill>
+                <a:latin typeface="+mj-lt"/>
+              </a:defRPr>
             </a:lvl1pPr>
             <a:lvl2pPr marL="457200" indent="0">
               <a:buNone/>
@@ -14766,13 +15927,7 @@
       </p:sp>
       <p:sp>
         <p:nvSpPr>
-          <p:cNvPr id="4" name="Segnaposto contenuto 3">
-            <a:extLst>
-              <a:ext uri="{FF2B5EF4-FFF2-40B4-BE49-F238E27FC236}">
-                <a16:creationId xmlns:a16="http://schemas.microsoft.com/office/drawing/2014/main" id="{FCCC32A6-DFFE-8FB3-E479-930016A0A2E5}"/>
-              </a:ext>
-            </a:extLst>
-          </p:cNvPr>
+          <p:cNvPr id="4" name="Content Placeholder 3"/>
           <p:cNvSpPr>
             <a:spLocks noGrp="1"/>
           </p:cNvSpPr>
@@ -14782,13 +15937,41 @@
         </p:nvSpPr>
         <p:spPr>
           <a:xfrm>
-            <a:off x="839788" y="2505075"/>
-            <a:ext cx="5157787" cy="3684588"/>
+            <a:off x="676656" y="2753084"/>
+            <a:ext cx="4663440" cy="3200400"/>
           </a:xfrm>
         </p:spPr>
         <p:txBody>
           <a:bodyPr/>
-          <a:lstStyle/>
+          <a:lstStyle>
+            <a:lvl1pPr>
+              <a:defRPr sz="2400"/>
+            </a:lvl1pPr>
+            <a:lvl2pPr>
+              <a:defRPr sz="2000"/>
+            </a:lvl2pPr>
+            <a:lvl3pPr>
+              <a:defRPr sz="1800"/>
+            </a:lvl3pPr>
+            <a:lvl4pPr>
+              <a:defRPr sz="1600"/>
+            </a:lvl4pPr>
+            <a:lvl5pPr>
+              <a:defRPr sz="1600"/>
+            </a:lvl5pPr>
+            <a:lvl6pPr>
+              <a:defRPr sz="1600"/>
+            </a:lvl6pPr>
+            <a:lvl7pPr>
+              <a:defRPr sz="1600"/>
+            </a:lvl7pPr>
+            <a:lvl8pPr>
+              <a:defRPr sz="1600"/>
+            </a:lvl8pPr>
+            <a:lvl9pPr>
+              <a:defRPr sz="1600"/>
+            </a:lvl9pPr>
+          </a:lstStyle>
           <a:p>
             <a:pPr lvl="0"/>
             <a:r>
@@ -14823,18 +16006,13 @@
               <a:rPr lang="it-IT"/>
               <a:t>Quinto livello</a:t>
             </a:r>
+            <a:endParaRPr lang="en-US" dirty="0"/>
           </a:p>
         </p:txBody>
       </p:sp>
       <p:sp>
         <p:nvSpPr>
-          <p:cNvPr id="5" name="Segnaposto testo 4">
-            <a:extLst>
-              <a:ext uri="{FF2B5EF4-FFF2-40B4-BE49-F238E27FC236}">
-                <a16:creationId xmlns:a16="http://schemas.microsoft.com/office/drawing/2014/main" id="{92B8DD77-D99D-033E-8A64-5B718E0A3BA9}"/>
-              </a:ext>
-            </a:extLst>
-          </p:cNvPr>
+          <p:cNvPr id="5" name="Text Placeholder 4"/>
           <p:cNvSpPr>
             <a:spLocks noGrp="1"/>
           </p:cNvSpPr>
@@ -14844,16 +16022,26 @@
         </p:nvSpPr>
         <p:spPr>
           <a:xfrm>
-            <a:off x="6172200" y="1681163"/>
-            <a:ext cx="5183188" cy="823912"/>
+            <a:off x="6007608" y="2038435"/>
+            <a:ext cx="4663440" cy="722376"/>
           </a:xfrm>
         </p:spPr>
         <p:txBody>
-          <a:bodyPr anchor="b"/>
+          <a:bodyPr anchor="ctr">
+            <a:normAutofit/>
+          </a:bodyPr>
           <a:lstStyle>
             <a:lvl1pPr marL="0" indent="0">
               <a:buNone/>
-              <a:defRPr sz="2400" b="1"/>
+              <a:defRPr sz="2200" b="0" cap="all" baseline="0">
+                <a:solidFill>
+                  <a:schemeClr val="tx1">
+                    <a:lumMod val="85000"/>
+                    <a:lumOff val="15000"/>
+                  </a:schemeClr>
+                </a:solidFill>
+                <a:latin typeface="+mj-lt"/>
+              </a:defRPr>
             </a:lvl1pPr>
             <a:lvl2pPr marL="457200" indent="0">
               <a:buNone/>
@@ -14899,13 +16087,7 @@
       </p:sp>
       <p:sp>
         <p:nvSpPr>
-          <p:cNvPr id="6" name="Segnaposto contenuto 5">
-            <a:extLst>
-              <a:ext uri="{FF2B5EF4-FFF2-40B4-BE49-F238E27FC236}">
-                <a16:creationId xmlns:a16="http://schemas.microsoft.com/office/drawing/2014/main" id="{AE1FC16B-105E-455F-39FC-50901EFD6242}"/>
-              </a:ext>
-            </a:extLst>
-          </p:cNvPr>
+          <p:cNvPr id="6" name="Content Placeholder 5"/>
           <p:cNvSpPr>
             <a:spLocks noGrp="1"/>
           </p:cNvSpPr>
@@ -14915,13 +16097,41 @@
         </p:nvSpPr>
         <p:spPr>
           <a:xfrm>
-            <a:off x="6172200" y="2505075"/>
-            <a:ext cx="5183188" cy="3684588"/>
+            <a:off x="6007608" y="2750990"/>
+            <a:ext cx="4663440" cy="3200400"/>
           </a:xfrm>
         </p:spPr>
         <p:txBody>
           <a:bodyPr/>
-          <a:lstStyle/>
+          <a:lstStyle>
+            <a:lvl1pPr>
+              <a:defRPr sz="2400"/>
+            </a:lvl1pPr>
+            <a:lvl2pPr>
+              <a:defRPr sz="2000"/>
+            </a:lvl2pPr>
+            <a:lvl3pPr>
+              <a:defRPr sz="1800"/>
+            </a:lvl3pPr>
+            <a:lvl4pPr>
+              <a:defRPr sz="1600"/>
+            </a:lvl4pPr>
+            <a:lvl5pPr>
+              <a:defRPr sz="1600"/>
+            </a:lvl5pPr>
+            <a:lvl6pPr>
+              <a:defRPr sz="1600"/>
+            </a:lvl6pPr>
+            <a:lvl7pPr>
+              <a:defRPr sz="1600"/>
+            </a:lvl7pPr>
+            <a:lvl8pPr>
+              <a:defRPr sz="1600"/>
+            </a:lvl8pPr>
+            <a:lvl9pPr>
+              <a:defRPr sz="1600"/>
+            </a:lvl9pPr>
+          </a:lstStyle>
           <a:p>
             <a:pPr lvl="0"/>
             <a:r>
@@ -14956,18 +16166,13 @@
               <a:rPr lang="it-IT"/>
               <a:t>Quinto livello</a:t>
             </a:r>
+            <a:endParaRPr lang="en-US" dirty="0"/>
           </a:p>
         </p:txBody>
       </p:sp>
       <p:sp>
         <p:nvSpPr>
-          <p:cNvPr id="7" name="Segnaposto data 6">
-            <a:extLst>
-              <a:ext uri="{FF2B5EF4-FFF2-40B4-BE49-F238E27FC236}">
-                <a16:creationId xmlns:a16="http://schemas.microsoft.com/office/drawing/2014/main" id="{1F513C3D-DA54-FAC6-D472-D4F391E17C37}"/>
-              </a:ext>
-            </a:extLst>
-          </p:cNvPr>
+          <p:cNvPr id="7" name="Date Placeholder 6"/>
           <p:cNvSpPr>
             <a:spLocks noGrp="1"/>
           </p:cNvSpPr>
@@ -14982,7 +16187,7 @@
           <a:p>
             <a:fld id="{B0FA7BDC-315E-494E-8854-05043C958474}" type="datetimeFigureOut">
               <a:rPr lang="it-IT" smtClean="0"/>
-              <a:t>14/02/24</a:t>
+              <a:t>22/02/2024</a:t>
             </a:fld>
             <a:endParaRPr lang="it-IT"/>
           </a:p>
@@ -14990,13 +16195,7 @@
       </p:sp>
       <p:sp>
         <p:nvSpPr>
-          <p:cNvPr id="8" name="Segnaposto piè di pagina 7">
-            <a:extLst>
-              <a:ext uri="{FF2B5EF4-FFF2-40B4-BE49-F238E27FC236}">
-                <a16:creationId xmlns:a16="http://schemas.microsoft.com/office/drawing/2014/main" id="{20B93327-C074-3C97-6353-2E187B96C68A}"/>
-              </a:ext>
-            </a:extLst>
-          </p:cNvPr>
+          <p:cNvPr id="8" name="Footer Placeholder 7"/>
           <p:cNvSpPr>
             <a:spLocks noGrp="1"/>
           </p:cNvSpPr>
@@ -15015,13 +16214,7 @@
       </p:sp>
       <p:sp>
         <p:nvSpPr>
-          <p:cNvPr id="9" name="Segnaposto numero diapositiva 8">
-            <a:extLst>
-              <a:ext uri="{FF2B5EF4-FFF2-40B4-BE49-F238E27FC236}">
-                <a16:creationId xmlns:a16="http://schemas.microsoft.com/office/drawing/2014/main" id="{998D4E73-FF41-EE45-E7A6-D07B0FB8E6BB}"/>
-              </a:ext>
-            </a:extLst>
-          </p:cNvPr>
+          <p:cNvPr id="9" name="Slide Number Placeholder 8"/>
           <p:cNvSpPr>
             <a:spLocks noGrp="1"/>
           </p:cNvSpPr>
@@ -15045,7 +16238,7 @@
     </p:spTree>
     <p:extLst>
       <p:ext uri="{BB962C8B-B14F-4D97-AF65-F5344CB8AC3E}">
-        <p14:creationId xmlns:p14="http://schemas.microsoft.com/office/powerpoint/2010/main" val="2061936880"/>
+        <p14:creationId xmlns:p14="http://schemas.microsoft.com/office/powerpoint/2010/main" val="947893502"/>
       </p:ext>
     </p:extLst>
   </p:cSld>
@@ -15074,13 +16267,7 @@
       </p:grpSpPr>
       <p:sp>
         <p:nvSpPr>
-          <p:cNvPr id="2" name="Titolo 1">
-            <a:extLst>
-              <a:ext uri="{FF2B5EF4-FFF2-40B4-BE49-F238E27FC236}">
-                <a16:creationId xmlns:a16="http://schemas.microsoft.com/office/drawing/2014/main" id="{A0E9B9EA-C072-0303-54E5-2D8B7C196C9F}"/>
-              </a:ext>
-            </a:extLst>
-          </p:cNvPr>
+          <p:cNvPr id="6" name="Title 5"/>
           <p:cNvSpPr>
             <a:spLocks noGrp="1"/>
           </p:cNvSpPr>
@@ -15097,18 +16284,13 @@
               <a:rPr lang="it-IT"/>
               <a:t>Fare clic per modificare lo stile del titolo dello schema</a:t>
             </a:r>
+            <a:endParaRPr lang="en-US" dirty="0"/>
           </a:p>
         </p:txBody>
       </p:sp>
       <p:sp>
         <p:nvSpPr>
-          <p:cNvPr id="3" name="Segnaposto data 2">
-            <a:extLst>
-              <a:ext uri="{FF2B5EF4-FFF2-40B4-BE49-F238E27FC236}">
-                <a16:creationId xmlns:a16="http://schemas.microsoft.com/office/drawing/2014/main" id="{420B4F64-75B9-A1E7-31A4-94C54F639AAD}"/>
-              </a:ext>
-            </a:extLst>
-          </p:cNvPr>
+          <p:cNvPr id="3" name="Date Placeholder 2"/>
           <p:cNvSpPr>
             <a:spLocks noGrp="1"/>
           </p:cNvSpPr>
@@ -15123,7 +16305,7 @@
           <a:p>
             <a:fld id="{B0FA7BDC-315E-494E-8854-05043C958474}" type="datetimeFigureOut">
               <a:rPr lang="it-IT" smtClean="0"/>
-              <a:t>14/02/24</a:t>
+              <a:t>22/02/2024</a:t>
             </a:fld>
             <a:endParaRPr lang="it-IT"/>
           </a:p>
@@ -15131,13 +16313,7 @@
       </p:sp>
       <p:sp>
         <p:nvSpPr>
-          <p:cNvPr id="4" name="Segnaposto piè di pagina 3">
-            <a:extLst>
-              <a:ext uri="{FF2B5EF4-FFF2-40B4-BE49-F238E27FC236}">
-                <a16:creationId xmlns:a16="http://schemas.microsoft.com/office/drawing/2014/main" id="{23918240-9E05-7E11-4A29-85DCBD817CD4}"/>
-              </a:ext>
-            </a:extLst>
-          </p:cNvPr>
+          <p:cNvPr id="4" name="Footer Placeholder 3"/>
           <p:cNvSpPr>
             <a:spLocks noGrp="1"/>
           </p:cNvSpPr>
@@ -15156,13 +16332,7 @@
       </p:sp>
       <p:sp>
         <p:nvSpPr>
-          <p:cNvPr id="5" name="Segnaposto numero diapositiva 4">
-            <a:extLst>
-              <a:ext uri="{FF2B5EF4-FFF2-40B4-BE49-F238E27FC236}">
-                <a16:creationId xmlns:a16="http://schemas.microsoft.com/office/drawing/2014/main" id="{51514B0C-0FFD-CFF7-4E0D-4D747D2B225F}"/>
-              </a:ext>
-            </a:extLst>
-          </p:cNvPr>
+          <p:cNvPr id="5" name="Slide Number Placeholder 4"/>
           <p:cNvSpPr>
             <a:spLocks noGrp="1"/>
           </p:cNvSpPr>
@@ -15186,7 +16356,7 @@
     </p:spTree>
     <p:extLst>
       <p:ext uri="{BB962C8B-B14F-4D97-AF65-F5344CB8AC3E}">
-        <p14:creationId xmlns:p14="http://schemas.microsoft.com/office/powerpoint/2010/main" val="2038359825"/>
+        <p14:creationId xmlns:p14="http://schemas.microsoft.com/office/powerpoint/2010/main" val="1710312653"/>
       </p:ext>
     </p:extLst>
   </p:cSld>
@@ -15215,13 +16385,7 @@
       </p:grpSpPr>
       <p:sp>
         <p:nvSpPr>
-          <p:cNvPr id="2" name="Segnaposto data 1">
-            <a:extLst>
-              <a:ext uri="{FF2B5EF4-FFF2-40B4-BE49-F238E27FC236}">
-                <a16:creationId xmlns:a16="http://schemas.microsoft.com/office/drawing/2014/main" id="{C3017C7B-3F5F-008B-6CD9-8E6E8D1B5203}"/>
-              </a:ext>
-            </a:extLst>
-          </p:cNvPr>
+          <p:cNvPr id="2" name="Date Placeholder 1"/>
           <p:cNvSpPr>
             <a:spLocks noGrp="1"/>
           </p:cNvSpPr>
@@ -15236,7 +16400,7 @@
           <a:p>
             <a:fld id="{B0FA7BDC-315E-494E-8854-05043C958474}" type="datetimeFigureOut">
               <a:rPr lang="it-IT" smtClean="0"/>
-              <a:t>14/02/24</a:t>
+              <a:t>22/02/2024</a:t>
             </a:fld>
             <a:endParaRPr lang="it-IT"/>
           </a:p>
@@ -15244,13 +16408,7 @@
       </p:sp>
       <p:sp>
         <p:nvSpPr>
-          <p:cNvPr id="3" name="Segnaposto piè di pagina 2">
-            <a:extLst>
-              <a:ext uri="{FF2B5EF4-FFF2-40B4-BE49-F238E27FC236}">
-                <a16:creationId xmlns:a16="http://schemas.microsoft.com/office/drawing/2014/main" id="{E9F131D3-C520-32B7-11D6-D3CA0FE04CD5}"/>
-              </a:ext>
-            </a:extLst>
-          </p:cNvPr>
+          <p:cNvPr id="3" name="Footer Placeholder 2"/>
           <p:cNvSpPr>
             <a:spLocks noGrp="1"/>
           </p:cNvSpPr>
@@ -15269,13 +16427,7 @@
       </p:sp>
       <p:sp>
         <p:nvSpPr>
-          <p:cNvPr id="4" name="Segnaposto numero diapositiva 3">
-            <a:extLst>
-              <a:ext uri="{FF2B5EF4-FFF2-40B4-BE49-F238E27FC236}">
-                <a16:creationId xmlns:a16="http://schemas.microsoft.com/office/drawing/2014/main" id="{78CAD371-F0DF-64A3-B85E-7DEFA4634986}"/>
-              </a:ext>
-            </a:extLst>
-          </p:cNvPr>
+          <p:cNvPr id="4" name="Slide Number Placeholder 3"/>
           <p:cNvSpPr>
             <a:spLocks noGrp="1"/>
           </p:cNvSpPr>
@@ -15299,7 +16451,7 @@
     </p:spTree>
     <p:extLst>
       <p:ext uri="{BB962C8B-B14F-4D97-AF65-F5344CB8AC3E}">
-        <p14:creationId xmlns:p14="http://schemas.microsoft.com/office/powerpoint/2010/main" val="2251631360"/>
+        <p14:creationId xmlns:p14="http://schemas.microsoft.com/office/powerpoint/2010/main" val="2495115711"/>
       </p:ext>
     </p:extLst>
   </p:cSld>
@@ -15328,13 +16480,42 @@
       </p:grpSpPr>
       <p:sp>
         <p:nvSpPr>
-          <p:cNvPr id="2" name="Titolo 1">
-            <a:extLst>
-              <a:ext uri="{FF2B5EF4-FFF2-40B4-BE49-F238E27FC236}">
-                <a16:creationId xmlns:a16="http://schemas.microsoft.com/office/drawing/2014/main" id="{975BD7F1-8098-1697-C3A0-6F1CA9381043}"/>
-              </a:ext>
-            </a:extLst>
-          </p:cNvPr>
+          <p:cNvPr id="2" name="Rectangle 1"/>
+          <p:cNvSpPr/>
+          <p:nvPr/>
+        </p:nvSpPr>
+        <p:spPr>
+          <a:xfrm>
+            <a:off x="7620000" y="0"/>
+            <a:ext cx="4572000" cy="6858000"/>
+          </a:xfrm>
+          <a:prstGeom prst="rect">
+            <a:avLst/>
+          </a:prstGeom>
+          <a:ln>
+            <a:noFill/>
+          </a:ln>
+        </p:spPr>
+        <p:style>
+          <a:lnRef idx="2">
+            <a:schemeClr val="accent1">
+              <a:shade val="50000"/>
+            </a:schemeClr>
+          </a:lnRef>
+          <a:fillRef idx="1">
+            <a:schemeClr val="accent1"/>
+          </a:fillRef>
+          <a:effectRef idx="0">
+            <a:schemeClr val="accent1"/>
+          </a:effectRef>
+          <a:fontRef idx="minor">
+            <a:schemeClr val="lt1"/>
+          </a:fontRef>
+        </p:style>
+      </p:sp>
+      <p:sp>
+        <p:nvSpPr>
+          <p:cNvPr id="9" name="Title 8"/>
           <p:cNvSpPr>
             <a:spLocks noGrp="1"/>
           </p:cNvSpPr>
@@ -15344,15 +16525,24 @@
         </p:nvSpPr>
         <p:spPr>
           <a:xfrm>
-            <a:off x="839788" y="457200"/>
-            <a:ext cx="3932237" cy="1600200"/>
+            <a:off x="8261404" y="542282"/>
+            <a:ext cx="3383280" cy="1920240"/>
           </a:xfrm>
         </p:spPr>
         <p:txBody>
-          <a:bodyPr anchor="b"/>
+          <a:bodyPr anchor="b">
+            <a:noAutofit/>
+          </a:bodyPr>
           <a:lstStyle>
             <a:lvl1pPr>
-              <a:defRPr sz="3200"/>
+              <a:lnSpc>
+                <a:spcPct val="85000"/>
+              </a:lnSpc>
+              <a:defRPr sz="4000">
+                <a:solidFill>
+                  <a:srgbClr val="FFFFFF"/>
+                </a:solidFill>
+              </a:defRPr>
             </a:lvl1pPr>
           </a:lstStyle>
           <a:p>
@@ -15360,18 +16550,13 @@
               <a:rPr lang="it-IT"/>
               <a:t>Fare clic per modificare lo stile del titolo dello schema</a:t>
             </a:r>
+            <a:endParaRPr lang="en-US" dirty="0"/>
           </a:p>
         </p:txBody>
       </p:sp>
       <p:sp>
         <p:nvSpPr>
-          <p:cNvPr id="3" name="Segnaposto contenuto 2">
-            <a:extLst>
-              <a:ext uri="{FF2B5EF4-FFF2-40B4-BE49-F238E27FC236}">
-                <a16:creationId xmlns:a16="http://schemas.microsoft.com/office/drawing/2014/main" id="{E93E1790-39A8-D0C4-B700-F6C52F78868A}"/>
-              </a:ext>
-            </a:extLst>
-          </p:cNvPr>
+          <p:cNvPr id="3" name="Content Placeholder 2"/>
           <p:cNvSpPr>
             <a:spLocks noGrp="1"/>
           </p:cNvSpPr>
@@ -15381,8 +16566,8 @@
         </p:nvSpPr>
         <p:spPr>
           <a:xfrm>
-            <a:off x="5183188" y="987425"/>
-            <a:ext cx="6172200" cy="4873625"/>
+            <a:off x="762000" y="762000"/>
+            <a:ext cx="6096000" cy="4572000"/>
           </a:xfrm>
         </p:spPr>
         <p:txBody>
@@ -15450,18 +16635,13 @@
               <a:rPr lang="it-IT"/>
               <a:t>Quinto livello</a:t>
             </a:r>
+            <a:endParaRPr lang="en-US" dirty="0"/>
           </a:p>
         </p:txBody>
       </p:sp>
       <p:sp>
         <p:nvSpPr>
-          <p:cNvPr id="4" name="Segnaposto testo 3">
-            <a:extLst>
-              <a:ext uri="{FF2B5EF4-FFF2-40B4-BE49-F238E27FC236}">
-                <a16:creationId xmlns:a16="http://schemas.microsoft.com/office/drawing/2014/main" id="{892B0349-CF73-1A31-6445-9B0A7218136F}"/>
-              </a:ext>
-            </a:extLst>
-          </p:cNvPr>
+          <p:cNvPr id="4" name="Text Placeholder 3"/>
           <p:cNvSpPr>
             <a:spLocks noGrp="1"/>
           </p:cNvSpPr>
@@ -15471,52 +16651,87 @@
         </p:nvSpPr>
         <p:spPr>
           <a:xfrm>
-            <a:off x="839788" y="2057400"/>
-            <a:ext cx="3932237" cy="3811588"/>
+            <a:off x="8275982" y="2511813"/>
+            <a:ext cx="3398520" cy="3126987"/>
           </a:xfrm>
         </p:spPr>
         <p:txBody>
-          <a:bodyPr/>
+          <a:bodyPr>
+            <a:normAutofit/>
+          </a:bodyPr>
           <a:lstStyle>
-            <a:lvl1pPr marL="0" indent="0">
+            <a:lvl1pPr marL="0" marR="0" indent="0" algn="l" defTabSz="914400" rtl="0" eaLnBrk="1" fontAlgn="auto" latinLnBrk="0" hangingPunct="1">
+              <a:lnSpc>
+                <a:spcPct val="100000"/>
+              </a:lnSpc>
+              <a:spcBef>
+                <a:spcPts val="1200"/>
+              </a:spcBef>
+              <a:spcAft>
+                <a:spcPts val="0"/>
+              </a:spcAft>
+              <a:buClrTx/>
+              <a:buSzTx/>
+              <a:buFontTx/>
               <a:buNone/>
-              <a:defRPr sz="1600"/>
+              <a:tabLst/>
+              <a:defRPr sz="1800">
+                <a:solidFill>
+                  <a:srgbClr val="262626"/>
+                </a:solidFill>
+              </a:defRPr>
             </a:lvl1pPr>
             <a:lvl2pPr marL="457200" indent="0">
               <a:buNone/>
-              <a:defRPr sz="1400"/>
+              <a:defRPr sz="1200"/>
             </a:lvl2pPr>
             <a:lvl3pPr marL="914400" indent="0">
               <a:buNone/>
-              <a:defRPr sz="1200"/>
+              <a:defRPr sz="1000"/>
             </a:lvl3pPr>
             <a:lvl4pPr marL="1371600" indent="0">
               <a:buNone/>
-              <a:defRPr sz="1000"/>
+              <a:defRPr sz="900"/>
             </a:lvl4pPr>
             <a:lvl5pPr marL="1828800" indent="0">
               <a:buNone/>
-              <a:defRPr sz="1000"/>
+              <a:defRPr sz="900"/>
             </a:lvl5pPr>
             <a:lvl6pPr marL="2286000" indent="0">
               <a:buNone/>
-              <a:defRPr sz="1000"/>
+              <a:defRPr sz="900"/>
             </a:lvl6pPr>
             <a:lvl7pPr marL="2743200" indent="0">
               <a:buNone/>
-              <a:defRPr sz="1000"/>
+              <a:defRPr sz="900"/>
             </a:lvl7pPr>
             <a:lvl8pPr marL="3200400" indent="0">
               <a:buNone/>
-              <a:defRPr sz="1000"/>
+              <a:defRPr sz="900"/>
             </a:lvl8pPr>
             <a:lvl9pPr marL="3657600" indent="0">
               <a:buNone/>
-              <a:defRPr sz="1000"/>
+              <a:defRPr sz="900"/>
             </a:lvl9pPr>
           </a:lstStyle>
           <a:p>
-            <a:pPr lvl="0"/>
+            <a:pPr marL="0" marR="0" lvl="0" indent="0" algn="l" defTabSz="914400" rtl="0" eaLnBrk="1" fontAlgn="auto" latinLnBrk="0" hangingPunct="1">
+              <a:lnSpc>
+                <a:spcPct val="100000"/>
+              </a:lnSpc>
+              <a:spcBef>
+                <a:spcPts val="1400"/>
+              </a:spcBef>
+              <a:spcAft>
+                <a:spcPts val="0"/>
+              </a:spcAft>
+              <a:buClrTx/>
+              <a:buSzTx/>
+              <a:buFontTx/>
+              <a:buNone/>
+              <a:tabLst/>
+              <a:defRPr/>
+            </a:pPr>
             <a:r>
               <a:rPr lang="it-IT"/>
               <a:t>Fare clic per modificare gli stili del testo dello schema</a:t>
@@ -15526,13 +16741,7 @@
       </p:sp>
       <p:sp>
         <p:nvSpPr>
-          <p:cNvPr id="5" name="Segnaposto data 4">
-            <a:extLst>
-              <a:ext uri="{FF2B5EF4-FFF2-40B4-BE49-F238E27FC236}">
-                <a16:creationId xmlns:a16="http://schemas.microsoft.com/office/drawing/2014/main" id="{C7A11D12-AF59-B953-716B-C111716704E7}"/>
-              </a:ext>
-            </a:extLst>
-          </p:cNvPr>
+          <p:cNvPr id="5" name="Date Placeholder 4"/>
           <p:cNvSpPr>
             <a:spLocks noGrp="1"/>
           </p:cNvSpPr>
@@ -15547,7 +16756,7 @@
           <a:p>
             <a:fld id="{B0FA7BDC-315E-494E-8854-05043C958474}" type="datetimeFigureOut">
               <a:rPr lang="it-IT" smtClean="0"/>
-              <a:t>14/02/24</a:t>
+              <a:t>22/02/2024</a:t>
             </a:fld>
             <a:endParaRPr lang="it-IT"/>
           </a:p>
@@ -15555,13 +16764,7 @@
       </p:sp>
       <p:sp>
         <p:nvSpPr>
-          <p:cNvPr id="6" name="Segnaposto piè di pagina 5">
-            <a:extLst>
-              <a:ext uri="{FF2B5EF4-FFF2-40B4-BE49-F238E27FC236}">
-                <a16:creationId xmlns:a16="http://schemas.microsoft.com/office/drawing/2014/main" id="{E7A20A07-23FE-2D75-7D92-1477E8B4E5B8}"/>
-              </a:ext>
-            </a:extLst>
-          </p:cNvPr>
+          <p:cNvPr id="6" name="Footer Placeholder 5"/>
           <p:cNvSpPr>
             <a:spLocks noGrp="1"/>
           </p:cNvSpPr>
@@ -15580,13 +16783,7 @@
       </p:sp>
       <p:sp>
         <p:nvSpPr>
-          <p:cNvPr id="7" name="Segnaposto numero diapositiva 6">
-            <a:extLst>
-              <a:ext uri="{FF2B5EF4-FFF2-40B4-BE49-F238E27FC236}">
-                <a16:creationId xmlns:a16="http://schemas.microsoft.com/office/drawing/2014/main" id="{9F3B8286-B1B8-6BDC-911F-2C31B66D0E07}"/>
-              </a:ext>
-            </a:extLst>
-          </p:cNvPr>
+          <p:cNvPr id="7" name="Slide Number Placeholder 6"/>
           <p:cNvSpPr>
             <a:spLocks noGrp="1"/>
           </p:cNvSpPr>
@@ -15597,7 +16794,17 @@
         <p:spPr/>
         <p:txBody>
           <a:bodyPr/>
-          <a:lstStyle/>
+          <a:lstStyle>
+            <a:lvl1pPr>
+              <a:defRPr>
+                <a:solidFill>
+                  <a:srgbClr val="FFFFFF">
+                    <a:alpha val="20000"/>
+                  </a:srgbClr>
+                </a:solidFill>
+              </a:defRPr>
+            </a:lvl1pPr>
+          </a:lstStyle>
           <a:p>
             <a:fld id="{9A03ADBE-4075-7E41-9295-F26B04E6A9D6}" type="slidenum">
               <a:rPr lang="it-IT" smtClean="0"/>
@@ -15610,7 +16817,7 @@
     </p:spTree>
     <p:extLst>
       <p:ext uri="{BB962C8B-B14F-4D97-AF65-F5344CB8AC3E}">
-        <p14:creationId xmlns:p14="http://schemas.microsoft.com/office/powerpoint/2010/main" val="2935966019"/>
+        <p14:creationId xmlns:p14="http://schemas.microsoft.com/office/powerpoint/2010/main" val="4128176183"/>
       </p:ext>
     </p:extLst>
   </p:cSld>
@@ -15623,6 +16830,14 @@
 <file path=ppt/slideLayouts/slideLayout9.xml><?xml version="1.0" encoding="utf-8"?>
 <p:sldLayout xmlns:a="http://schemas.openxmlformats.org/drawingml/2006/main" xmlns:r="http://schemas.openxmlformats.org/officeDocument/2006/relationships" xmlns:p="http://schemas.openxmlformats.org/presentationml/2006/main" type="picTx" preserve="1">
   <p:cSld name="Immagine con didascalia">
+    <p:bg>
+      <p:bgPr>
+        <a:solidFill>
+          <a:schemeClr val="accent1"/>
+        </a:solidFill>
+        <a:effectLst/>
+      </p:bgPr>
+    </p:bg>
     <p:spTree>
       <p:nvGrpSpPr>
         <p:cNvPr id="1" name=""/>
@@ -15639,13 +16854,7 @@
       </p:grpSpPr>
       <p:sp>
         <p:nvSpPr>
-          <p:cNvPr id="2" name="Titolo 1">
-            <a:extLst>
-              <a:ext uri="{FF2B5EF4-FFF2-40B4-BE49-F238E27FC236}">
-                <a16:creationId xmlns:a16="http://schemas.microsoft.com/office/drawing/2014/main" id="{33D67199-4A9F-0A99-8430-EE72CDE00F15}"/>
-              </a:ext>
-            </a:extLst>
-          </p:cNvPr>
+          <p:cNvPr id="2" name="Title 1"/>
           <p:cNvSpPr>
             <a:spLocks noGrp="1"/>
           </p:cNvSpPr>
@@ -15655,15 +16864,21 @@
         </p:nvSpPr>
         <p:spPr>
           <a:xfrm>
-            <a:off x="839788" y="457200"/>
-            <a:ext cx="3932237" cy="1600200"/>
+            <a:off x="649224" y="5418667"/>
+            <a:ext cx="10780776" cy="613283"/>
           </a:xfrm>
         </p:spPr>
         <p:txBody>
-          <a:bodyPr anchor="b"/>
+          <a:bodyPr anchor="b">
+            <a:normAutofit/>
+          </a:bodyPr>
           <a:lstStyle>
             <a:lvl1pPr>
-              <a:defRPr sz="3200"/>
+              <a:defRPr sz="3200" b="0">
+                <a:solidFill>
+                  <a:srgbClr val="FFFFFF"/>
+                </a:solidFill>
+              </a:defRPr>
             </a:lvl1pPr>
           </a:lstStyle>
           <a:p>
@@ -15671,20 +16886,15 @@
               <a:rPr lang="it-IT"/>
               <a:t>Fare clic per modificare lo stile del titolo dello schema</a:t>
             </a:r>
+            <a:endParaRPr lang="en-US" dirty="0"/>
           </a:p>
         </p:txBody>
       </p:sp>
       <p:sp>
         <p:nvSpPr>
-          <p:cNvPr id="3" name="Segnaposto immagine 2">
-            <a:extLst>
-              <a:ext uri="{FF2B5EF4-FFF2-40B4-BE49-F238E27FC236}">
-                <a16:creationId xmlns:a16="http://schemas.microsoft.com/office/drawing/2014/main" id="{1B7D6010-4B69-25E6-EA9A-CD773CB6B0B0}"/>
-              </a:ext>
-            </a:extLst>
-          </p:cNvPr>
+          <p:cNvPr id="3" name="Picture Placeholder 2"/>
           <p:cNvSpPr>
-            <a:spLocks noGrp="1"/>
+            <a:spLocks noGrp="1" noChangeAspect="1"/>
           </p:cNvSpPr>
           <p:nvPr>
             <p:ph type="pic" idx="1"/>
@@ -15692,16 +16902,32 @@
         </p:nvSpPr>
         <p:spPr>
           <a:xfrm>
-            <a:off x="5183188" y="987425"/>
-            <a:ext cx="6172200" cy="4873625"/>
+            <a:off x="0" y="0"/>
+            <a:ext cx="12192000" cy="5330952"/>
           </a:xfrm>
+          <a:solidFill>
+            <a:schemeClr val="accent1">
+              <a:lumMod val="20000"/>
+              <a:lumOff val="80000"/>
+            </a:schemeClr>
+          </a:solidFill>
         </p:spPr>
         <p:txBody>
-          <a:bodyPr/>
+          <a:bodyPr anchor="t"/>
           <a:lstStyle>
-            <a:lvl1pPr marL="0" indent="0">
+            <a:lvl1pPr marL="0" indent="0" algn="ctr">
+              <a:spcBef>
+                <a:spcPts val="800"/>
+              </a:spcBef>
               <a:buNone/>
-              <a:defRPr sz="3200"/>
+              <a:defRPr sz="3200">
+                <a:solidFill>
+                  <a:schemeClr val="tx1">
+                    <a:lumMod val="75000"/>
+                    <a:lumOff val="25000"/>
+                  </a:schemeClr>
+                </a:solidFill>
+              </a:defRPr>
             </a:lvl1pPr>
             <a:lvl2pPr marL="457200" indent="0">
               <a:buNone/>
@@ -15737,19 +16963,17 @@
             </a:lvl9pPr>
           </a:lstStyle>
           <a:p>
-            <a:endParaRPr lang="it-IT"/>
+            <a:r>
+              <a:rPr lang="it-IT"/>
+              <a:t>Fare clic sull'icona per inserire un'immagine</a:t>
+            </a:r>
+            <a:endParaRPr lang="en-US" dirty="0"/>
           </a:p>
         </p:txBody>
       </p:sp>
       <p:sp>
         <p:nvSpPr>
-          <p:cNvPr id="4" name="Segnaposto testo 3">
-            <a:extLst>
-              <a:ext uri="{FF2B5EF4-FFF2-40B4-BE49-F238E27FC236}">
-                <a16:creationId xmlns:a16="http://schemas.microsoft.com/office/drawing/2014/main" id="{0E25D45E-F9F5-1226-41E9-BF4B94961200}"/>
-              </a:ext>
-            </a:extLst>
-          </p:cNvPr>
+          <p:cNvPr id="4" name="Text Placeholder 3"/>
           <p:cNvSpPr>
             <a:spLocks noGrp="1"/>
           </p:cNvSpPr>
@@ -15759,48 +16983,57 @@
         </p:nvSpPr>
         <p:spPr>
           <a:xfrm>
-            <a:off x="839788" y="2057400"/>
-            <a:ext cx="3932237" cy="3811588"/>
+            <a:off x="676656" y="5909735"/>
+            <a:ext cx="9229344" cy="533400"/>
           </a:xfrm>
         </p:spPr>
         <p:txBody>
-          <a:bodyPr/>
+          <a:bodyPr>
+            <a:normAutofit/>
+          </a:bodyPr>
           <a:lstStyle>
             <a:lvl1pPr marL="0" indent="0">
+              <a:lnSpc>
+                <a:spcPct val="90000"/>
+              </a:lnSpc>
               <a:buNone/>
-              <a:defRPr sz="1600"/>
+              <a:defRPr sz="1400">
+                <a:solidFill>
+                  <a:srgbClr val="262626"/>
+                </a:solidFill>
+              </a:defRPr>
             </a:lvl1pPr>
             <a:lvl2pPr marL="457200" indent="0">
               <a:buNone/>
-              <a:defRPr sz="1400"/>
+              <a:defRPr sz="1200"/>
             </a:lvl2pPr>
             <a:lvl3pPr marL="914400" indent="0">
               <a:buNone/>
-              <a:defRPr sz="1200"/>
+              <a:defRPr sz="1000"/>
             </a:lvl3pPr>
             <a:lvl4pPr marL="1371600" indent="0">
               <a:buNone/>
-              <a:defRPr sz="1000"/>
+              <a:defRPr sz="900"/>
             </a:lvl4pPr>
             <a:lvl5pPr marL="1828800" indent="0">
               <a:buNone/>
-              <a:defRPr sz="1000"/>
+              <a:defRPr sz="900"/>
             </a:lvl5pPr>
             <a:lvl6pPr marL="2286000" indent="0">
               <a:buNone/>
-              <a:defRPr sz="1000"/>
+              <a:defRPr sz="900"/>
             </a:lvl6pPr>
             <a:lvl7pPr marL="2743200" indent="0">
               <a:buNone/>
-              <a:defRPr sz="1000"/>
+              <a:defRPr sz="900"/>
             </a:lvl7pPr>
             <a:lvl8pPr marL="3200400" indent="0">
               <a:buNone/>
-              <a:defRPr sz="1000"/>
+              <a:defRPr sz="900"/>
             </a:lvl8pPr>
             <a:lvl9pPr marL="3657600" indent="0">
               <a:buNone/>
-              <a:defRPr sz="1000"/>
+              <a:defRPr sz="900"/>
             </a:lvl9pPr>
           </a:lstStyle>
           <a:p>
@@ -15814,13 +17047,7 @@
       </p:sp>
       <p:sp>
         <p:nvSpPr>
-          <p:cNvPr id="5" name="Segnaposto data 4">
-            <a:extLst>
-              <a:ext uri="{FF2B5EF4-FFF2-40B4-BE49-F238E27FC236}">
-                <a16:creationId xmlns:a16="http://schemas.microsoft.com/office/drawing/2014/main" id="{B4007F9D-8107-3F7C-E5A5-444D27761C97}"/>
-              </a:ext>
-            </a:extLst>
-          </p:cNvPr>
+          <p:cNvPr id="12" name="Date Placeholder 11"/>
           <p:cNvSpPr>
             <a:spLocks noGrp="1"/>
           </p:cNvSpPr>
@@ -15831,11 +17058,21 @@
         <p:spPr/>
         <p:txBody>
           <a:bodyPr/>
-          <a:lstStyle/>
+          <a:lstStyle>
+            <a:lvl1pPr>
+              <a:defRPr>
+                <a:solidFill>
+                  <a:srgbClr val="FFFFFF">
+                    <a:alpha val="80000"/>
+                  </a:srgbClr>
+                </a:solidFill>
+              </a:defRPr>
+            </a:lvl1pPr>
+          </a:lstStyle>
           <a:p>
             <a:fld id="{B0FA7BDC-315E-494E-8854-05043C958474}" type="datetimeFigureOut">
               <a:rPr lang="it-IT" smtClean="0"/>
-              <a:t>14/02/24</a:t>
+              <a:t>22/02/2024</a:t>
             </a:fld>
             <a:endParaRPr lang="it-IT"/>
           </a:p>
@@ -15843,13 +17080,7 @@
       </p:sp>
       <p:sp>
         <p:nvSpPr>
-          <p:cNvPr id="6" name="Segnaposto piè di pagina 5">
-            <a:extLst>
-              <a:ext uri="{FF2B5EF4-FFF2-40B4-BE49-F238E27FC236}">
-                <a16:creationId xmlns:a16="http://schemas.microsoft.com/office/drawing/2014/main" id="{E629F0B7-CD26-9E13-C160-8B2386C86F7A}"/>
-              </a:ext>
-            </a:extLst>
-          </p:cNvPr>
+          <p:cNvPr id="13" name="Footer Placeholder 12"/>
           <p:cNvSpPr>
             <a:spLocks noGrp="1"/>
           </p:cNvSpPr>
@@ -15860,7 +17091,17 @@
         <p:spPr/>
         <p:txBody>
           <a:bodyPr/>
-          <a:lstStyle/>
+          <a:lstStyle>
+            <a:lvl1pPr>
+              <a:defRPr>
+                <a:solidFill>
+                  <a:srgbClr val="FFFFFF">
+                    <a:alpha val="80000"/>
+                  </a:srgbClr>
+                </a:solidFill>
+              </a:defRPr>
+            </a:lvl1pPr>
+          </a:lstStyle>
           <a:p>
             <a:endParaRPr lang="it-IT"/>
           </a:p>
@@ -15868,13 +17109,7 @@
       </p:sp>
       <p:sp>
         <p:nvSpPr>
-          <p:cNvPr id="7" name="Segnaposto numero diapositiva 6">
-            <a:extLst>
-              <a:ext uri="{FF2B5EF4-FFF2-40B4-BE49-F238E27FC236}">
-                <a16:creationId xmlns:a16="http://schemas.microsoft.com/office/drawing/2014/main" id="{1ED5E175-AE1E-4FD9-814A-D8639BE4B6C5}"/>
-              </a:ext>
-            </a:extLst>
-          </p:cNvPr>
+          <p:cNvPr id="14" name="Slide Number Placeholder 13"/>
           <p:cNvSpPr>
             <a:spLocks noGrp="1"/>
           </p:cNvSpPr>
@@ -15885,7 +17120,17 @@
         <p:spPr/>
         <p:txBody>
           <a:bodyPr/>
-          <a:lstStyle/>
+          <a:lstStyle>
+            <a:lvl1pPr>
+              <a:defRPr>
+                <a:solidFill>
+                  <a:srgbClr val="FFFFFF">
+                    <a:alpha val="25000"/>
+                  </a:srgbClr>
+                </a:solidFill>
+              </a:defRPr>
+            </a:lvl1pPr>
+          </a:lstStyle>
           <a:p>
             <a:fld id="{9A03ADBE-4075-7E41-9295-F26B04E6A9D6}" type="slidenum">
               <a:rPr lang="it-IT" smtClean="0"/>
@@ -15898,12 +17143,12 @@
     </p:spTree>
     <p:extLst>
       <p:ext uri="{BB962C8B-B14F-4D97-AF65-F5344CB8AC3E}">
-        <p14:creationId xmlns:p14="http://schemas.microsoft.com/office/powerpoint/2010/main" val="4177938323"/>
+        <p14:creationId xmlns:p14="http://schemas.microsoft.com/office/powerpoint/2010/main" val="4078277129"/>
       </p:ext>
     </p:extLst>
   </p:cSld>
   <p:clrMapOvr>
-    <a:masterClrMapping/>
+    <a:overrideClrMapping bg1="lt1" tx1="dk1" bg2="lt2" tx2="dk2" accent1="accent1" accent2="accent2" accent3="accent3" accent4="accent4" accent5="accent5" accent6="accent6" hlink="hlink" folHlink="folHlink"/>
   </p:clrMapOvr>
 </p:sldLayout>
 </file>
@@ -15932,13 +17177,7 @@
       </p:grpSpPr>
       <p:sp>
         <p:nvSpPr>
-          <p:cNvPr id="2" name="Segnaposto titolo 1">
-            <a:extLst>
-              <a:ext uri="{FF2B5EF4-FFF2-40B4-BE49-F238E27FC236}">
-                <a16:creationId xmlns:a16="http://schemas.microsoft.com/office/drawing/2014/main" id="{9F6B2356-27AE-8FE4-DD8F-BFF3F70C262C}"/>
-              </a:ext>
-            </a:extLst>
-          </p:cNvPr>
+          <p:cNvPr id="2" name="Title Placeholder 1"/>
           <p:cNvSpPr>
             <a:spLocks noGrp="1"/>
           </p:cNvSpPr>
@@ -15948,8 +17187,8 @@
         </p:nvSpPr>
         <p:spPr>
           <a:xfrm>
-            <a:off x="838200" y="365125"/>
-            <a:ext cx="10515600" cy="1325563"/>
+            <a:off x="657224" y="499533"/>
+            <a:ext cx="10772775" cy="1658198"/>
           </a:xfrm>
           <a:prstGeom prst="rect">
             <a:avLst/>
@@ -15965,18 +17204,13 @@
               <a:rPr lang="it-IT"/>
               <a:t>Fare clic per modificare lo stile del titolo dello schema</a:t>
             </a:r>
+            <a:endParaRPr lang="en-US" dirty="0"/>
           </a:p>
         </p:txBody>
       </p:sp>
       <p:sp>
         <p:nvSpPr>
-          <p:cNvPr id="3" name="Segnaposto testo 2">
-            <a:extLst>
-              <a:ext uri="{FF2B5EF4-FFF2-40B4-BE49-F238E27FC236}">
-                <a16:creationId xmlns:a16="http://schemas.microsoft.com/office/drawing/2014/main" id="{7F2FC0B7-5870-ACD5-679B-1A48B9CE7CCE}"/>
-              </a:ext>
-            </a:extLst>
-          </p:cNvPr>
+          <p:cNvPr id="3" name="Text Placeholder 2"/>
           <p:cNvSpPr>
             <a:spLocks noGrp="1"/>
           </p:cNvSpPr>
@@ -15986,8 +17220,8 @@
         </p:nvSpPr>
         <p:spPr>
           <a:xfrm>
-            <a:off x="838200" y="1825625"/>
-            <a:ext cx="10515600" cy="4351338"/>
+            <a:off x="676656" y="2011680"/>
+            <a:ext cx="10753725" cy="3766185"/>
           </a:xfrm>
           <a:prstGeom prst="rect">
             <a:avLst/>
@@ -16032,18 +17266,13 @@
               <a:rPr lang="it-IT"/>
               <a:t>Quinto livello</a:t>
             </a:r>
+            <a:endParaRPr lang="en-US" dirty="0"/>
           </a:p>
         </p:txBody>
       </p:sp>
       <p:sp>
         <p:nvSpPr>
-          <p:cNvPr id="4" name="Segnaposto data 3">
-            <a:extLst>
-              <a:ext uri="{FF2B5EF4-FFF2-40B4-BE49-F238E27FC236}">
-                <a16:creationId xmlns:a16="http://schemas.microsoft.com/office/drawing/2014/main" id="{CC6BC6FE-5509-0EB8-3862-E9B17C349A82}"/>
-              </a:ext>
-            </a:extLst>
-          </p:cNvPr>
+          <p:cNvPr id="4" name="Date Placeholder 3"/>
           <p:cNvSpPr>
             <a:spLocks noGrp="1"/>
           </p:cNvSpPr>
@@ -16053,8 +17282,8 @@
         </p:nvSpPr>
         <p:spPr>
           <a:xfrm>
-            <a:off x="838200" y="6356350"/>
-            <a:ext cx="2743200" cy="365125"/>
+            <a:off x="685800" y="6412447"/>
+            <a:ext cx="4114800" cy="228600"/>
           </a:xfrm>
           <a:prstGeom prst="rect">
             <a:avLst/>
@@ -16064,10 +17293,10 @@
           <a:bodyPr vert="horz" lIns="91440" tIns="45720" rIns="91440" bIns="45720" rtlCol="0" anchor="ctr"/>
           <a:lstStyle>
             <a:lvl1pPr algn="l">
-              <a:defRPr sz="1200">
+              <a:defRPr sz="950">
                 <a:solidFill>
                   <a:schemeClr val="tx1">
-                    <a:tint val="75000"/>
+                    <a:alpha val="80000"/>
                   </a:schemeClr>
                 </a:solidFill>
               </a:defRPr>
@@ -16076,7 +17305,7 @@
           <a:p>
             <a:fld id="{B0FA7BDC-315E-494E-8854-05043C958474}" type="datetimeFigureOut">
               <a:rPr lang="it-IT" smtClean="0"/>
-              <a:t>14/02/24</a:t>
+              <a:t>22/02/2024</a:t>
             </a:fld>
             <a:endParaRPr lang="it-IT"/>
           </a:p>
@@ -16084,13 +17313,7 @@
       </p:sp>
       <p:sp>
         <p:nvSpPr>
-          <p:cNvPr id="5" name="Segnaposto piè di pagina 4">
-            <a:extLst>
-              <a:ext uri="{FF2B5EF4-FFF2-40B4-BE49-F238E27FC236}">
-                <a16:creationId xmlns:a16="http://schemas.microsoft.com/office/drawing/2014/main" id="{74FBD26B-A4CC-58E0-AD97-A08AB8F649D8}"/>
-              </a:ext>
-            </a:extLst>
-          </p:cNvPr>
+          <p:cNvPr id="5" name="Footer Placeholder 4"/>
           <p:cNvSpPr>
             <a:spLocks noGrp="1"/>
           </p:cNvSpPr>
@@ -16100,8 +17323,8 @@
         </p:nvSpPr>
         <p:spPr>
           <a:xfrm>
-            <a:off x="4038600" y="6356350"/>
-            <a:ext cx="4114800" cy="365125"/>
+            <a:off x="685800" y="6554697"/>
+            <a:ext cx="5029200" cy="228600"/>
           </a:xfrm>
           <a:prstGeom prst="rect">
             <a:avLst/>
@@ -16110,11 +17333,11 @@
         <p:txBody>
           <a:bodyPr vert="horz" lIns="91440" tIns="45720" rIns="91440" bIns="45720" rtlCol="0" anchor="ctr"/>
           <a:lstStyle>
-            <a:lvl1pPr algn="ctr">
-              <a:defRPr sz="1200">
+            <a:lvl1pPr algn="l">
+              <a:defRPr sz="950" cap="all" baseline="0">
                 <a:solidFill>
                   <a:schemeClr val="tx1">
-                    <a:tint val="75000"/>
+                    <a:alpha val="80000"/>
                   </a:schemeClr>
                 </a:solidFill>
               </a:defRPr>
@@ -16127,13 +17350,7 @@
       </p:sp>
       <p:sp>
         <p:nvSpPr>
-          <p:cNvPr id="6" name="Segnaposto numero diapositiva 5">
-            <a:extLst>
-              <a:ext uri="{FF2B5EF4-FFF2-40B4-BE49-F238E27FC236}">
-                <a16:creationId xmlns:a16="http://schemas.microsoft.com/office/drawing/2014/main" id="{81FA4216-E0EF-1277-DEED-8540E4FBF932}"/>
-              </a:ext>
-            </a:extLst>
-          </p:cNvPr>
+          <p:cNvPr id="6" name="Slide Number Placeholder 5"/>
           <p:cNvSpPr>
             <a:spLocks noGrp="1"/>
           </p:cNvSpPr>
@@ -16143,23 +17360,27 @@
         </p:nvSpPr>
         <p:spPr>
           <a:xfrm>
-            <a:off x="8610600" y="6356350"/>
-            <a:ext cx="2743200" cy="365125"/>
+            <a:off x="8763926" y="5876412"/>
+            <a:ext cx="2926080" cy="1397039"/>
           </a:xfrm>
           <a:prstGeom prst="rect">
             <a:avLst/>
           </a:prstGeom>
         </p:spPr>
         <p:txBody>
-          <a:bodyPr vert="horz" lIns="91440" tIns="45720" rIns="91440" bIns="45720" rtlCol="0" anchor="ctr"/>
+          <a:bodyPr vert="horz" lIns="91440" tIns="45720" rIns="91440" bIns="45720" rtlCol="0" anchor="b"/>
           <a:lstStyle>
             <a:lvl1pPr algn="r">
-              <a:defRPr sz="1200">
+              <a:defRPr sz="10300" b="0">
+                <a:ln>
+                  <a:noFill/>
+                </a:ln>
                 <a:solidFill>
-                  <a:schemeClr val="tx1">
-                    <a:tint val="75000"/>
+                  <a:schemeClr val="accent1">
+                    <a:alpha val="25000"/>
                   </a:schemeClr>
                 </a:solidFill>
+                <a:latin typeface="+mj-lt"/>
               </a:defRPr>
             </a:lvl1pPr>
           </a:lstStyle>
@@ -16175,37 +17396,37 @@
     </p:spTree>
     <p:extLst>
       <p:ext uri="{BB962C8B-B14F-4D97-AF65-F5344CB8AC3E}">
-        <p14:creationId xmlns:p14="http://schemas.microsoft.com/office/powerpoint/2010/main" val="1616499840"/>
+        <p14:creationId xmlns:p14="http://schemas.microsoft.com/office/powerpoint/2010/main" val="2564328435"/>
       </p:ext>
     </p:extLst>
   </p:cSld>
   <p:clrMap bg1="lt1" tx1="dk1" bg2="lt2" tx2="dk2" accent1="accent1" accent2="accent2" accent3="accent3" accent4="accent4" accent5="accent5" accent6="accent6" hlink="hlink" folHlink="folHlink"/>
   <p:sldLayoutIdLst>
-    <p:sldLayoutId id="2147483649" r:id="rId1"/>
-    <p:sldLayoutId id="2147483650" r:id="rId2"/>
-    <p:sldLayoutId id="2147483651" r:id="rId3"/>
-    <p:sldLayoutId id="2147483652" r:id="rId4"/>
-    <p:sldLayoutId id="2147483653" r:id="rId5"/>
-    <p:sldLayoutId id="2147483654" r:id="rId6"/>
-    <p:sldLayoutId id="2147483655" r:id="rId7"/>
-    <p:sldLayoutId id="2147483656" r:id="rId8"/>
-    <p:sldLayoutId id="2147483657" r:id="rId9"/>
-    <p:sldLayoutId id="2147483658" r:id="rId10"/>
-    <p:sldLayoutId id="2147483659" r:id="rId11"/>
+    <p:sldLayoutId id="2147483774" r:id="rId1"/>
+    <p:sldLayoutId id="2147483775" r:id="rId2"/>
+    <p:sldLayoutId id="2147483776" r:id="rId3"/>
+    <p:sldLayoutId id="2147483777" r:id="rId4"/>
+    <p:sldLayoutId id="2147483778" r:id="rId5"/>
+    <p:sldLayoutId id="2147483779" r:id="rId6"/>
+    <p:sldLayoutId id="2147483780" r:id="rId7"/>
+    <p:sldLayoutId id="2147483781" r:id="rId8"/>
+    <p:sldLayoutId id="2147483782" r:id="rId9"/>
+    <p:sldLayoutId id="2147483783" r:id="rId10"/>
+    <p:sldLayoutId id="2147483784" r:id="rId11"/>
   </p:sldLayoutIdLst>
   <p:txStyles>
     <p:titleStyle>
       <a:lvl1pPr algn="l" defTabSz="914400" rtl="0" eaLnBrk="1" latinLnBrk="0" hangingPunct="1">
         <a:lnSpc>
-          <a:spcPct val="90000"/>
+          <a:spcPct val="85000"/>
         </a:lnSpc>
         <a:spcBef>
           <a:spcPct val="0"/>
         </a:spcBef>
         <a:buNone/>
-        <a:defRPr sz="4400" kern="1200">
+        <a:defRPr sz="5400" kern="1200" spc="-120" baseline="0">
           <a:solidFill>
-            <a:schemeClr val="tx1"/>
+            <a:schemeClr val="accent1"/>
           </a:solidFill>
           <a:latin typeface="+mj-lt"/>
           <a:ea typeface="+mj-ea"/>
@@ -16214,162 +17435,189 @@
       </a:lvl1pPr>
     </p:titleStyle>
     <p:bodyStyle>
-      <a:lvl1pPr marL="228600" indent="-228600" algn="l" defTabSz="914400" rtl="0" eaLnBrk="1" latinLnBrk="0" hangingPunct="1">
+      <a:lvl1pPr marL="91440" indent="-91440" algn="l" defTabSz="914400" rtl="0" eaLnBrk="1" latinLnBrk="0" hangingPunct="1">
         <a:lnSpc>
-          <a:spcPct val="90000"/>
+          <a:spcPct val="85000"/>
         </a:lnSpc>
         <a:spcBef>
-          <a:spcPts val="1000"/>
+          <a:spcPts val="1300"/>
         </a:spcBef>
-        <a:buFont typeface="Arial" panose="020B0604020202020204" pitchFamily="34" charset="0"/>
-        <a:buChar char="•"/>
-        <a:defRPr sz="2800" kern="1200">
+        <a:buFont typeface="Arial" pitchFamily="34" charset="0"/>
+        <a:buChar char=" "/>
+        <a:defRPr sz="2400" kern="1200">
           <a:solidFill>
-            <a:schemeClr val="tx1"/>
+            <a:schemeClr val="tx1">
+              <a:lumMod val="85000"/>
+              <a:lumOff val="15000"/>
+            </a:schemeClr>
           </a:solidFill>
           <a:latin typeface="+mn-lt"/>
           <a:ea typeface="+mn-ea"/>
           <a:cs typeface="+mn-cs"/>
         </a:defRPr>
       </a:lvl1pPr>
-      <a:lvl2pPr marL="685800" indent="-228600" algn="l" defTabSz="914400" rtl="0" eaLnBrk="1" latinLnBrk="0" hangingPunct="1">
+      <a:lvl2pPr marL="347472" indent="-342900" algn="l" defTabSz="914400" rtl="0" eaLnBrk="1" latinLnBrk="0" hangingPunct="1">
         <a:lnSpc>
-          <a:spcPct val="90000"/>
+          <a:spcPct val="85000"/>
         </a:lnSpc>
         <a:spcBef>
-          <a:spcPts val="500"/>
+          <a:spcPts val="600"/>
         </a:spcBef>
-        <a:buFont typeface="Arial" panose="020B0604020202020204" pitchFamily="34" charset="0"/>
-        <a:buChar char="•"/>
+        <a:buFont typeface="Arial" pitchFamily="34" charset="0"/>
+        <a:buChar char=" "/>
         <a:defRPr sz="2400" kern="1200">
           <a:solidFill>
-            <a:schemeClr val="tx1"/>
+            <a:schemeClr val="tx1">
+              <a:lumMod val="85000"/>
+              <a:lumOff val="15000"/>
+            </a:schemeClr>
           </a:solidFill>
           <a:latin typeface="+mn-lt"/>
           <a:ea typeface="+mn-ea"/>
           <a:cs typeface="+mn-cs"/>
         </a:defRPr>
       </a:lvl2pPr>
-      <a:lvl3pPr marL="1143000" indent="-228600" algn="l" defTabSz="914400" rtl="0" eaLnBrk="1" latinLnBrk="0" hangingPunct="1">
+      <a:lvl3pPr marL="548640" indent="-548640" algn="l" defTabSz="914400" rtl="0" eaLnBrk="1" latinLnBrk="0" hangingPunct="1">
         <a:lnSpc>
-          <a:spcPct val="90000"/>
+          <a:spcPct val="85000"/>
         </a:lnSpc>
         <a:spcBef>
-          <a:spcPts val="500"/>
+          <a:spcPts val="600"/>
         </a:spcBef>
-        <a:buFont typeface="Arial" panose="020B0604020202020204" pitchFamily="34" charset="0"/>
-        <a:buChar char="•"/>
-        <a:defRPr sz="2000" kern="1200">
+        <a:buFont typeface="Arial" pitchFamily="34" charset="0"/>
+        <a:buChar char=" "/>
+        <a:defRPr sz="2000" i="1" kern="1200">
           <a:solidFill>
-            <a:schemeClr val="tx1"/>
+            <a:schemeClr val="tx1">
+              <a:lumMod val="85000"/>
+              <a:lumOff val="15000"/>
+            </a:schemeClr>
           </a:solidFill>
           <a:latin typeface="+mn-lt"/>
           <a:ea typeface="+mn-ea"/>
           <a:cs typeface="+mn-cs"/>
         </a:defRPr>
       </a:lvl3pPr>
-      <a:lvl4pPr marL="1600200" indent="-228600" algn="l" defTabSz="914400" rtl="0" eaLnBrk="1" latinLnBrk="0" hangingPunct="1">
+      <a:lvl4pPr marL="822960" indent="-822960" algn="l" defTabSz="914400" rtl="0" eaLnBrk="1" latinLnBrk="0" hangingPunct="1">
         <a:lnSpc>
-          <a:spcPct val="90000"/>
+          <a:spcPct val="85000"/>
         </a:lnSpc>
         <a:spcBef>
-          <a:spcPts val="500"/>
+          <a:spcPts val="600"/>
         </a:spcBef>
-        <a:buFont typeface="Arial" panose="020B0604020202020204" pitchFamily="34" charset="0"/>
-        <a:buChar char="•"/>
+        <a:buFont typeface="Arial" pitchFamily="34" charset="0"/>
+        <a:buChar char=" "/>
         <a:defRPr sz="1800" kern="1200">
           <a:solidFill>
-            <a:schemeClr val="tx1"/>
+            <a:schemeClr val="tx1">
+              <a:lumMod val="85000"/>
+              <a:lumOff val="15000"/>
+            </a:schemeClr>
           </a:solidFill>
           <a:latin typeface="+mn-lt"/>
           <a:ea typeface="+mn-ea"/>
           <a:cs typeface="+mn-cs"/>
         </a:defRPr>
       </a:lvl4pPr>
-      <a:lvl5pPr marL="2057400" indent="-228600" algn="l" defTabSz="914400" rtl="0" eaLnBrk="1" latinLnBrk="0" hangingPunct="1">
+      <a:lvl5pPr marL="1097280" indent="-1097280" algn="l" defTabSz="914400" rtl="0" eaLnBrk="1" latinLnBrk="0" hangingPunct="1">
         <a:lnSpc>
-          <a:spcPct val="90000"/>
+          <a:spcPct val="85000"/>
         </a:lnSpc>
         <a:spcBef>
-          <a:spcPts val="500"/>
+          <a:spcPts val="600"/>
         </a:spcBef>
-        <a:buFont typeface="Arial" panose="020B0604020202020204" pitchFamily="34" charset="0"/>
-        <a:buChar char="•"/>
+        <a:buFont typeface="Arial" pitchFamily="34" charset="0"/>
+        <a:buChar char=" "/>
         <a:defRPr sz="1800" kern="1200">
           <a:solidFill>
-            <a:schemeClr val="tx1"/>
+            <a:schemeClr val="tx1">
+              <a:lumMod val="85000"/>
+              <a:lumOff val="15000"/>
+            </a:schemeClr>
           </a:solidFill>
           <a:latin typeface="+mn-lt"/>
           <a:ea typeface="+mn-ea"/>
           <a:cs typeface="+mn-cs"/>
         </a:defRPr>
       </a:lvl5pPr>
-      <a:lvl6pPr marL="2514600" indent="-228600" algn="l" defTabSz="914400" rtl="0" eaLnBrk="1" latinLnBrk="0" hangingPunct="1">
+      <a:lvl6pPr marL="1200000" indent="-228600" algn="l" defTabSz="914400" rtl="0" eaLnBrk="1" latinLnBrk="0" hangingPunct="1">
         <a:lnSpc>
-          <a:spcPct val="90000"/>
+          <a:spcPct val="85000"/>
         </a:lnSpc>
         <a:spcBef>
-          <a:spcPts val="500"/>
+          <a:spcPts val="600"/>
         </a:spcBef>
-        <a:buFont typeface="Arial" panose="020B0604020202020204" pitchFamily="34" charset="0"/>
-        <a:buChar char="•"/>
+        <a:buFont typeface="Arial" pitchFamily="34" charset="0"/>
+        <a:buChar char=" "/>
         <a:defRPr sz="1800" kern="1200">
           <a:solidFill>
-            <a:schemeClr val="tx1"/>
+            <a:schemeClr val="tx1">
+              <a:lumMod val="85000"/>
+              <a:lumOff val="15000"/>
+            </a:schemeClr>
           </a:solidFill>
           <a:latin typeface="+mn-lt"/>
           <a:ea typeface="+mn-ea"/>
           <a:cs typeface="+mn-cs"/>
         </a:defRPr>
       </a:lvl6pPr>
-      <a:lvl7pPr marL="2971800" indent="-228600" algn="l" defTabSz="914400" rtl="0" eaLnBrk="1" latinLnBrk="0" hangingPunct="1">
+      <a:lvl7pPr marL="1400000" indent="-228600" algn="l" defTabSz="914400" rtl="0" eaLnBrk="1" latinLnBrk="0" hangingPunct="1">
         <a:lnSpc>
-          <a:spcPct val="90000"/>
+          <a:spcPct val="85000"/>
         </a:lnSpc>
         <a:spcBef>
-          <a:spcPts val="500"/>
+          <a:spcPts val="600"/>
         </a:spcBef>
-        <a:buFont typeface="Arial" panose="020B0604020202020204" pitchFamily="34" charset="0"/>
-        <a:buChar char="•"/>
+        <a:buFont typeface="Arial" pitchFamily="34" charset="0"/>
+        <a:buChar char=" "/>
         <a:defRPr sz="1800" kern="1200">
           <a:solidFill>
-            <a:schemeClr val="tx1"/>
+            <a:schemeClr val="tx1">
+              <a:lumMod val="85000"/>
+              <a:lumOff val="15000"/>
+            </a:schemeClr>
           </a:solidFill>
           <a:latin typeface="+mn-lt"/>
           <a:ea typeface="+mn-ea"/>
           <a:cs typeface="+mn-cs"/>
         </a:defRPr>
       </a:lvl7pPr>
-      <a:lvl8pPr marL="3429000" indent="-228600" algn="l" defTabSz="914400" rtl="0" eaLnBrk="1" latinLnBrk="0" hangingPunct="1">
+      <a:lvl8pPr marL="1600000" indent="-228600" algn="l" defTabSz="914400" rtl="0" eaLnBrk="1" latinLnBrk="0" hangingPunct="1">
         <a:lnSpc>
-          <a:spcPct val="90000"/>
+          <a:spcPct val="85000"/>
         </a:lnSpc>
         <a:spcBef>
-          <a:spcPts val="500"/>
+          <a:spcPts val="600"/>
         </a:spcBef>
-        <a:buFont typeface="Arial" panose="020B0604020202020204" pitchFamily="34" charset="0"/>
-        <a:buChar char="•"/>
+        <a:buFont typeface="Arial" pitchFamily="34" charset="0"/>
+        <a:buChar char=" "/>
         <a:defRPr sz="1800" kern="1200">
           <a:solidFill>
-            <a:schemeClr val="tx1"/>
+            <a:schemeClr val="tx1">
+              <a:lumMod val="85000"/>
+              <a:lumOff val="15000"/>
+            </a:schemeClr>
           </a:solidFill>
           <a:latin typeface="+mn-lt"/>
           <a:ea typeface="+mn-ea"/>
           <a:cs typeface="+mn-cs"/>
         </a:defRPr>
       </a:lvl8pPr>
-      <a:lvl9pPr marL="3886200" indent="-228600" algn="l" defTabSz="914400" rtl="0" eaLnBrk="1" latinLnBrk="0" hangingPunct="1">
+      <a:lvl9pPr marL="1800000" indent="-228600" algn="l" defTabSz="914400" rtl="0" eaLnBrk="1" latinLnBrk="0" hangingPunct="1">
         <a:lnSpc>
-          <a:spcPct val="90000"/>
+          <a:spcPct val="85000"/>
         </a:lnSpc>
         <a:spcBef>
-          <a:spcPts val="500"/>
+          <a:spcPts val="600"/>
         </a:spcBef>
-        <a:buFont typeface="Arial" panose="020B0604020202020204" pitchFamily="34" charset="0"/>
-        <a:buChar char="•"/>
+        <a:buFont typeface="Arial" pitchFamily="34" charset="0"/>
+        <a:buChar char=" "/>
         <a:defRPr sz="1800" kern="1200">
           <a:solidFill>
-            <a:schemeClr val="tx1"/>
+            <a:schemeClr val="tx1">
+              <a:lumMod val="85000"/>
+              <a:lumOff val="15000"/>
+            </a:schemeClr>
           </a:solidFill>
           <a:latin typeface="+mn-lt"/>
           <a:ea typeface="+mn-ea"/>
@@ -16379,7 +17627,7 @@
     </p:bodyStyle>
     <p:otherStyle>
       <a:defPPr>
-        <a:defRPr lang="it-IT"/>
+        <a:defRPr lang="en-US"/>
       </a:defPPr>
       <a:lvl1pPr marL="0" algn="l" defTabSz="914400" rtl="0" eaLnBrk="1" latinLnBrk="0" hangingPunct="1">
         <a:defRPr sz="1800" kern="1200">
@@ -16511,21 +17759,22 @@
         </p:nvSpPr>
         <p:spPr>
           <a:xfrm>
-            <a:off x="1524000" y="1122363"/>
-            <a:ext cx="9144000" cy="2479675"/>
+            <a:off x="763656" y="1202635"/>
+            <a:ext cx="10664687" cy="2011777"/>
           </a:xfrm>
         </p:spPr>
         <p:txBody>
           <a:bodyPr>
-            <a:normAutofit fontScale="90000"/>
+            <a:normAutofit/>
           </a:bodyPr>
           <a:lstStyle/>
           <a:p>
+            <a:pPr algn="ctr"/>
             <a:r>
               <a:rPr lang="it-IT" sz="4000" dirty="0">
                 <a:cs typeface="Al Nile" pitchFamily="2" charset="-78"/>
               </a:rPr>
-              <a:t>MODELING AND CONTROL OF ELETRIC DRIVES</a:t>
+              <a:t>MODELING &amp; CONTROL OF ELETRIC DRIVES</a:t>
             </a:r>
             <a:br>
               <a:rPr lang="it-IT" sz="4000" dirty="0">
@@ -16576,22 +17825,24 @@
         </p:nvSpPr>
         <p:spPr>
           <a:xfrm>
-            <a:off x="1524000" y="4109657"/>
-            <a:ext cx="9144000" cy="1655762"/>
+            <a:off x="4885083" y="4439858"/>
+            <a:ext cx="2421835" cy="1655762"/>
           </a:xfrm>
         </p:spPr>
         <p:txBody>
           <a:bodyPr>
-            <a:normAutofit lnSpcReduction="10000"/>
+            <a:normAutofit fontScale="77500" lnSpcReduction="20000"/>
           </a:bodyPr>
           <a:lstStyle/>
           <a:p>
+            <a:pPr algn="ctr"/>
             <a:r>
               <a:rPr lang="it-IT" dirty="0"/>
               <a:t>Bertin Filippo</a:t>
             </a:r>
           </a:p>
           <a:p>
+            <a:pPr algn="ctr"/>
             <a:r>
               <a:rPr lang="it-IT" dirty="0" err="1"/>
               <a:t>Borlina</a:t>
@@ -16602,12 +17853,14 @@
             </a:r>
           </a:p>
           <a:p>
+            <a:pPr algn="ctr"/>
             <a:r>
               <a:rPr lang="it-IT" dirty="0"/>
               <a:t>Gottardo Filippo</a:t>
             </a:r>
           </a:p>
           <a:p>
+            <a:pPr algn="ctr"/>
             <a:r>
               <a:rPr lang="it-IT" dirty="0"/>
               <a:t>Pegoraro Giulia</a:t>
@@ -16663,8 +17916,8 @@
         </p:nvSpPr>
         <p:spPr>
           <a:xfrm>
-            <a:off x="838200" y="655542"/>
-            <a:ext cx="10515600" cy="1325563"/>
+            <a:off x="939248" y="1173583"/>
+            <a:ext cx="10313505" cy="1325563"/>
           </a:xfrm>
         </p:spPr>
         <p:txBody>
@@ -16673,43 +17926,31 @@
           </a:bodyPr>
           <a:lstStyle/>
           <a:p>
+            <a:pPr algn="ctr"/>
             <a:r>
-              <a:rPr lang="it-IT" sz="3200" b="1" dirty="0">
-                <a:latin typeface="+mn-lt"/>
-              </a:rPr>
-              <a:t>GOAL:</a:t>
-            </a:r>
-            <a:r>
-              <a:rPr lang="it-IT" sz="3200" dirty="0">
+              <a:rPr lang="it-IT" sz="2800" dirty="0">
                 <a:latin typeface="+mn-lt"/>
               </a:rPr>
               <a:t> </a:t>
             </a:r>
             <a:r>
-              <a:rPr lang="it-IT" sz="2700" b="0" i="0" u="none" strike="noStrike" dirty="0" err="1">
-                <a:effectLst/>
+              <a:rPr lang="it-IT" sz="2700" dirty="0">
                 <a:latin typeface="+mn-lt"/>
               </a:rPr>
-              <a:t>realize</a:t>
+              <a:t>design</a:t>
+            </a:r>
+            <a:r>
+              <a:rPr lang="it-IT" sz="2800" dirty="0">
+                <a:latin typeface="+mn-lt"/>
+              </a:rPr>
+              <a:t> </a:t>
             </a:r>
             <a:r>
               <a:rPr lang="it-IT" sz="2700" b="0" i="0" u="none" strike="noStrike" dirty="0">
                 <a:effectLst/>
                 <a:latin typeface="+mn-lt"/>
               </a:rPr>
-              <a:t> a servo controller board for the common MG996R</a:t>
-            </a:r>
-            <a:br>
-              <a:rPr lang="it-IT" sz="2700" dirty="0">
-                <a:latin typeface="+mn-lt"/>
-              </a:rPr>
-            </a:br>
-            <a:r>
-              <a:rPr lang="it-IT" sz="2700" b="0" i="0" u="none" strike="noStrike" dirty="0">
-                <a:effectLst/>
-                <a:latin typeface="+mn-lt"/>
-              </a:rPr>
-              <a:t>hobby servo </a:t>
+              <a:t>a controller board for the common MG996R hobby servo </a:t>
             </a:r>
             <a:r>
               <a:rPr lang="it-IT" sz="2700" b="0" i="0" u="none" strike="noStrike" dirty="0" err="1">
@@ -16790,46 +18031,143 @@
         </p:blipFill>
         <p:spPr>
           <a:xfrm>
-            <a:off x="838200" y="2214658"/>
-            <a:ext cx="4762500" cy="3987800"/>
+            <a:off x="1108793" y="2660363"/>
+            <a:ext cx="3413780" cy="2858472"/>
           </a:xfrm>
         </p:spPr>
       </p:pic>
-      <p:sp>
-        <p:nvSpPr>
-          <p:cNvPr id="7" name="CasellaDiTesto 6">
+      <p:grpSp>
+        <p:nvGrpSpPr>
+          <p:cNvPr id="10" name="Gruppo 9">
             <a:extLst>
               <a:ext uri="{FF2B5EF4-FFF2-40B4-BE49-F238E27FC236}">
-                <a16:creationId xmlns:a16="http://schemas.microsoft.com/office/drawing/2014/main" id="{25B04657-FE5F-3648-3217-64E39E7C9A72}"/>
+                <a16:creationId xmlns:a16="http://schemas.microsoft.com/office/drawing/2014/main" id="{C462EC11-D6FD-A337-2E3D-8914E91A5D86}"/>
               </a:ext>
             </a:extLst>
           </p:cNvPr>
-          <p:cNvSpPr txBox="1"/>
+          <p:cNvGrpSpPr/>
+          <p:nvPr/>
+        </p:nvGrpSpPr>
+        <p:grpSpPr>
+          <a:xfrm>
+            <a:off x="5158409" y="2360869"/>
+            <a:ext cx="6094343" cy="4156729"/>
+            <a:chOff x="5158409" y="2360869"/>
+            <a:chExt cx="6094343" cy="4156729"/>
+          </a:xfrm>
+        </p:grpSpPr>
+        <p:graphicFrame>
+          <p:nvGraphicFramePr>
+            <p:cNvPr id="3" name="Segnaposto contenuto 6">
+              <a:extLst>
+                <a:ext uri="{FF2B5EF4-FFF2-40B4-BE49-F238E27FC236}">
+                  <a16:creationId xmlns:a16="http://schemas.microsoft.com/office/drawing/2014/main" id="{977D4AB7-1E64-4C6E-95FA-55E87A0EEBB5}"/>
+                </a:ext>
+              </a:extLst>
+            </p:cNvPr>
+            <p:cNvGraphicFramePr>
+              <a:graphicFrameLocks/>
+            </p:cNvGraphicFramePr>
+            <p:nvPr>
+              <p:extLst>
+                <p:ext uri="{D42A27DB-BD31-4B8C-83A1-F6EECF244321}">
+                  <p14:modId xmlns:p14="http://schemas.microsoft.com/office/powerpoint/2010/main" val="486668843"/>
+                </p:ext>
+              </p:extLst>
+            </p:nvPr>
+          </p:nvGraphicFramePr>
+          <p:xfrm>
+            <a:off x="5158409" y="2360869"/>
+            <a:ext cx="6094343" cy="1997986"/>
+          </p:xfrm>
+          <a:graphic>
+            <a:graphicData uri="http://schemas.openxmlformats.org/drawingml/2006/chart">
+              <c:chart xmlns:c="http://schemas.openxmlformats.org/drawingml/2006/chart" xmlns:r="http://schemas.openxmlformats.org/officeDocument/2006/relationships" r:id="rId3"/>
+            </a:graphicData>
+          </a:graphic>
+        </p:graphicFrame>
+        <p:graphicFrame>
+          <p:nvGraphicFramePr>
+            <p:cNvPr id="8" name="Segnaposto contenuto 6">
+              <a:extLst>
+                <a:ext uri="{FF2B5EF4-FFF2-40B4-BE49-F238E27FC236}">
+                  <a16:creationId xmlns:a16="http://schemas.microsoft.com/office/drawing/2014/main" id="{7EA39E24-FCDE-5DFD-94B2-EC5A14631C56}"/>
+                </a:ext>
+              </a:extLst>
+            </p:cNvPr>
+            <p:cNvGraphicFramePr>
+              <a:graphicFrameLocks/>
+            </p:cNvGraphicFramePr>
+            <p:nvPr>
+              <p:extLst>
+                <p:ext uri="{D42A27DB-BD31-4B8C-83A1-F6EECF244321}">
+                  <p14:modId xmlns:p14="http://schemas.microsoft.com/office/powerpoint/2010/main" val="1492352881"/>
+                </p:ext>
+              </p:extLst>
+            </p:nvPr>
+          </p:nvGraphicFramePr>
+          <p:xfrm>
+            <a:off x="5158409" y="4520072"/>
+            <a:ext cx="6094343" cy="1997526"/>
+          </p:xfrm>
+          <a:graphic>
+            <a:graphicData uri="http://schemas.openxmlformats.org/drawingml/2006/chart">
+              <c:chart xmlns:c="http://schemas.openxmlformats.org/drawingml/2006/chart" xmlns:r="http://schemas.openxmlformats.org/officeDocument/2006/relationships" r:id="rId4"/>
+            </a:graphicData>
+          </a:graphic>
+        </p:graphicFrame>
+      </p:grpSp>
+      <p:sp>
+        <p:nvSpPr>
+          <p:cNvPr id="9" name="Titolo 1">
+            <a:extLst>
+              <a:ext uri="{FF2B5EF4-FFF2-40B4-BE49-F238E27FC236}">
+                <a16:creationId xmlns:a16="http://schemas.microsoft.com/office/drawing/2014/main" id="{2BD702CE-0AA8-EEA3-4DA6-3D1372728766}"/>
+              </a:ext>
+            </a:extLst>
+          </p:cNvPr>
+          <p:cNvSpPr txBox="1">
+            <a:spLocks/>
+          </p:cNvSpPr>
           <p:nvPr/>
         </p:nvSpPr>
         <p:spPr>
           <a:xfrm>
-            <a:off x="7455877" y="3429000"/>
-            <a:ext cx="3137095" cy="369332"/>
+            <a:off x="709613" y="499533"/>
+            <a:ext cx="10772775" cy="971458"/>
           </a:xfrm>
           <a:prstGeom prst="rect">
             <a:avLst/>
           </a:prstGeom>
-          <a:noFill/>
         </p:spPr>
         <p:txBody>
-          <a:bodyPr wrap="square" rtlCol="0">
-            <a:spAutoFit/>
+          <a:bodyPr vert="horz" lIns="91440" tIns="45720" rIns="91440" bIns="45720" rtlCol="0" anchor="ctr">
+            <a:normAutofit/>
           </a:bodyPr>
-          <a:lstStyle/>
+          <a:lstStyle>
+            <a:lvl1pPr algn="l" defTabSz="914400" rtl="0" eaLnBrk="1" latinLnBrk="0" hangingPunct="1">
+              <a:lnSpc>
+                <a:spcPct val="85000"/>
+              </a:lnSpc>
+              <a:spcBef>
+                <a:spcPct val="0"/>
+              </a:spcBef>
+              <a:buNone/>
+              <a:defRPr sz="5400" kern="1200" spc="-120" baseline="0">
+                <a:solidFill>
+                  <a:schemeClr val="accent1"/>
+                </a:solidFill>
+                <a:latin typeface="+mj-lt"/>
+                <a:ea typeface="+mj-ea"/>
+                <a:cs typeface="+mj-cs"/>
+              </a:defRPr>
+            </a:lvl1pPr>
+          </a:lstStyle>
           <a:p>
+            <a:pPr algn="ctr"/>
             <a:r>
-              <a:rPr lang="it-IT" dirty="0">
-                <a:solidFill>
-                  <a:srgbClr val="FF0000"/>
-                </a:solidFill>
-              </a:rPr>
-              <a:t>Aggiungere foto motore nostro</a:t>
+              <a:rPr lang="it-IT" b="1" dirty="0"/>
+              <a:t>Goal</a:t>
             </a:r>
           </a:p>
         </p:txBody>
@@ -16852,7 +18190,13 @@
   <p:cSld>
     <p:spTree>
       <p:nvGrpSpPr>
-        <p:cNvPr id="1" name=""/>
+        <p:cNvPr id="1" name="">
+          <a:extLst>
+            <a:ext uri="{FF2B5EF4-FFF2-40B4-BE49-F238E27FC236}">
+              <a16:creationId xmlns:a16="http://schemas.microsoft.com/office/drawing/2014/main" id="{178B516E-1A21-88E3-49F7-D6C56BEBB113}"/>
+            </a:ext>
+          </a:extLst>
+        </p:cNvPr>
         <p:cNvGrpSpPr/>
         <p:nvPr/>
       </p:nvGrpSpPr>
@@ -16864,71 +18208,294 @@
           <a:chExt cx="0" cy="0"/>
         </a:xfrm>
       </p:grpSpPr>
-      <p:graphicFrame>
-        <p:nvGraphicFramePr>
-          <p:cNvPr id="7" name="Segnaposto contenuto 6">
+      <p:sp>
+        <p:nvSpPr>
+          <p:cNvPr id="9" name="Titolo 1">
             <a:extLst>
               <a:ext uri="{FF2B5EF4-FFF2-40B4-BE49-F238E27FC236}">
-                <a16:creationId xmlns:a16="http://schemas.microsoft.com/office/drawing/2014/main" id="{977D4AB7-1E64-4C6E-95FA-55E87A0EEBB5}"/>
+                <a16:creationId xmlns:a16="http://schemas.microsoft.com/office/drawing/2014/main" id="{CCBF7ECF-7B8D-A5A3-F414-F601475747F4}"/>
               </a:ext>
             </a:extLst>
           </p:cNvPr>
-          <p:cNvGraphicFramePr>
-            <a:graphicFrameLocks noGrp="1"/>
-          </p:cNvGraphicFramePr>
-          <p:nvPr>
-            <p:ph idx="1"/>
-            <p:extLst>
-              <p:ext uri="{D42A27DB-BD31-4B8C-83A1-F6EECF244321}">
-                <p14:modId xmlns:p14="http://schemas.microsoft.com/office/powerpoint/2010/main" val="1985634731"/>
-              </p:ext>
-            </p:extLst>
-          </p:nvPr>
-        </p:nvGraphicFramePr>
-        <p:xfrm>
-          <a:off x="928468" y="365760"/>
-          <a:ext cx="10410092" cy="3063240"/>
-        </p:xfrm>
-        <a:graphic>
-          <a:graphicData uri="http://schemas.openxmlformats.org/drawingml/2006/chart">
-            <c:chart xmlns:c="http://schemas.openxmlformats.org/drawingml/2006/chart" xmlns:r="http://schemas.openxmlformats.org/officeDocument/2006/relationships" r:id="rId2"/>
-          </a:graphicData>
-        </a:graphic>
-      </p:graphicFrame>
-      <p:graphicFrame>
-        <p:nvGraphicFramePr>
-          <p:cNvPr id="8" name="Segnaposto contenuto 6">
+          <p:cNvSpPr txBox="1">
+            <a:spLocks/>
+          </p:cNvSpPr>
+          <p:nvPr/>
+        </p:nvSpPr>
+        <p:spPr>
+          <a:xfrm>
+            <a:off x="709613" y="499533"/>
+            <a:ext cx="10772775" cy="971458"/>
+          </a:xfrm>
+          <a:prstGeom prst="rect">
+            <a:avLst/>
+          </a:prstGeom>
+        </p:spPr>
+        <p:txBody>
+          <a:bodyPr vert="horz" lIns="91440" tIns="45720" rIns="91440" bIns="45720" rtlCol="0" anchor="ctr">
+            <a:normAutofit/>
+          </a:bodyPr>
+          <a:lstStyle>
+            <a:lvl1pPr algn="l" defTabSz="914400" rtl="0" eaLnBrk="1" latinLnBrk="0" hangingPunct="1">
+              <a:lnSpc>
+                <a:spcPct val="85000"/>
+              </a:lnSpc>
+              <a:spcBef>
+                <a:spcPct val="0"/>
+              </a:spcBef>
+              <a:buNone/>
+              <a:defRPr sz="5400" kern="1200" spc="-120" baseline="0">
+                <a:solidFill>
+                  <a:schemeClr val="accent1"/>
+                </a:solidFill>
+                <a:latin typeface="+mj-lt"/>
+                <a:ea typeface="+mj-ea"/>
+                <a:cs typeface="+mj-cs"/>
+              </a:defRPr>
+            </a:lvl1pPr>
+          </a:lstStyle>
+          <a:p>
+            <a:pPr algn="ctr"/>
+            <a:r>
+              <a:rPr lang="it-IT" b="1" dirty="0"/>
+              <a:t>How to </a:t>
+            </a:r>
+            <a:r>
+              <a:rPr lang="it-IT" b="1" dirty="0" err="1"/>
+              <a:t>achieve</a:t>
+            </a:r>
+            <a:r>
+              <a:rPr lang="it-IT" b="1" dirty="0"/>
+              <a:t> position control ?</a:t>
+            </a:r>
+          </a:p>
+        </p:txBody>
+      </p:sp>
+      <p:sp>
+        <p:nvSpPr>
+          <p:cNvPr id="13" name="Segnaposto contenuto 12">
             <a:extLst>
               <a:ext uri="{FF2B5EF4-FFF2-40B4-BE49-F238E27FC236}">
-                <a16:creationId xmlns:a16="http://schemas.microsoft.com/office/drawing/2014/main" id="{7EA39E24-FCDE-5DFD-94B2-EC5A14631C56}"/>
+                <a16:creationId xmlns:a16="http://schemas.microsoft.com/office/drawing/2014/main" id="{86431301-970D-A210-D9D7-7E4C26DB5680}"/>
               </a:ext>
             </a:extLst>
           </p:cNvPr>
-          <p:cNvGraphicFramePr>
-            <a:graphicFrameLocks/>
-          </p:cNvGraphicFramePr>
+          <p:cNvSpPr>
+            <a:spLocks noGrp="1"/>
+          </p:cNvSpPr>
           <p:nvPr>
-            <p:extLst>
-              <p:ext uri="{D42A27DB-BD31-4B8C-83A1-F6EECF244321}">
-                <p14:modId xmlns:p14="http://schemas.microsoft.com/office/powerpoint/2010/main" val="1183942539"/>
-              </p:ext>
-            </p:extLst>
+            <p:ph sz="half" idx="1"/>
           </p:nvPr>
-        </p:nvGraphicFramePr>
-        <p:xfrm>
-          <a:off x="928468" y="3734974"/>
-          <a:ext cx="10410092" cy="2757266"/>
-        </p:xfrm>
-        <a:graphic>
-          <a:graphicData uri="http://schemas.openxmlformats.org/drawingml/2006/chart">
-            <c:chart xmlns:c="http://schemas.openxmlformats.org/drawingml/2006/chart" xmlns:r="http://schemas.openxmlformats.org/officeDocument/2006/relationships" r:id="rId3"/>
-          </a:graphicData>
-        </a:graphic>
-      </p:graphicFrame>
+        </p:nvSpPr>
+        <p:spPr>
+          <a:xfrm>
+            <a:off x="676656" y="1998134"/>
+            <a:ext cx="3114294" cy="3767328"/>
+          </a:xfrm>
+        </p:spPr>
+        <p:txBody>
+          <a:bodyPr>
+            <a:normAutofit/>
+          </a:bodyPr>
+          <a:lstStyle/>
+          <a:p>
+            <a:pPr marL="0" indent="0">
+              <a:lnSpc>
+                <a:spcPct val="220000"/>
+              </a:lnSpc>
+              <a:buNone/>
+            </a:pPr>
+            <a:r>
+              <a:rPr lang="it-IT" sz="2000" dirty="0"/>
+              <a:t>Hardware </a:t>
+            </a:r>
+            <a:r>
+              <a:rPr lang="it-IT" sz="2000" dirty="0" err="1"/>
+              <a:t>components</a:t>
+            </a:r>
+            <a:r>
+              <a:rPr lang="it-IT" sz="2000" dirty="0"/>
+              <a:t>:</a:t>
+            </a:r>
+          </a:p>
+          <a:p>
+            <a:pPr>
+              <a:lnSpc>
+                <a:spcPct val="220000"/>
+              </a:lnSpc>
+              <a:buFont typeface="Wingdings" panose="05000000000000000000" pitchFamily="2" charset="2"/>
+              <a:buChar char="Ø"/>
+            </a:pPr>
+            <a:r>
+              <a:rPr lang="it-IT" sz="2000" dirty="0"/>
+              <a:t> H-bridge </a:t>
+            </a:r>
+            <a:r>
+              <a:rPr lang="it-IT" sz="2000" dirty="0" err="1"/>
+              <a:t>circuit</a:t>
+            </a:r>
+            <a:endParaRPr lang="it-IT" sz="2000" dirty="0"/>
+          </a:p>
+          <a:p>
+            <a:pPr>
+              <a:lnSpc>
+                <a:spcPct val="220000"/>
+              </a:lnSpc>
+              <a:buFont typeface="Wingdings" panose="05000000000000000000" pitchFamily="2" charset="2"/>
+              <a:buChar char="Ø"/>
+            </a:pPr>
+            <a:r>
+              <a:rPr lang="it-IT" sz="2000" dirty="0"/>
+              <a:t> </a:t>
+            </a:r>
+            <a:r>
+              <a:rPr lang="it-IT" sz="2000" dirty="0" err="1"/>
+              <a:t>Magnetic</a:t>
+            </a:r>
+            <a:r>
+              <a:rPr lang="it-IT" sz="2000" dirty="0"/>
+              <a:t> encoder</a:t>
+            </a:r>
+          </a:p>
+          <a:p>
+            <a:pPr>
+              <a:lnSpc>
+                <a:spcPct val="220000"/>
+              </a:lnSpc>
+              <a:buFont typeface="Wingdings" panose="05000000000000000000" pitchFamily="2" charset="2"/>
+              <a:buChar char="Ø"/>
+            </a:pPr>
+            <a:r>
+              <a:rPr lang="it-IT" sz="2000" dirty="0"/>
+              <a:t> </a:t>
+            </a:r>
+            <a:r>
+              <a:rPr lang="it-IT" sz="2000" dirty="0" err="1"/>
+              <a:t>Current</a:t>
+            </a:r>
+            <a:r>
+              <a:rPr lang="it-IT" sz="2000" dirty="0"/>
+              <a:t> &amp; Voltage </a:t>
+            </a:r>
+            <a:r>
+              <a:rPr lang="it-IT" sz="2000" dirty="0" err="1"/>
+              <a:t>sensor</a:t>
+            </a:r>
+            <a:endParaRPr lang="it-IT" sz="2000" dirty="0"/>
+          </a:p>
+          <a:p>
+            <a:pPr>
+              <a:lnSpc>
+                <a:spcPct val="300000"/>
+              </a:lnSpc>
+            </a:pPr>
+            <a:endParaRPr lang="it-IT" dirty="0"/>
+          </a:p>
+        </p:txBody>
+      </p:sp>
+      <p:pic>
+        <p:nvPicPr>
+          <p:cNvPr id="3" name="Segnaposto contenuto 2" descr="Immagine che contiene elettronica, macchina, cavo, Ingegneria elettronica&#10;&#10;Descrizione generata automaticamente">
+            <a:extLst>
+              <a:ext uri="{FF2B5EF4-FFF2-40B4-BE49-F238E27FC236}">
+                <a16:creationId xmlns:a16="http://schemas.microsoft.com/office/drawing/2014/main" id="{18C85277-6C64-8132-B41A-79B13A4E7E91}"/>
+              </a:ext>
+            </a:extLst>
+          </p:cNvPr>
+          <p:cNvPicPr>
+            <a:picLocks noGrp="1" noChangeAspect="1"/>
+          </p:cNvPicPr>
+          <p:nvPr>
+            <p:ph sz="half" idx="2"/>
+          </p:nvPr>
+        </p:nvPicPr>
+        <p:blipFill>
+          <a:blip r:embed="rId2"/>
+          <a:stretch>
+            <a:fillRect/>
+          </a:stretch>
+        </p:blipFill>
+        <p:spPr>
+          <a:xfrm>
+            <a:off x="4355438" y="3751067"/>
+            <a:ext cx="3070415" cy="2829252"/>
+          </a:xfrm>
+        </p:spPr>
+      </p:pic>
+      <p:pic>
+        <p:nvPicPr>
+          <p:cNvPr id="5" name="Immagine 4" descr="Immagine che contiene Ingegneria elettronica, Componente di circuito, elettronica, Componente elettrico&#10;&#10;Descrizione generata automaticamente">
+            <a:extLst>
+              <a:ext uri="{FF2B5EF4-FFF2-40B4-BE49-F238E27FC236}">
+                <a16:creationId xmlns:a16="http://schemas.microsoft.com/office/drawing/2014/main" id="{A0902CD6-6ADF-3A98-9E83-38EB2363018A}"/>
+              </a:ext>
+            </a:extLst>
+          </p:cNvPr>
+          <p:cNvPicPr>
+            <a:picLocks noChangeAspect="1"/>
+          </p:cNvPicPr>
+          <p:nvPr/>
+        </p:nvPicPr>
+        <p:blipFill>
+          <a:blip r:embed="rId3"/>
+          <a:stretch>
+            <a:fillRect/>
+          </a:stretch>
+        </p:blipFill>
+        <p:spPr>
+          <a:xfrm>
+            <a:off x="7991061" y="3751067"/>
+            <a:ext cx="3491327" cy="2812667"/>
+          </a:xfrm>
+          <a:prstGeom prst="rect">
+            <a:avLst/>
+          </a:prstGeom>
+        </p:spPr>
+      </p:pic>
+      <p:pic>
+        <p:nvPicPr>
+          <p:cNvPr id="10" name="Immagine 9" descr="Immagine che contiene testo, schermata, Carattere, Elementi grafici&#10;&#10;Descrizione generata automaticamente">
+            <a:extLst>
+              <a:ext uri="{FF2B5EF4-FFF2-40B4-BE49-F238E27FC236}">
+                <a16:creationId xmlns:a16="http://schemas.microsoft.com/office/drawing/2014/main" id="{8E4FFFEF-C561-989E-6A35-B3BA65418260}"/>
+              </a:ext>
+            </a:extLst>
+          </p:cNvPr>
+          <p:cNvPicPr>
+            <a:picLocks noChangeAspect="1"/>
+          </p:cNvPicPr>
+          <p:nvPr/>
+        </p:nvPicPr>
+        <p:blipFill>
+          <a:blip r:embed="rId4"/>
+          <a:stretch>
+            <a:fillRect/>
+          </a:stretch>
+        </p:blipFill>
+        <p:spPr>
+          <a:xfrm>
+            <a:off x="5015883" y="1722974"/>
+            <a:ext cx="4971178" cy="1779804"/>
+          </a:xfrm>
+          <a:prstGeom prst="rect">
+            <a:avLst/>
+          </a:prstGeom>
+          <a:ln>
+            <a:noFill/>
+          </a:ln>
+          <a:effectLst>
+            <a:outerShdw blurRad="292100" dist="139700" dir="2700000" algn="tl" rotWithShape="0">
+              <a:srgbClr val="333333">
+                <a:alpha val="65000"/>
+              </a:srgbClr>
+            </a:outerShdw>
+          </a:effectLst>
+        </p:spPr>
+      </p:pic>
     </p:spTree>
     <p:extLst>
       <p:ext uri="{BB962C8B-B14F-4D97-AF65-F5344CB8AC3E}">
-        <p14:creationId xmlns:p14="http://schemas.microsoft.com/office/powerpoint/2010/main" val="1924315051"/>
+        <p14:creationId xmlns:p14="http://schemas.microsoft.com/office/powerpoint/2010/main" val="1707785865"/>
       </p:ext>
     </p:extLst>
   </p:cSld>
@@ -16943,7 +18510,13 @@
   <p:cSld>
     <p:spTree>
       <p:nvGrpSpPr>
-        <p:cNvPr id="1" name=""/>
+        <p:cNvPr id="1" name="">
+          <a:extLst>
+            <a:ext uri="{FF2B5EF4-FFF2-40B4-BE49-F238E27FC236}">
+              <a16:creationId xmlns:a16="http://schemas.microsoft.com/office/drawing/2014/main" id="{7156ABDA-81A1-DDAF-D144-E8E3D4C5D7ED}"/>
+            </a:ext>
+          </a:extLst>
+        </p:cNvPr>
         <p:cNvGrpSpPr/>
         <p:nvPr/>
       </p:nvGrpSpPr>
@@ -16957,60 +18530,623 @@
       </p:grpSpPr>
       <p:sp>
         <p:nvSpPr>
-          <p:cNvPr id="10" name="CasellaDiTesto 9">
+          <p:cNvPr id="9" name="Titolo 1">
             <a:extLst>
               <a:ext uri="{FF2B5EF4-FFF2-40B4-BE49-F238E27FC236}">
-                <a16:creationId xmlns:a16="http://schemas.microsoft.com/office/drawing/2014/main" id="{64190D76-92CB-91CA-FA56-14925009E214}"/>
+                <a16:creationId xmlns:a16="http://schemas.microsoft.com/office/drawing/2014/main" id="{6E0AB23C-2FCA-4BAF-6044-C135F6451ED6}"/>
               </a:ext>
             </a:extLst>
           </p:cNvPr>
-          <p:cNvSpPr txBox="1"/>
+          <p:cNvSpPr txBox="1">
+            <a:spLocks/>
+          </p:cNvSpPr>
           <p:nvPr/>
         </p:nvSpPr>
         <p:spPr>
           <a:xfrm>
-            <a:off x="3896751" y="2715065"/>
-            <a:ext cx="3530991" cy="646331"/>
+            <a:off x="709613" y="499533"/>
+            <a:ext cx="10772775" cy="971458"/>
           </a:xfrm>
           <a:prstGeom prst="rect">
             <a:avLst/>
           </a:prstGeom>
-          <a:noFill/>
         </p:spPr>
         <p:txBody>
-          <a:bodyPr wrap="square" rtlCol="0">
-            <a:spAutoFit/>
+          <a:bodyPr vert="horz" lIns="91440" tIns="45720" rIns="91440" bIns="45720" rtlCol="0" anchor="ctr">
+            <a:normAutofit/>
+          </a:bodyPr>
+          <a:lstStyle>
+            <a:lvl1pPr algn="l" defTabSz="914400" rtl="0" eaLnBrk="1" latinLnBrk="0" hangingPunct="1">
+              <a:lnSpc>
+                <a:spcPct val="85000"/>
+              </a:lnSpc>
+              <a:spcBef>
+                <a:spcPct val="0"/>
+              </a:spcBef>
+              <a:buNone/>
+              <a:defRPr sz="5400" kern="1200" spc="-120" baseline="0">
+                <a:solidFill>
+                  <a:schemeClr val="accent1"/>
+                </a:solidFill>
+                <a:latin typeface="+mj-lt"/>
+                <a:ea typeface="+mj-ea"/>
+                <a:cs typeface="+mj-cs"/>
+              </a:defRPr>
+            </a:lvl1pPr>
+          </a:lstStyle>
+          <a:p>
+            <a:pPr algn="ctr"/>
+            <a:r>
+              <a:rPr lang="it-IT" b="1" dirty="0"/>
+              <a:t>A </a:t>
+            </a:r>
+            <a:r>
+              <a:rPr lang="it-IT" b="1" dirty="0" err="1"/>
+              <a:t>few</a:t>
+            </a:r>
+            <a:r>
+              <a:rPr lang="it-IT" b="1" dirty="0"/>
+              <a:t> </a:t>
+            </a:r>
+            <a:r>
+              <a:rPr lang="it-IT" b="1" dirty="0" err="1"/>
+              <a:t>problems</a:t>
+            </a:r>
+            <a:r>
+              <a:rPr lang="it-IT" b="1" dirty="0"/>
+              <a:t> </a:t>
+            </a:r>
+            <a:r>
+              <a:rPr lang="it-IT" b="1" dirty="0" err="1"/>
+              <a:t>along</a:t>
+            </a:r>
+            <a:r>
+              <a:rPr lang="it-IT" b="1" dirty="0"/>
+              <a:t> the way</a:t>
+            </a:r>
+          </a:p>
+        </p:txBody>
+      </p:sp>
+      <p:sp>
+        <p:nvSpPr>
+          <p:cNvPr id="13" name="Segnaposto contenuto 12">
+            <a:extLst>
+              <a:ext uri="{FF2B5EF4-FFF2-40B4-BE49-F238E27FC236}">
+                <a16:creationId xmlns:a16="http://schemas.microsoft.com/office/drawing/2014/main" id="{70E9F13F-2391-2169-0E9D-3A9AE0DFA3FA}"/>
+              </a:ext>
+            </a:extLst>
+          </p:cNvPr>
+          <p:cNvSpPr>
+            <a:spLocks noGrp="1"/>
+          </p:cNvSpPr>
+          <p:nvPr>
+            <p:ph sz="half" idx="1"/>
+          </p:nvPr>
+        </p:nvSpPr>
+        <p:spPr>
+          <a:xfrm>
+            <a:off x="1635442" y="1855433"/>
+            <a:ext cx="4016673" cy="4060950"/>
+          </a:xfrm>
+        </p:spPr>
+        <p:txBody>
+          <a:bodyPr>
+            <a:normAutofit fontScale="92500" lnSpcReduction="20000"/>
           </a:bodyPr>
           <a:lstStyle/>
           <a:p>
+            <a:pPr marL="0" indent="0" algn="ctr">
+              <a:lnSpc>
+                <a:spcPct val="220000"/>
+              </a:lnSpc>
+              <a:buNone/>
+            </a:pPr>
             <a:r>
-              <a:rPr lang="it-IT" dirty="0">
-                <a:solidFill>
-                  <a:srgbClr val="FF0000"/>
-                </a:solidFill>
-              </a:rPr>
-              <a:t>Aggiungere schema a blocchi </a:t>
+              <a:rPr lang="it-IT" sz="2600" b="1" dirty="0" err="1"/>
+              <a:t>Problem</a:t>
             </a:r>
             <a:r>
-              <a:rPr lang="it-IT" dirty="0" err="1">
+              <a:rPr lang="it-IT" sz="2600" b="1" dirty="0"/>
+              <a:t> #1</a:t>
+            </a:r>
+          </a:p>
+          <a:p>
+            <a:pPr algn="ctr">
+              <a:lnSpc>
+                <a:spcPct val="100000"/>
+              </a:lnSpc>
+            </a:pPr>
+            <a:r>
+              <a:rPr lang="it-IT" sz="2600" dirty="0"/>
+              <a:t>Interface </a:t>
+            </a:r>
+            <a:r>
+              <a:rPr lang="it-IT" sz="2600" dirty="0" err="1"/>
+              <a:t>problem</a:t>
+            </a:r>
+            <a:r>
+              <a:rPr lang="it-IT" sz="2600" dirty="0"/>
+              <a:t> </a:t>
+            </a:r>
+            <a:r>
+              <a:rPr lang="it-IT" sz="2600" dirty="0" err="1"/>
+              <a:t>between</a:t>
+            </a:r>
+            <a:r>
+              <a:rPr lang="it-IT" sz="2600" dirty="0"/>
+              <a:t> </a:t>
+            </a:r>
+            <a:r>
+              <a:rPr lang="it-IT" sz="2600" dirty="0" err="1"/>
+              <a:t>Simulink</a:t>
+            </a:r>
+            <a:r>
+              <a:rPr lang="it-IT" sz="2600" dirty="0"/>
+              <a:t> and Arduino board due to </a:t>
+            </a:r>
+            <a:r>
+              <a:rPr lang="it-IT" sz="2600" dirty="0" err="1"/>
+              <a:t>memory</a:t>
+            </a:r>
+            <a:r>
+              <a:rPr lang="it-IT" sz="2600" dirty="0"/>
+              <a:t> </a:t>
+            </a:r>
+            <a:r>
+              <a:rPr lang="it-IT" sz="2600" dirty="0" err="1"/>
+              <a:t>issues</a:t>
+            </a:r>
+            <a:r>
+              <a:rPr lang="it-IT" sz="2600" dirty="0"/>
+              <a:t>.</a:t>
+            </a:r>
+          </a:p>
+          <a:p>
+            <a:pPr algn="ctr">
+              <a:lnSpc>
+                <a:spcPct val="100000"/>
+              </a:lnSpc>
+            </a:pPr>
+            <a:endParaRPr lang="it-IT" sz="2600" dirty="0"/>
+          </a:p>
+          <a:p>
+            <a:pPr algn="ctr">
+              <a:lnSpc>
+                <a:spcPct val="100000"/>
+              </a:lnSpc>
+            </a:pPr>
+            <a:r>
+              <a:rPr lang="it-IT" sz="2600" b="1" dirty="0"/>
+              <a:t>Solution</a:t>
+            </a:r>
+          </a:p>
+          <a:p>
+            <a:pPr algn="ctr">
+              <a:lnSpc>
+                <a:spcPct val="100000"/>
+              </a:lnSpc>
+            </a:pPr>
+            <a:r>
+              <a:rPr lang="it-IT" sz="2600" dirty="0" err="1"/>
+              <a:t>Adopted</a:t>
+            </a:r>
+            <a:r>
+              <a:rPr lang="it-IT" sz="2600" dirty="0"/>
+              <a:t> the ESP32 board </a:t>
+            </a:r>
+            <a:r>
+              <a:rPr lang="it-IT" sz="2600" dirty="0" err="1"/>
+              <a:t>which</a:t>
+            </a:r>
+            <a:r>
+              <a:rPr lang="it-IT" sz="2600" dirty="0"/>
+              <a:t> </a:t>
+            </a:r>
+            <a:r>
+              <a:rPr lang="it-IT" sz="2600" dirty="0" err="1"/>
+              <a:t>has</a:t>
+            </a:r>
+            <a:r>
+              <a:rPr lang="it-IT" sz="2600" dirty="0"/>
+              <a:t> more </a:t>
+            </a:r>
+            <a:r>
+              <a:rPr lang="it-IT" sz="2600" dirty="0" err="1"/>
+              <a:t>memory</a:t>
+            </a:r>
+            <a:r>
+              <a:rPr lang="it-IT" sz="2600" dirty="0"/>
+              <a:t> and </a:t>
+            </a:r>
+            <a:r>
+              <a:rPr lang="it-IT" sz="2600" dirty="0" err="1"/>
+              <a:t>computation</a:t>
+            </a:r>
+            <a:r>
+              <a:rPr lang="it-IT" sz="2600" dirty="0"/>
+              <a:t> power.</a:t>
+            </a:r>
+          </a:p>
+          <a:p>
+            <a:pPr>
+              <a:lnSpc>
+                <a:spcPct val="100000"/>
+              </a:lnSpc>
+            </a:pPr>
+            <a:endParaRPr lang="it-IT" sz="2000" b="1" dirty="0"/>
+          </a:p>
+          <a:p>
+            <a:pPr>
+              <a:lnSpc>
+                <a:spcPct val="100000"/>
+              </a:lnSpc>
+            </a:pPr>
+            <a:endParaRPr lang="it-IT" b="1" dirty="0"/>
+          </a:p>
+        </p:txBody>
+      </p:sp>
+      <p:sp>
+        <p:nvSpPr>
+          <p:cNvPr id="4" name="Segnaposto contenuto 12">
+            <a:extLst>
+              <a:ext uri="{FF2B5EF4-FFF2-40B4-BE49-F238E27FC236}">
+                <a16:creationId xmlns:a16="http://schemas.microsoft.com/office/drawing/2014/main" id="{CFDD2A18-FB28-7A2F-CEFC-F218BA343EC8}"/>
+              </a:ext>
+            </a:extLst>
+          </p:cNvPr>
+          <p:cNvSpPr txBox="1">
+            <a:spLocks/>
+          </p:cNvSpPr>
+          <p:nvPr/>
+        </p:nvSpPr>
+        <p:spPr>
+          <a:xfrm>
+            <a:off x="6539885" y="1855433"/>
+            <a:ext cx="4016673" cy="4060950"/>
+          </a:xfrm>
+          <a:prstGeom prst="rect">
+            <a:avLst/>
+          </a:prstGeom>
+        </p:spPr>
+        <p:txBody>
+          <a:bodyPr vert="horz" lIns="91440" tIns="45720" rIns="91440" bIns="45720" rtlCol="0">
+            <a:normAutofit lnSpcReduction="10000"/>
+          </a:bodyPr>
+          <a:lstStyle>
+            <a:lvl1pPr marL="91440" indent="-91440" algn="l" defTabSz="914400" rtl="0" eaLnBrk="1" latinLnBrk="0" hangingPunct="1">
+              <a:lnSpc>
+                <a:spcPct val="85000"/>
+              </a:lnSpc>
+              <a:spcBef>
+                <a:spcPts val="1300"/>
+              </a:spcBef>
+              <a:buFont typeface="Arial" pitchFamily="34" charset="0"/>
+              <a:buChar char=" "/>
+              <a:defRPr sz="2400" kern="1200">
                 <a:solidFill>
-                  <a:srgbClr val="FF0000"/>
+                  <a:schemeClr val="tx1">
+                    <a:lumMod val="85000"/>
+                    <a:lumOff val="15000"/>
+                  </a:schemeClr>
                 </a:solidFill>
-              </a:rPr>
-              <a:t>simulink</a:t>
+                <a:latin typeface="+mn-lt"/>
+                <a:ea typeface="+mn-ea"/>
+                <a:cs typeface="+mn-cs"/>
+              </a:defRPr>
+            </a:lvl1pPr>
+            <a:lvl2pPr marL="347472" indent="-342900" algn="l" defTabSz="914400" rtl="0" eaLnBrk="1" latinLnBrk="0" hangingPunct="1">
+              <a:lnSpc>
+                <a:spcPct val="85000"/>
+              </a:lnSpc>
+              <a:spcBef>
+                <a:spcPts val="600"/>
+              </a:spcBef>
+              <a:buFont typeface="Arial" pitchFamily="34" charset="0"/>
+              <a:buChar char=" "/>
+              <a:defRPr sz="2000" kern="1200">
+                <a:solidFill>
+                  <a:schemeClr val="tx1">
+                    <a:lumMod val="85000"/>
+                    <a:lumOff val="15000"/>
+                  </a:schemeClr>
+                </a:solidFill>
+                <a:latin typeface="+mn-lt"/>
+                <a:ea typeface="+mn-ea"/>
+                <a:cs typeface="+mn-cs"/>
+              </a:defRPr>
+            </a:lvl2pPr>
+            <a:lvl3pPr marL="548640" indent="-548640" algn="l" defTabSz="914400" rtl="0" eaLnBrk="1" latinLnBrk="0" hangingPunct="1">
+              <a:lnSpc>
+                <a:spcPct val="85000"/>
+              </a:lnSpc>
+              <a:spcBef>
+                <a:spcPts val="600"/>
+              </a:spcBef>
+              <a:buFont typeface="Arial" pitchFamily="34" charset="0"/>
+              <a:buChar char=" "/>
+              <a:defRPr sz="1800" i="1" kern="1200">
+                <a:solidFill>
+                  <a:schemeClr val="tx1">
+                    <a:lumMod val="85000"/>
+                    <a:lumOff val="15000"/>
+                  </a:schemeClr>
+                </a:solidFill>
+                <a:latin typeface="+mn-lt"/>
+                <a:ea typeface="+mn-ea"/>
+                <a:cs typeface="+mn-cs"/>
+              </a:defRPr>
+            </a:lvl3pPr>
+            <a:lvl4pPr marL="822960" indent="-822960" algn="l" defTabSz="914400" rtl="0" eaLnBrk="1" latinLnBrk="0" hangingPunct="1">
+              <a:lnSpc>
+                <a:spcPct val="85000"/>
+              </a:lnSpc>
+              <a:spcBef>
+                <a:spcPts val="600"/>
+              </a:spcBef>
+              <a:buFont typeface="Arial" pitchFamily="34" charset="0"/>
+              <a:buChar char=" "/>
+              <a:defRPr sz="1600" kern="1200">
+                <a:solidFill>
+                  <a:schemeClr val="tx1">
+                    <a:lumMod val="85000"/>
+                    <a:lumOff val="15000"/>
+                  </a:schemeClr>
+                </a:solidFill>
+                <a:latin typeface="+mn-lt"/>
+                <a:ea typeface="+mn-ea"/>
+                <a:cs typeface="+mn-cs"/>
+              </a:defRPr>
+            </a:lvl4pPr>
+            <a:lvl5pPr marL="1097280" indent="-1097280" algn="l" defTabSz="914400" rtl="0" eaLnBrk="1" latinLnBrk="0" hangingPunct="1">
+              <a:lnSpc>
+                <a:spcPct val="85000"/>
+              </a:lnSpc>
+              <a:spcBef>
+                <a:spcPts val="600"/>
+              </a:spcBef>
+              <a:buFont typeface="Arial" pitchFamily="34" charset="0"/>
+              <a:buChar char=" "/>
+              <a:defRPr sz="1600" kern="1200">
+                <a:solidFill>
+                  <a:schemeClr val="tx1">
+                    <a:lumMod val="85000"/>
+                    <a:lumOff val="15000"/>
+                  </a:schemeClr>
+                </a:solidFill>
+                <a:latin typeface="+mn-lt"/>
+                <a:ea typeface="+mn-ea"/>
+                <a:cs typeface="+mn-cs"/>
+              </a:defRPr>
+            </a:lvl5pPr>
+            <a:lvl6pPr marL="1200000" indent="-228600" algn="l" defTabSz="914400" rtl="0" eaLnBrk="1" latinLnBrk="0" hangingPunct="1">
+              <a:lnSpc>
+                <a:spcPct val="85000"/>
+              </a:lnSpc>
+              <a:spcBef>
+                <a:spcPts val="600"/>
+              </a:spcBef>
+              <a:buFont typeface="Arial" pitchFamily="34" charset="0"/>
+              <a:buChar char=" "/>
+              <a:defRPr sz="1600" kern="1200">
+                <a:solidFill>
+                  <a:schemeClr val="tx1">
+                    <a:lumMod val="85000"/>
+                    <a:lumOff val="15000"/>
+                  </a:schemeClr>
+                </a:solidFill>
+                <a:latin typeface="+mn-lt"/>
+                <a:ea typeface="+mn-ea"/>
+                <a:cs typeface="+mn-cs"/>
+              </a:defRPr>
+            </a:lvl6pPr>
+            <a:lvl7pPr marL="1400000" indent="-228600" algn="l" defTabSz="914400" rtl="0" eaLnBrk="1" latinLnBrk="0" hangingPunct="1">
+              <a:lnSpc>
+                <a:spcPct val="85000"/>
+              </a:lnSpc>
+              <a:spcBef>
+                <a:spcPts val="600"/>
+              </a:spcBef>
+              <a:buFont typeface="Arial" pitchFamily="34" charset="0"/>
+              <a:buChar char=" "/>
+              <a:defRPr sz="1600" kern="1200">
+                <a:solidFill>
+                  <a:schemeClr val="tx1">
+                    <a:lumMod val="85000"/>
+                    <a:lumOff val="15000"/>
+                  </a:schemeClr>
+                </a:solidFill>
+                <a:latin typeface="+mn-lt"/>
+                <a:ea typeface="+mn-ea"/>
+                <a:cs typeface="+mn-cs"/>
+              </a:defRPr>
+            </a:lvl7pPr>
+            <a:lvl8pPr marL="1600000" indent="-228600" algn="l" defTabSz="914400" rtl="0" eaLnBrk="1" latinLnBrk="0" hangingPunct="1">
+              <a:lnSpc>
+                <a:spcPct val="85000"/>
+              </a:lnSpc>
+              <a:spcBef>
+                <a:spcPts val="600"/>
+              </a:spcBef>
+              <a:buFont typeface="Arial" pitchFamily="34" charset="0"/>
+              <a:buChar char=" "/>
+              <a:defRPr sz="1600" kern="1200">
+                <a:solidFill>
+                  <a:schemeClr val="tx1">
+                    <a:lumMod val="85000"/>
+                    <a:lumOff val="15000"/>
+                  </a:schemeClr>
+                </a:solidFill>
+                <a:latin typeface="+mn-lt"/>
+                <a:ea typeface="+mn-ea"/>
+                <a:cs typeface="+mn-cs"/>
+              </a:defRPr>
+            </a:lvl8pPr>
+            <a:lvl9pPr marL="1800000" indent="-228600" algn="l" defTabSz="914400" rtl="0" eaLnBrk="1" latinLnBrk="0" hangingPunct="1">
+              <a:lnSpc>
+                <a:spcPct val="85000"/>
+              </a:lnSpc>
+              <a:spcBef>
+                <a:spcPts val="600"/>
+              </a:spcBef>
+              <a:buFont typeface="Arial" pitchFamily="34" charset="0"/>
+              <a:buChar char=" "/>
+              <a:defRPr sz="1600" kern="1200">
+                <a:solidFill>
+                  <a:schemeClr val="tx1">
+                    <a:lumMod val="85000"/>
+                    <a:lumOff val="15000"/>
+                  </a:schemeClr>
+                </a:solidFill>
+                <a:latin typeface="+mn-lt"/>
+                <a:ea typeface="+mn-ea"/>
+                <a:cs typeface="+mn-cs"/>
+              </a:defRPr>
+            </a:lvl9pPr>
+          </a:lstStyle>
+          <a:p>
+            <a:pPr marL="0" indent="0" algn="ctr">
+              <a:lnSpc>
+                <a:spcPct val="220000"/>
+              </a:lnSpc>
+              <a:buFont typeface="Arial" pitchFamily="34" charset="0"/>
+              <a:buNone/>
+            </a:pPr>
+            <a:r>
+              <a:rPr lang="it-IT" b="1" dirty="0" err="1"/>
+              <a:t>Problem</a:t>
             </a:r>
-            <a:endParaRPr lang="it-IT" dirty="0">
-              <a:solidFill>
-                <a:srgbClr val="FF0000"/>
-              </a:solidFill>
-            </a:endParaRPr>
+            <a:r>
+              <a:rPr lang="it-IT" b="1" dirty="0"/>
+              <a:t> #2</a:t>
+            </a:r>
+          </a:p>
+          <a:p>
+            <a:pPr algn="ctr"/>
+            <a:r>
+              <a:rPr lang="it-IT" dirty="0"/>
+              <a:t>Knowledge of system </a:t>
+            </a:r>
+            <a:r>
+              <a:rPr lang="it-IT" dirty="0" err="1"/>
+              <a:t>parameters</a:t>
+            </a:r>
+            <a:r>
+              <a:rPr lang="it-IT" dirty="0"/>
+              <a:t> </a:t>
+            </a:r>
+            <a:r>
+              <a:rPr lang="it-IT" dirty="0" err="1"/>
+              <a:t>is</a:t>
+            </a:r>
+            <a:r>
+              <a:rPr lang="it-IT" dirty="0"/>
+              <a:t> </a:t>
+            </a:r>
+            <a:r>
+              <a:rPr lang="it-IT" dirty="0" err="1"/>
+              <a:t>required</a:t>
+            </a:r>
+            <a:r>
+              <a:rPr lang="it-IT" dirty="0"/>
+              <a:t> for </a:t>
+            </a:r>
+            <a:r>
+              <a:rPr lang="it-IT" dirty="0" err="1"/>
+              <a:t>proper</a:t>
+            </a:r>
+            <a:r>
+              <a:rPr lang="it-IT" dirty="0"/>
+              <a:t> controller tuning.</a:t>
+            </a:r>
+          </a:p>
+          <a:p>
+            <a:pPr algn="ctr">
+              <a:lnSpc>
+                <a:spcPct val="100000"/>
+              </a:lnSpc>
+            </a:pPr>
+            <a:endParaRPr lang="it-IT" dirty="0"/>
+          </a:p>
+          <a:p>
+            <a:pPr algn="ctr">
+              <a:lnSpc>
+                <a:spcPct val="100000"/>
+              </a:lnSpc>
+            </a:pPr>
+            <a:r>
+              <a:rPr lang="it-IT" b="1" dirty="0"/>
+              <a:t>Solution</a:t>
+            </a:r>
+          </a:p>
+          <a:p>
+            <a:pPr algn="ctr"/>
+            <a:r>
+              <a:rPr lang="it-IT" dirty="0"/>
+              <a:t>Systems </a:t>
+            </a:r>
+            <a:r>
+              <a:rPr lang="it-IT" dirty="0" err="1"/>
+              <a:t>parameters</a:t>
+            </a:r>
+            <a:r>
+              <a:rPr lang="it-IT" dirty="0"/>
+              <a:t> </a:t>
+            </a:r>
+            <a:r>
+              <a:rPr lang="it-IT" dirty="0" err="1"/>
+              <a:t>estimated</a:t>
+            </a:r>
+            <a:r>
+              <a:rPr lang="it-IT" dirty="0"/>
+              <a:t> </a:t>
+            </a:r>
+            <a:r>
+              <a:rPr lang="it-IT" dirty="0" err="1"/>
+              <a:t>through</a:t>
+            </a:r>
+            <a:r>
+              <a:rPr lang="it-IT" dirty="0"/>
+              <a:t> </a:t>
+            </a:r>
+            <a:r>
+              <a:rPr lang="it-IT" dirty="0" err="1"/>
+              <a:t>experiments</a:t>
+            </a:r>
+            <a:r>
+              <a:rPr lang="it-IT" dirty="0"/>
+              <a:t> on </a:t>
+            </a:r>
+            <a:r>
+              <a:rPr lang="it-IT" dirty="0" err="1"/>
+              <a:t>real</a:t>
+            </a:r>
+            <a:r>
+              <a:rPr lang="it-IT" dirty="0"/>
+              <a:t> hardware.</a:t>
+            </a:r>
+          </a:p>
+          <a:p>
+            <a:pPr>
+              <a:lnSpc>
+                <a:spcPct val="100000"/>
+              </a:lnSpc>
+            </a:pPr>
+            <a:endParaRPr lang="it-IT" sz="2000" b="1" dirty="0"/>
+          </a:p>
+          <a:p>
+            <a:pPr>
+              <a:lnSpc>
+                <a:spcPct val="100000"/>
+              </a:lnSpc>
+            </a:pPr>
+            <a:endParaRPr lang="it-IT" b="1" dirty="0"/>
           </a:p>
         </p:txBody>
       </p:sp>
     </p:spTree>
     <p:extLst>
       <p:ext uri="{BB962C8B-B14F-4D97-AF65-F5344CB8AC3E}">
-        <p14:creationId xmlns:p14="http://schemas.microsoft.com/office/powerpoint/2010/main" val="1836905529"/>
+        <p14:creationId xmlns:p14="http://schemas.microsoft.com/office/powerpoint/2010/main" val="2909310432"/>
       </p:ext>
     </p:extLst>
   </p:cSld>
@@ -17025,7 +19161,13 @@
   <p:cSld>
     <p:spTree>
       <p:nvGrpSpPr>
-        <p:cNvPr id="1" name=""/>
+        <p:cNvPr id="1" name="">
+          <a:extLst>
+            <a:ext uri="{FF2B5EF4-FFF2-40B4-BE49-F238E27FC236}">
+              <a16:creationId xmlns:a16="http://schemas.microsoft.com/office/drawing/2014/main" id="{FA5657A4-A9DA-0FC3-B0A0-90752DC1A284}"/>
+            </a:ext>
+          </a:extLst>
+        </p:cNvPr>
         <p:cNvGrpSpPr/>
         <p:nvPr/>
       </p:nvGrpSpPr>
@@ -17039,47 +19181,1193 @@
       </p:grpSpPr>
       <p:sp>
         <p:nvSpPr>
-          <p:cNvPr id="5" name="CasellaDiTesto 4">
+          <p:cNvPr id="9" name="Titolo 1">
             <a:extLst>
               <a:ext uri="{FF2B5EF4-FFF2-40B4-BE49-F238E27FC236}">
-                <a16:creationId xmlns:a16="http://schemas.microsoft.com/office/drawing/2014/main" id="{FEFC503B-1569-B615-BB5E-3B7D59C94619}"/>
+                <a16:creationId xmlns:a16="http://schemas.microsoft.com/office/drawing/2014/main" id="{A38883B3-5114-5AB8-8B37-98D511C0290F}"/>
               </a:ext>
             </a:extLst>
           </p:cNvPr>
-          <p:cNvSpPr txBox="1"/>
+          <p:cNvSpPr txBox="1">
+            <a:spLocks/>
+          </p:cNvSpPr>
           <p:nvPr/>
         </p:nvSpPr>
         <p:spPr>
           <a:xfrm>
-            <a:off x="4783015" y="2194560"/>
-            <a:ext cx="2307102" cy="646331"/>
+            <a:off x="709613" y="499533"/>
+            <a:ext cx="10772775" cy="971458"/>
           </a:xfrm>
           <a:prstGeom prst="rect">
             <a:avLst/>
           </a:prstGeom>
-          <a:noFill/>
         </p:spPr>
         <p:txBody>
-          <a:bodyPr wrap="square" rtlCol="0">
-            <a:spAutoFit/>
+          <a:bodyPr vert="horz" lIns="91440" tIns="45720" rIns="91440" bIns="45720" rtlCol="0" anchor="ctr">
+            <a:normAutofit/>
           </a:bodyPr>
+          <a:lstStyle>
+            <a:lvl1pPr algn="l" defTabSz="914400" rtl="0" eaLnBrk="1" latinLnBrk="0" hangingPunct="1">
+              <a:lnSpc>
+                <a:spcPct val="85000"/>
+              </a:lnSpc>
+              <a:spcBef>
+                <a:spcPct val="0"/>
+              </a:spcBef>
+              <a:buNone/>
+              <a:defRPr sz="5400" kern="1200" spc="-120" baseline="0">
+                <a:solidFill>
+                  <a:schemeClr val="accent1"/>
+                </a:solidFill>
+                <a:latin typeface="+mj-lt"/>
+                <a:ea typeface="+mj-ea"/>
+                <a:cs typeface="+mj-cs"/>
+              </a:defRPr>
+            </a:lvl1pPr>
+          </a:lstStyle>
+          <a:p>
+            <a:pPr algn="ctr"/>
+            <a:r>
+              <a:rPr lang="it-IT" b="1" dirty="0" err="1"/>
+              <a:t>Unexpected</a:t>
+            </a:r>
+            <a:r>
+              <a:rPr lang="it-IT" b="1" dirty="0"/>
+              <a:t> </a:t>
+            </a:r>
+            <a:r>
+              <a:rPr lang="it-IT" b="1" dirty="0" err="1"/>
+              <a:t>behaviour</a:t>
+            </a:r>
+            <a:r>
+              <a:rPr lang="it-IT" b="1" dirty="0"/>
+              <a:t> of the </a:t>
+            </a:r>
+            <a:r>
+              <a:rPr lang="it-IT" b="1" dirty="0" err="1"/>
+              <a:t>real</a:t>
+            </a:r>
+            <a:r>
+              <a:rPr lang="it-IT" b="1" dirty="0"/>
+              <a:t> system</a:t>
+            </a:r>
+          </a:p>
+        </p:txBody>
+      </p:sp>
+      <p:pic>
+        <p:nvPicPr>
+          <p:cNvPr id="10" name="Segnaposto contenuto 9" descr="Immagine che contiene elettronica, macchina, cavo, Ingegneria elettronica&#10;&#10;Descrizione generata automaticamente">
+            <a:extLst>
+              <a:ext uri="{FF2B5EF4-FFF2-40B4-BE49-F238E27FC236}">
+                <a16:creationId xmlns:a16="http://schemas.microsoft.com/office/drawing/2014/main" id="{53AA408F-2442-AD0D-117A-3D440E675347}"/>
+              </a:ext>
+            </a:extLst>
+          </p:cNvPr>
+          <p:cNvPicPr>
+            <a:picLocks noGrp="1" noChangeAspect="1"/>
+          </p:cNvPicPr>
+          <p:nvPr>
+            <p:ph sz="half" idx="2"/>
+          </p:nvPr>
+        </p:nvPicPr>
+        <p:blipFill>
+          <a:blip r:embed="rId2"/>
+          <a:stretch>
+            <a:fillRect/>
+          </a:stretch>
+        </p:blipFill>
+        <p:spPr>
+          <a:xfrm>
+            <a:off x="697283" y="2668744"/>
+            <a:ext cx="3354387" cy="3090919"/>
+          </a:xfrm>
+        </p:spPr>
+      </p:pic>
+      <p:sp>
+        <p:nvSpPr>
+          <p:cNvPr id="6" name="Segnaposto contenuto 6">
+            <a:extLst>
+              <a:ext uri="{FF2B5EF4-FFF2-40B4-BE49-F238E27FC236}">
+                <a16:creationId xmlns:a16="http://schemas.microsoft.com/office/drawing/2014/main" id="{DD34CAE6-1387-DE2A-3DB1-BC626465F1B9}"/>
+              </a:ext>
+            </a:extLst>
+          </p:cNvPr>
+          <p:cNvSpPr txBox="1">
+            <a:spLocks/>
+          </p:cNvSpPr>
+          <p:nvPr/>
+        </p:nvSpPr>
+        <p:spPr>
+          <a:xfrm>
+            <a:off x="4489990" y="2505075"/>
+            <a:ext cx="3354525" cy="3684588"/>
+          </a:xfrm>
+          <a:prstGeom prst="rect">
+            <a:avLst/>
+          </a:prstGeom>
+        </p:spPr>
+        <p:txBody>
+          <a:bodyPr vert="horz" lIns="91440" tIns="45720" rIns="91440" bIns="45720" rtlCol="0">
+            <a:normAutofit/>
+          </a:bodyPr>
+          <a:lstStyle>
+            <a:lvl1pPr marL="91440" indent="-91440" algn="l" defTabSz="914400" rtl="0" eaLnBrk="1" latinLnBrk="0" hangingPunct="1">
+              <a:lnSpc>
+                <a:spcPct val="85000"/>
+              </a:lnSpc>
+              <a:spcBef>
+                <a:spcPts val="1300"/>
+              </a:spcBef>
+              <a:buFont typeface="Arial" pitchFamily="34" charset="0"/>
+              <a:buChar char=" "/>
+              <a:defRPr sz="2400" kern="1200">
+                <a:solidFill>
+                  <a:schemeClr val="tx1">
+                    <a:lumMod val="85000"/>
+                    <a:lumOff val="15000"/>
+                  </a:schemeClr>
+                </a:solidFill>
+                <a:latin typeface="+mn-lt"/>
+                <a:ea typeface="+mn-ea"/>
+                <a:cs typeface="+mn-cs"/>
+              </a:defRPr>
+            </a:lvl1pPr>
+            <a:lvl2pPr marL="347472" indent="-342900" algn="l" defTabSz="914400" rtl="0" eaLnBrk="1" latinLnBrk="0" hangingPunct="1">
+              <a:lnSpc>
+                <a:spcPct val="85000"/>
+              </a:lnSpc>
+              <a:spcBef>
+                <a:spcPts val="600"/>
+              </a:spcBef>
+              <a:buFont typeface="Arial" pitchFamily="34" charset="0"/>
+              <a:buChar char=" "/>
+              <a:defRPr sz="2000" kern="1200">
+                <a:solidFill>
+                  <a:schemeClr val="tx1">
+                    <a:lumMod val="85000"/>
+                    <a:lumOff val="15000"/>
+                  </a:schemeClr>
+                </a:solidFill>
+                <a:latin typeface="+mn-lt"/>
+                <a:ea typeface="+mn-ea"/>
+                <a:cs typeface="+mn-cs"/>
+              </a:defRPr>
+            </a:lvl2pPr>
+            <a:lvl3pPr marL="548640" indent="-548640" algn="l" defTabSz="914400" rtl="0" eaLnBrk="1" latinLnBrk="0" hangingPunct="1">
+              <a:lnSpc>
+                <a:spcPct val="85000"/>
+              </a:lnSpc>
+              <a:spcBef>
+                <a:spcPts val="600"/>
+              </a:spcBef>
+              <a:buFont typeface="Arial" pitchFamily="34" charset="0"/>
+              <a:buChar char=" "/>
+              <a:defRPr sz="1800" i="1" kern="1200">
+                <a:solidFill>
+                  <a:schemeClr val="tx1">
+                    <a:lumMod val="85000"/>
+                    <a:lumOff val="15000"/>
+                  </a:schemeClr>
+                </a:solidFill>
+                <a:latin typeface="+mn-lt"/>
+                <a:ea typeface="+mn-ea"/>
+                <a:cs typeface="+mn-cs"/>
+              </a:defRPr>
+            </a:lvl3pPr>
+            <a:lvl4pPr marL="822960" indent="-822960" algn="l" defTabSz="914400" rtl="0" eaLnBrk="1" latinLnBrk="0" hangingPunct="1">
+              <a:lnSpc>
+                <a:spcPct val="85000"/>
+              </a:lnSpc>
+              <a:spcBef>
+                <a:spcPts val="600"/>
+              </a:spcBef>
+              <a:buFont typeface="Arial" pitchFamily="34" charset="0"/>
+              <a:buChar char=" "/>
+              <a:defRPr sz="1600" kern="1200">
+                <a:solidFill>
+                  <a:schemeClr val="tx1">
+                    <a:lumMod val="85000"/>
+                    <a:lumOff val="15000"/>
+                  </a:schemeClr>
+                </a:solidFill>
+                <a:latin typeface="+mn-lt"/>
+                <a:ea typeface="+mn-ea"/>
+                <a:cs typeface="+mn-cs"/>
+              </a:defRPr>
+            </a:lvl4pPr>
+            <a:lvl5pPr marL="1097280" indent="-1097280" algn="l" defTabSz="914400" rtl="0" eaLnBrk="1" latinLnBrk="0" hangingPunct="1">
+              <a:lnSpc>
+                <a:spcPct val="85000"/>
+              </a:lnSpc>
+              <a:spcBef>
+                <a:spcPts val="600"/>
+              </a:spcBef>
+              <a:buFont typeface="Arial" pitchFamily="34" charset="0"/>
+              <a:buChar char=" "/>
+              <a:defRPr sz="1600" kern="1200">
+                <a:solidFill>
+                  <a:schemeClr val="tx1">
+                    <a:lumMod val="85000"/>
+                    <a:lumOff val="15000"/>
+                  </a:schemeClr>
+                </a:solidFill>
+                <a:latin typeface="+mn-lt"/>
+                <a:ea typeface="+mn-ea"/>
+                <a:cs typeface="+mn-cs"/>
+              </a:defRPr>
+            </a:lvl5pPr>
+            <a:lvl6pPr marL="1200000" indent="-228600" algn="l" defTabSz="914400" rtl="0" eaLnBrk="1" latinLnBrk="0" hangingPunct="1">
+              <a:lnSpc>
+                <a:spcPct val="85000"/>
+              </a:lnSpc>
+              <a:spcBef>
+                <a:spcPts val="600"/>
+              </a:spcBef>
+              <a:buFont typeface="Arial" pitchFamily="34" charset="0"/>
+              <a:buChar char=" "/>
+              <a:defRPr sz="1600" kern="1200">
+                <a:solidFill>
+                  <a:schemeClr val="tx1">
+                    <a:lumMod val="85000"/>
+                    <a:lumOff val="15000"/>
+                  </a:schemeClr>
+                </a:solidFill>
+                <a:latin typeface="+mn-lt"/>
+                <a:ea typeface="+mn-ea"/>
+                <a:cs typeface="+mn-cs"/>
+              </a:defRPr>
+            </a:lvl6pPr>
+            <a:lvl7pPr marL="1400000" indent="-228600" algn="l" defTabSz="914400" rtl="0" eaLnBrk="1" latinLnBrk="0" hangingPunct="1">
+              <a:lnSpc>
+                <a:spcPct val="85000"/>
+              </a:lnSpc>
+              <a:spcBef>
+                <a:spcPts val="600"/>
+              </a:spcBef>
+              <a:buFont typeface="Arial" pitchFamily="34" charset="0"/>
+              <a:buChar char=" "/>
+              <a:defRPr sz="1600" kern="1200">
+                <a:solidFill>
+                  <a:schemeClr val="tx1">
+                    <a:lumMod val="85000"/>
+                    <a:lumOff val="15000"/>
+                  </a:schemeClr>
+                </a:solidFill>
+                <a:latin typeface="+mn-lt"/>
+                <a:ea typeface="+mn-ea"/>
+                <a:cs typeface="+mn-cs"/>
+              </a:defRPr>
+            </a:lvl7pPr>
+            <a:lvl8pPr marL="1600000" indent="-228600" algn="l" defTabSz="914400" rtl="0" eaLnBrk="1" latinLnBrk="0" hangingPunct="1">
+              <a:lnSpc>
+                <a:spcPct val="85000"/>
+              </a:lnSpc>
+              <a:spcBef>
+                <a:spcPts val="600"/>
+              </a:spcBef>
+              <a:buFont typeface="Arial" pitchFamily="34" charset="0"/>
+              <a:buChar char=" "/>
+              <a:defRPr sz="1600" kern="1200">
+                <a:solidFill>
+                  <a:schemeClr val="tx1">
+                    <a:lumMod val="85000"/>
+                    <a:lumOff val="15000"/>
+                  </a:schemeClr>
+                </a:solidFill>
+                <a:latin typeface="+mn-lt"/>
+                <a:ea typeface="+mn-ea"/>
+                <a:cs typeface="+mn-cs"/>
+              </a:defRPr>
+            </a:lvl8pPr>
+            <a:lvl9pPr marL="1800000" indent="-228600" algn="l" defTabSz="914400" rtl="0" eaLnBrk="1" latinLnBrk="0" hangingPunct="1">
+              <a:lnSpc>
+                <a:spcPct val="85000"/>
+              </a:lnSpc>
+              <a:spcBef>
+                <a:spcPts val="600"/>
+              </a:spcBef>
+              <a:buFont typeface="Arial" pitchFamily="34" charset="0"/>
+              <a:buChar char=" "/>
+              <a:defRPr sz="1600" kern="1200">
+                <a:solidFill>
+                  <a:schemeClr val="tx1">
+                    <a:lumMod val="85000"/>
+                    <a:lumOff val="15000"/>
+                  </a:schemeClr>
+                </a:solidFill>
+                <a:latin typeface="+mn-lt"/>
+                <a:ea typeface="+mn-ea"/>
+                <a:cs typeface="+mn-cs"/>
+              </a:defRPr>
+            </a:lvl9pPr>
+          </a:lstStyle>
+          <a:p>
+            <a:endParaRPr lang="it-IT" dirty="0"/>
+          </a:p>
+        </p:txBody>
+      </p:sp>
+      <p:sp>
+        <p:nvSpPr>
+          <p:cNvPr id="7" name="Segnaposto contenuto 6">
+            <a:extLst>
+              <a:ext uri="{FF2B5EF4-FFF2-40B4-BE49-F238E27FC236}">
+                <a16:creationId xmlns:a16="http://schemas.microsoft.com/office/drawing/2014/main" id="{EE34D8DF-4027-400B-0769-655C4EE15005}"/>
+              </a:ext>
+            </a:extLst>
+          </p:cNvPr>
+          <p:cNvSpPr txBox="1">
+            <a:spLocks/>
+          </p:cNvSpPr>
+          <p:nvPr/>
+        </p:nvSpPr>
+        <p:spPr>
+          <a:xfrm>
+            <a:off x="8140192" y="2505075"/>
+            <a:ext cx="3354525" cy="3684588"/>
+          </a:xfrm>
+          <a:prstGeom prst="rect">
+            <a:avLst/>
+          </a:prstGeom>
+        </p:spPr>
+        <p:txBody>
+          <a:bodyPr vert="horz" lIns="91440" tIns="45720" rIns="91440" bIns="45720" rtlCol="0">
+            <a:normAutofit/>
+          </a:bodyPr>
+          <a:lstStyle>
+            <a:lvl1pPr marL="91440" indent="-91440" algn="l" defTabSz="914400" rtl="0" eaLnBrk="1" latinLnBrk="0" hangingPunct="1">
+              <a:lnSpc>
+                <a:spcPct val="85000"/>
+              </a:lnSpc>
+              <a:spcBef>
+                <a:spcPts val="1300"/>
+              </a:spcBef>
+              <a:buFont typeface="Arial" pitchFamily="34" charset="0"/>
+              <a:buChar char=" "/>
+              <a:defRPr sz="2400" kern="1200">
+                <a:solidFill>
+                  <a:schemeClr val="tx1">
+                    <a:lumMod val="85000"/>
+                    <a:lumOff val="15000"/>
+                  </a:schemeClr>
+                </a:solidFill>
+                <a:latin typeface="+mn-lt"/>
+                <a:ea typeface="+mn-ea"/>
+                <a:cs typeface="+mn-cs"/>
+              </a:defRPr>
+            </a:lvl1pPr>
+            <a:lvl2pPr marL="347472" indent="-342900" algn="l" defTabSz="914400" rtl="0" eaLnBrk="1" latinLnBrk="0" hangingPunct="1">
+              <a:lnSpc>
+                <a:spcPct val="85000"/>
+              </a:lnSpc>
+              <a:spcBef>
+                <a:spcPts val="600"/>
+              </a:spcBef>
+              <a:buFont typeface="Arial" pitchFamily="34" charset="0"/>
+              <a:buChar char=" "/>
+              <a:defRPr sz="2000" kern="1200">
+                <a:solidFill>
+                  <a:schemeClr val="tx1">
+                    <a:lumMod val="85000"/>
+                    <a:lumOff val="15000"/>
+                  </a:schemeClr>
+                </a:solidFill>
+                <a:latin typeface="+mn-lt"/>
+                <a:ea typeface="+mn-ea"/>
+                <a:cs typeface="+mn-cs"/>
+              </a:defRPr>
+            </a:lvl2pPr>
+            <a:lvl3pPr marL="548640" indent="-548640" algn="l" defTabSz="914400" rtl="0" eaLnBrk="1" latinLnBrk="0" hangingPunct="1">
+              <a:lnSpc>
+                <a:spcPct val="85000"/>
+              </a:lnSpc>
+              <a:spcBef>
+                <a:spcPts val="600"/>
+              </a:spcBef>
+              <a:buFont typeface="Arial" pitchFamily="34" charset="0"/>
+              <a:buChar char=" "/>
+              <a:defRPr sz="1800" i="1" kern="1200">
+                <a:solidFill>
+                  <a:schemeClr val="tx1">
+                    <a:lumMod val="85000"/>
+                    <a:lumOff val="15000"/>
+                  </a:schemeClr>
+                </a:solidFill>
+                <a:latin typeface="+mn-lt"/>
+                <a:ea typeface="+mn-ea"/>
+                <a:cs typeface="+mn-cs"/>
+              </a:defRPr>
+            </a:lvl3pPr>
+            <a:lvl4pPr marL="822960" indent="-822960" algn="l" defTabSz="914400" rtl="0" eaLnBrk="1" latinLnBrk="0" hangingPunct="1">
+              <a:lnSpc>
+                <a:spcPct val="85000"/>
+              </a:lnSpc>
+              <a:spcBef>
+                <a:spcPts val="600"/>
+              </a:spcBef>
+              <a:buFont typeface="Arial" pitchFamily="34" charset="0"/>
+              <a:buChar char=" "/>
+              <a:defRPr sz="1600" kern="1200">
+                <a:solidFill>
+                  <a:schemeClr val="tx1">
+                    <a:lumMod val="85000"/>
+                    <a:lumOff val="15000"/>
+                  </a:schemeClr>
+                </a:solidFill>
+                <a:latin typeface="+mn-lt"/>
+                <a:ea typeface="+mn-ea"/>
+                <a:cs typeface="+mn-cs"/>
+              </a:defRPr>
+            </a:lvl4pPr>
+            <a:lvl5pPr marL="1097280" indent="-1097280" algn="l" defTabSz="914400" rtl="0" eaLnBrk="1" latinLnBrk="0" hangingPunct="1">
+              <a:lnSpc>
+                <a:spcPct val="85000"/>
+              </a:lnSpc>
+              <a:spcBef>
+                <a:spcPts val="600"/>
+              </a:spcBef>
+              <a:buFont typeface="Arial" pitchFamily="34" charset="0"/>
+              <a:buChar char=" "/>
+              <a:defRPr sz="1600" kern="1200">
+                <a:solidFill>
+                  <a:schemeClr val="tx1">
+                    <a:lumMod val="85000"/>
+                    <a:lumOff val="15000"/>
+                  </a:schemeClr>
+                </a:solidFill>
+                <a:latin typeface="+mn-lt"/>
+                <a:ea typeface="+mn-ea"/>
+                <a:cs typeface="+mn-cs"/>
+              </a:defRPr>
+            </a:lvl5pPr>
+            <a:lvl6pPr marL="1200000" indent="-228600" algn="l" defTabSz="914400" rtl="0" eaLnBrk="1" latinLnBrk="0" hangingPunct="1">
+              <a:lnSpc>
+                <a:spcPct val="85000"/>
+              </a:lnSpc>
+              <a:spcBef>
+                <a:spcPts val="600"/>
+              </a:spcBef>
+              <a:buFont typeface="Arial" pitchFamily="34" charset="0"/>
+              <a:buChar char=" "/>
+              <a:defRPr sz="1600" kern="1200">
+                <a:solidFill>
+                  <a:schemeClr val="tx1">
+                    <a:lumMod val="85000"/>
+                    <a:lumOff val="15000"/>
+                  </a:schemeClr>
+                </a:solidFill>
+                <a:latin typeface="+mn-lt"/>
+                <a:ea typeface="+mn-ea"/>
+                <a:cs typeface="+mn-cs"/>
+              </a:defRPr>
+            </a:lvl6pPr>
+            <a:lvl7pPr marL="1400000" indent="-228600" algn="l" defTabSz="914400" rtl="0" eaLnBrk="1" latinLnBrk="0" hangingPunct="1">
+              <a:lnSpc>
+                <a:spcPct val="85000"/>
+              </a:lnSpc>
+              <a:spcBef>
+                <a:spcPts val="600"/>
+              </a:spcBef>
+              <a:buFont typeface="Arial" pitchFamily="34" charset="0"/>
+              <a:buChar char=" "/>
+              <a:defRPr sz="1600" kern="1200">
+                <a:solidFill>
+                  <a:schemeClr val="tx1">
+                    <a:lumMod val="85000"/>
+                    <a:lumOff val="15000"/>
+                  </a:schemeClr>
+                </a:solidFill>
+                <a:latin typeface="+mn-lt"/>
+                <a:ea typeface="+mn-ea"/>
+                <a:cs typeface="+mn-cs"/>
+              </a:defRPr>
+            </a:lvl7pPr>
+            <a:lvl8pPr marL="1600000" indent="-228600" algn="l" defTabSz="914400" rtl="0" eaLnBrk="1" latinLnBrk="0" hangingPunct="1">
+              <a:lnSpc>
+                <a:spcPct val="85000"/>
+              </a:lnSpc>
+              <a:spcBef>
+                <a:spcPts val="600"/>
+              </a:spcBef>
+              <a:buFont typeface="Arial" pitchFamily="34" charset="0"/>
+              <a:buChar char=" "/>
+              <a:defRPr sz="1600" kern="1200">
+                <a:solidFill>
+                  <a:schemeClr val="tx1">
+                    <a:lumMod val="85000"/>
+                    <a:lumOff val="15000"/>
+                  </a:schemeClr>
+                </a:solidFill>
+                <a:latin typeface="+mn-lt"/>
+                <a:ea typeface="+mn-ea"/>
+                <a:cs typeface="+mn-cs"/>
+              </a:defRPr>
+            </a:lvl8pPr>
+            <a:lvl9pPr marL="1800000" indent="-228600" algn="l" defTabSz="914400" rtl="0" eaLnBrk="1" latinLnBrk="0" hangingPunct="1">
+              <a:lnSpc>
+                <a:spcPct val="85000"/>
+              </a:lnSpc>
+              <a:spcBef>
+                <a:spcPts val="600"/>
+              </a:spcBef>
+              <a:buFont typeface="Arial" pitchFamily="34" charset="0"/>
+              <a:buChar char=" "/>
+              <a:defRPr sz="1600" kern="1200">
+                <a:solidFill>
+                  <a:schemeClr val="tx1">
+                    <a:lumMod val="85000"/>
+                    <a:lumOff val="15000"/>
+                  </a:schemeClr>
+                </a:solidFill>
+                <a:latin typeface="+mn-lt"/>
+                <a:ea typeface="+mn-ea"/>
+                <a:cs typeface="+mn-cs"/>
+              </a:defRPr>
+            </a:lvl9pPr>
+          </a:lstStyle>
+          <a:p>
+            <a:endParaRPr lang="it-IT" dirty="0"/>
+          </a:p>
+        </p:txBody>
+      </p:sp>
+      <p:pic>
+        <p:nvPicPr>
+          <p:cNvPr id="12" name="Immagine 11" descr="Immagine che contiene Ingegneria elettronica, Componente di circuito, elettronica, Componente elettrico&#10;&#10;Descrizione generata automaticamente">
+            <a:extLst>
+              <a:ext uri="{FF2B5EF4-FFF2-40B4-BE49-F238E27FC236}">
+                <a16:creationId xmlns:a16="http://schemas.microsoft.com/office/drawing/2014/main" id="{30149B59-BBA6-7A30-1FD7-1C04DDD11ABA}"/>
+              </a:ext>
+            </a:extLst>
+          </p:cNvPr>
+          <p:cNvPicPr>
+            <a:picLocks noChangeAspect="1"/>
+          </p:cNvPicPr>
+          <p:nvPr/>
+        </p:nvPicPr>
+        <p:blipFill>
+          <a:blip r:embed="rId3"/>
+          <a:stretch>
+            <a:fillRect/>
+          </a:stretch>
+        </p:blipFill>
+        <p:spPr>
+          <a:xfrm>
+            <a:off x="4051670" y="2505075"/>
+            <a:ext cx="4614439" cy="3717464"/>
+          </a:xfrm>
+          <a:prstGeom prst="rect">
+            <a:avLst/>
+          </a:prstGeom>
+        </p:spPr>
+      </p:pic>
+      <p:pic>
+        <p:nvPicPr>
+          <p:cNvPr id="15" name="Immagine 14" descr="Immagine che contiene elettronica, macchina, cavo, Ingegneria elettronica&#10;&#10;Descrizione generata automaticamente">
+            <a:extLst>
+              <a:ext uri="{FF2B5EF4-FFF2-40B4-BE49-F238E27FC236}">
+                <a16:creationId xmlns:a16="http://schemas.microsoft.com/office/drawing/2014/main" id="{312093E3-23E1-8A15-3390-54C5C6149A29}"/>
+              </a:ext>
+            </a:extLst>
+          </p:cNvPr>
+          <p:cNvPicPr>
+            <a:picLocks noChangeAspect="1"/>
+          </p:cNvPicPr>
+          <p:nvPr/>
+        </p:nvPicPr>
+        <p:blipFill>
+          <a:blip r:embed="rId2"/>
+          <a:stretch>
+            <a:fillRect/>
+          </a:stretch>
+        </p:blipFill>
+        <p:spPr>
+          <a:xfrm>
+            <a:off x="8090379" y="2505075"/>
+            <a:ext cx="3804143" cy="3505350"/>
+          </a:xfrm>
+          <a:prstGeom prst="rect">
+            <a:avLst/>
+          </a:prstGeom>
+        </p:spPr>
+      </p:pic>
+    </p:spTree>
+    <p:extLst>
+      <p:ext uri="{BB962C8B-B14F-4D97-AF65-F5344CB8AC3E}">
+        <p14:creationId xmlns:p14="http://schemas.microsoft.com/office/powerpoint/2010/main" val="2922221772"/>
+      </p:ext>
+    </p:extLst>
+  </p:cSld>
+  <p:clrMapOvr>
+    <a:masterClrMapping/>
+  </p:clrMapOvr>
+</p:sld>
+</file>
+
+<file path=ppt/slides/slide6.xml><?xml version="1.0" encoding="utf-8"?>
+<p:sld xmlns:a="http://schemas.openxmlformats.org/drawingml/2006/main" xmlns:r="http://schemas.openxmlformats.org/officeDocument/2006/relationships" xmlns:p="http://schemas.openxmlformats.org/presentationml/2006/main">
+  <p:cSld>
+    <p:spTree>
+      <p:nvGrpSpPr>
+        <p:cNvPr id="1" name="">
+          <a:extLst>
+            <a:ext uri="{FF2B5EF4-FFF2-40B4-BE49-F238E27FC236}">
+              <a16:creationId xmlns:a16="http://schemas.microsoft.com/office/drawing/2014/main" id="{27CACCE9-5066-200A-0BD3-A9F7833B3544}"/>
+            </a:ext>
+          </a:extLst>
+        </p:cNvPr>
+        <p:cNvGrpSpPr/>
+        <p:nvPr/>
+      </p:nvGrpSpPr>
+      <p:grpSpPr>
+        <a:xfrm>
+          <a:off x="0" y="0"/>
+          <a:ext cx="0" cy="0"/>
+          <a:chOff x="0" y="0"/>
+          <a:chExt cx="0" cy="0"/>
+        </a:xfrm>
+      </p:grpSpPr>
+      <p:sp>
+        <p:nvSpPr>
+          <p:cNvPr id="9" name="Titolo 1">
+            <a:extLst>
+              <a:ext uri="{FF2B5EF4-FFF2-40B4-BE49-F238E27FC236}">
+                <a16:creationId xmlns:a16="http://schemas.microsoft.com/office/drawing/2014/main" id="{F8EBF17A-3734-E353-DB7D-BA4197216815}"/>
+              </a:ext>
+            </a:extLst>
+          </p:cNvPr>
+          <p:cNvSpPr txBox="1">
+            <a:spLocks/>
+          </p:cNvSpPr>
+          <p:nvPr/>
+        </p:nvSpPr>
+        <p:spPr>
+          <a:xfrm>
+            <a:off x="709613" y="499533"/>
+            <a:ext cx="10772775" cy="971458"/>
+          </a:xfrm>
+          <a:prstGeom prst="rect">
+            <a:avLst/>
+          </a:prstGeom>
+        </p:spPr>
+        <p:txBody>
+          <a:bodyPr vert="horz" lIns="91440" tIns="45720" rIns="91440" bIns="45720" rtlCol="0" anchor="ctr">
+            <a:normAutofit/>
+          </a:bodyPr>
+          <a:lstStyle>
+            <a:lvl1pPr algn="l" defTabSz="914400" rtl="0" eaLnBrk="1" latinLnBrk="0" hangingPunct="1">
+              <a:lnSpc>
+                <a:spcPct val="85000"/>
+              </a:lnSpc>
+              <a:spcBef>
+                <a:spcPct val="0"/>
+              </a:spcBef>
+              <a:buNone/>
+              <a:defRPr sz="5400" kern="1200" spc="-120" baseline="0">
+                <a:solidFill>
+                  <a:schemeClr val="accent1"/>
+                </a:solidFill>
+                <a:latin typeface="+mj-lt"/>
+                <a:ea typeface="+mj-ea"/>
+                <a:cs typeface="+mj-cs"/>
+              </a:defRPr>
+            </a:lvl1pPr>
+          </a:lstStyle>
+          <a:p>
+            <a:pPr algn="ctr"/>
+            <a:r>
+              <a:rPr lang="it-IT" b="1" dirty="0"/>
+              <a:t>A </a:t>
+            </a:r>
+            <a:r>
+              <a:rPr lang="it-IT" b="1" dirty="0" err="1"/>
+              <a:t>quick</a:t>
+            </a:r>
+            <a:r>
+              <a:rPr lang="it-IT" b="1" dirty="0"/>
+              <a:t> demo</a:t>
+            </a:r>
+          </a:p>
+        </p:txBody>
+      </p:sp>
+      <p:sp>
+        <p:nvSpPr>
+          <p:cNvPr id="6" name="Segnaposto contenuto 6">
+            <a:extLst>
+              <a:ext uri="{FF2B5EF4-FFF2-40B4-BE49-F238E27FC236}">
+                <a16:creationId xmlns:a16="http://schemas.microsoft.com/office/drawing/2014/main" id="{6FB2E2B8-2383-A6D8-0E7E-93D251815F93}"/>
+              </a:ext>
+            </a:extLst>
+          </p:cNvPr>
+          <p:cNvSpPr txBox="1">
+            <a:spLocks/>
+          </p:cNvSpPr>
+          <p:nvPr/>
+        </p:nvSpPr>
+        <p:spPr>
+          <a:xfrm>
+            <a:off x="4489990" y="2505075"/>
+            <a:ext cx="3354525" cy="3684588"/>
+          </a:xfrm>
+          <a:prstGeom prst="rect">
+            <a:avLst/>
+          </a:prstGeom>
+        </p:spPr>
+        <p:txBody>
+          <a:bodyPr vert="horz" lIns="91440" tIns="45720" rIns="91440" bIns="45720" rtlCol="0">
+            <a:normAutofit/>
+          </a:bodyPr>
+          <a:lstStyle>
+            <a:lvl1pPr marL="91440" indent="-91440" algn="l" defTabSz="914400" rtl="0" eaLnBrk="1" latinLnBrk="0" hangingPunct="1">
+              <a:lnSpc>
+                <a:spcPct val="85000"/>
+              </a:lnSpc>
+              <a:spcBef>
+                <a:spcPts val="1300"/>
+              </a:spcBef>
+              <a:buFont typeface="Arial" pitchFamily="34" charset="0"/>
+              <a:buChar char=" "/>
+              <a:defRPr sz="2400" kern="1200">
+                <a:solidFill>
+                  <a:schemeClr val="tx1">
+                    <a:lumMod val="85000"/>
+                    <a:lumOff val="15000"/>
+                  </a:schemeClr>
+                </a:solidFill>
+                <a:latin typeface="+mn-lt"/>
+                <a:ea typeface="+mn-ea"/>
+                <a:cs typeface="+mn-cs"/>
+              </a:defRPr>
+            </a:lvl1pPr>
+            <a:lvl2pPr marL="347472" indent="-342900" algn="l" defTabSz="914400" rtl="0" eaLnBrk="1" latinLnBrk="0" hangingPunct="1">
+              <a:lnSpc>
+                <a:spcPct val="85000"/>
+              </a:lnSpc>
+              <a:spcBef>
+                <a:spcPts val="600"/>
+              </a:spcBef>
+              <a:buFont typeface="Arial" pitchFamily="34" charset="0"/>
+              <a:buChar char=" "/>
+              <a:defRPr sz="2000" kern="1200">
+                <a:solidFill>
+                  <a:schemeClr val="tx1">
+                    <a:lumMod val="85000"/>
+                    <a:lumOff val="15000"/>
+                  </a:schemeClr>
+                </a:solidFill>
+                <a:latin typeface="+mn-lt"/>
+                <a:ea typeface="+mn-ea"/>
+                <a:cs typeface="+mn-cs"/>
+              </a:defRPr>
+            </a:lvl2pPr>
+            <a:lvl3pPr marL="548640" indent="-548640" algn="l" defTabSz="914400" rtl="0" eaLnBrk="1" latinLnBrk="0" hangingPunct="1">
+              <a:lnSpc>
+                <a:spcPct val="85000"/>
+              </a:lnSpc>
+              <a:spcBef>
+                <a:spcPts val="600"/>
+              </a:spcBef>
+              <a:buFont typeface="Arial" pitchFamily="34" charset="0"/>
+              <a:buChar char=" "/>
+              <a:defRPr sz="1800" i="1" kern="1200">
+                <a:solidFill>
+                  <a:schemeClr val="tx1">
+                    <a:lumMod val="85000"/>
+                    <a:lumOff val="15000"/>
+                  </a:schemeClr>
+                </a:solidFill>
+                <a:latin typeface="+mn-lt"/>
+                <a:ea typeface="+mn-ea"/>
+                <a:cs typeface="+mn-cs"/>
+              </a:defRPr>
+            </a:lvl3pPr>
+            <a:lvl4pPr marL="822960" indent="-822960" algn="l" defTabSz="914400" rtl="0" eaLnBrk="1" latinLnBrk="0" hangingPunct="1">
+              <a:lnSpc>
+                <a:spcPct val="85000"/>
+              </a:lnSpc>
+              <a:spcBef>
+                <a:spcPts val="600"/>
+              </a:spcBef>
+              <a:buFont typeface="Arial" pitchFamily="34" charset="0"/>
+              <a:buChar char=" "/>
+              <a:defRPr sz="1600" kern="1200">
+                <a:solidFill>
+                  <a:schemeClr val="tx1">
+                    <a:lumMod val="85000"/>
+                    <a:lumOff val="15000"/>
+                  </a:schemeClr>
+                </a:solidFill>
+                <a:latin typeface="+mn-lt"/>
+                <a:ea typeface="+mn-ea"/>
+                <a:cs typeface="+mn-cs"/>
+              </a:defRPr>
+            </a:lvl4pPr>
+            <a:lvl5pPr marL="1097280" indent="-1097280" algn="l" defTabSz="914400" rtl="0" eaLnBrk="1" latinLnBrk="0" hangingPunct="1">
+              <a:lnSpc>
+                <a:spcPct val="85000"/>
+              </a:lnSpc>
+              <a:spcBef>
+                <a:spcPts val="600"/>
+              </a:spcBef>
+              <a:buFont typeface="Arial" pitchFamily="34" charset="0"/>
+              <a:buChar char=" "/>
+              <a:defRPr sz="1600" kern="1200">
+                <a:solidFill>
+                  <a:schemeClr val="tx1">
+                    <a:lumMod val="85000"/>
+                    <a:lumOff val="15000"/>
+                  </a:schemeClr>
+                </a:solidFill>
+                <a:latin typeface="+mn-lt"/>
+                <a:ea typeface="+mn-ea"/>
+                <a:cs typeface="+mn-cs"/>
+              </a:defRPr>
+            </a:lvl5pPr>
+            <a:lvl6pPr marL="1200000" indent="-228600" algn="l" defTabSz="914400" rtl="0" eaLnBrk="1" latinLnBrk="0" hangingPunct="1">
+              <a:lnSpc>
+                <a:spcPct val="85000"/>
+              </a:lnSpc>
+              <a:spcBef>
+                <a:spcPts val="600"/>
+              </a:spcBef>
+              <a:buFont typeface="Arial" pitchFamily="34" charset="0"/>
+              <a:buChar char=" "/>
+              <a:defRPr sz="1600" kern="1200">
+                <a:solidFill>
+                  <a:schemeClr val="tx1">
+                    <a:lumMod val="85000"/>
+                    <a:lumOff val="15000"/>
+                  </a:schemeClr>
+                </a:solidFill>
+                <a:latin typeface="+mn-lt"/>
+                <a:ea typeface="+mn-ea"/>
+                <a:cs typeface="+mn-cs"/>
+              </a:defRPr>
+            </a:lvl6pPr>
+            <a:lvl7pPr marL="1400000" indent="-228600" algn="l" defTabSz="914400" rtl="0" eaLnBrk="1" latinLnBrk="0" hangingPunct="1">
+              <a:lnSpc>
+                <a:spcPct val="85000"/>
+              </a:lnSpc>
+              <a:spcBef>
+                <a:spcPts val="600"/>
+              </a:spcBef>
+              <a:buFont typeface="Arial" pitchFamily="34" charset="0"/>
+              <a:buChar char=" "/>
+              <a:defRPr sz="1600" kern="1200">
+                <a:solidFill>
+                  <a:schemeClr val="tx1">
+                    <a:lumMod val="85000"/>
+                    <a:lumOff val="15000"/>
+                  </a:schemeClr>
+                </a:solidFill>
+                <a:latin typeface="+mn-lt"/>
+                <a:ea typeface="+mn-ea"/>
+                <a:cs typeface="+mn-cs"/>
+              </a:defRPr>
+            </a:lvl7pPr>
+            <a:lvl8pPr marL="1600000" indent="-228600" algn="l" defTabSz="914400" rtl="0" eaLnBrk="1" latinLnBrk="0" hangingPunct="1">
+              <a:lnSpc>
+                <a:spcPct val="85000"/>
+              </a:lnSpc>
+              <a:spcBef>
+                <a:spcPts val="600"/>
+              </a:spcBef>
+              <a:buFont typeface="Arial" pitchFamily="34" charset="0"/>
+              <a:buChar char=" "/>
+              <a:defRPr sz="1600" kern="1200">
+                <a:solidFill>
+                  <a:schemeClr val="tx1">
+                    <a:lumMod val="85000"/>
+                    <a:lumOff val="15000"/>
+                  </a:schemeClr>
+                </a:solidFill>
+                <a:latin typeface="+mn-lt"/>
+                <a:ea typeface="+mn-ea"/>
+                <a:cs typeface="+mn-cs"/>
+              </a:defRPr>
+            </a:lvl8pPr>
+            <a:lvl9pPr marL="1800000" indent="-228600" algn="l" defTabSz="914400" rtl="0" eaLnBrk="1" latinLnBrk="0" hangingPunct="1">
+              <a:lnSpc>
+                <a:spcPct val="85000"/>
+              </a:lnSpc>
+              <a:spcBef>
+                <a:spcPts val="600"/>
+              </a:spcBef>
+              <a:buFont typeface="Arial" pitchFamily="34" charset="0"/>
+              <a:buChar char=" "/>
+              <a:defRPr sz="1600" kern="1200">
+                <a:solidFill>
+                  <a:schemeClr val="tx1">
+                    <a:lumMod val="85000"/>
+                    <a:lumOff val="15000"/>
+                  </a:schemeClr>
+                </a:solidFill>
+                <a:latin typeface="+mn-lt"/>
+                <a:ea typeface="+mn-ea"/>
+                <a:cs typeface="+mn-cs"/>
+              </a:defRPr>
+            </a:lvl9pPr>
+          </a:lstStyle>
+          <a:p>
+            <a:endParaRPr lang="it-IT" dirty="0"/>
+          </a:p>
+        </p:txBody>
+      </p:sp>
+      <p:sp>
+        <p:nvSpPr>
+          <p:cNvPr id="7" name="Segnaposto contenuto 6">
+            <a:extLst>
+              <a:ext uri="{FF2B5EF4-FFF2-40B4-BE49-F238E27FC236}">
+                <a16:creationId xmlns:a16="http://schemas.microsoft.com/office/drawing/2014/main" id="{077DE26B-34DC-8630-FA38-DB6A848E544E}"/>
+              </a:ext>
+            </a:extLst>
+          </p:cNvPr>
+          <p:cNvSpPr txBox="1">
+            <a:spLocks/>
+          </p:cNvSpPr>
+          <p:nvPr/>
+        </p:nvSpPr>
+        <p:spPr>
+          <a:xfrm>
+            <a:off x="8140192" y="2505075"/>
+            <a:ext cx="3354525" cy="3684588"/>
+          </a:xfrm>
+          <a:prstGeom prst="rect">
+            <a:avLst/>
+          </a:prstGeom>
+        </p:spPr>
+        <p:txBody>
+          <a:bodyPr vert="horz" lIns="91440" tIns="45720" rIns="91440" bIns="45720" rtlCol="0">
+            <a:normAutofit/>
+          </a:bodyPr>
+          <a:lstStyle>
+            <a:lvl1pPr marL="91440" indent="-91440" algn="l" defTabSz="914400" rtl="0" eaLnBrk="1" latinLnBrk="0" hangingPunct="1">
+              <a:lnSpc>
+                <a:spcPct val="85000"/>
+              </a:lnSpc>
+              <a:spcBef>
+                <a:spcPts val="1300"/>
+              </a:spcBef>
+              <a:buFont typeface="Arial" pitchFamily="34" charset="0"/>
+              <a:buChar char=" "/>
+              <a:defRPr sz="2400" kern="1200">
+                <a:solidFill>
+                  <a:schemeClr val="tx1">
+                    <a:lumMod val="85000"/>
+                    <a:lumOff val="15000"/>
+                  </a:schemeClr>
+                </a:solidFill>
+                <a:latin typeface="+mn-lt"/>
+                <a:ea typeface="+mn-ea"/>
+                <a:cs typeface="+mn-cs"/>
+              </a:defRPr>
+            </a:lvl1pPr>
+            <a:lvl2pPr marL="347472" indent="-342900" algn="l" defTabSz="914400" rtl="0" eaLnBrk="1" latinLnBrk="0" hangingPunct="1">
+              <a:lnSpc>
+                <a:spcPct val="85000"/>
+              </a:lnSpc>
+              <a:spcBef>
+                <a:spcPts val="600"/>
+              </a:spcBef>
+              <a:buFont typeface="Arial" pitchFamily="34" charset="0"/>
+              <a:buChar char=" "/>
+              <a:defRPr sz="2000" kern="1200">
+                <a:solidFill>
+                  <a:schemeClr val="tx1">
+                    <a:lumMod val="85000"/>
+                    <a:lumOff val="15000"/>
+                  </a:schemeClr>
+                </a:solidFill>
+                <a:latin typeface="+mn-lt"/>
+                <a:ea typeface="+mn-ea"/>
+                <a:cs typeface="+mn-cs"/>
+              </a:defRPr>
+            </a:lvl2pPr>
+            <a:lvl3pPr marL="548640" indent="-548640" algn="l" defTabSz="914400" rtl="0" eaLnBrk="1" latinLnBrk="0" hangingPunct="1">
+              <a:lnSpc>
+                <a:spcPct val="85000"/>
+              </a:lnSpc>
+              <a:spcBef>
+                <a:spcPts val="600"/>
+              </a:spcBef>
+              <a:buFont typeface="Arial" pitchFamily="34" charset="0"/>
+              <a:buChar char=" "/>
+              <a:defRPr sz="1800" i="1" kern="1200">
+                <a:solidFill>
+                  <a:schemeClr val="tx1">
+                    <a:lumMod val="85000"/>
+                    <a:lumOff val="15000"/>
+                  </a:schemeClr>
+                </a:solidFill>
+                <a:latin typeface="+mn-lt"/>
+                <a:ea typeface="+mn-ea"/>
+                <a:cs typeface="+mn-cs"/>
+              </a:defRPr>
+            </a:lvl3pPr>
+            <a:lvl4pPr marL="822960" indent="-822960" algn="l" defTabSz="914400" rtl="0" eaLnBrk="1" latinLnBrk="0" hangingPunct="1">
+              <a:lnSpc>
+                <a:spcPct val="85000"/>
+              </a:lnSpc>
+              <a:spcBef>
+                <a:spcPts val="600"/>
+              </a:spcBef>
+              <a:buFont typeface="Arial" pitchFamily="34" charset="0"/>
+              <a:buChar char=" "/>
+              <a:defRPr sz="1600" kern="1200">
+                <a:solidFill>
+                  <a:schemeClr val="tx1">
+                    <a:lumMod val="85000"/>
+                    <a:lumOff val="15000"/>
+                  </a:schemeClr>
+                </a:solidFill>
+                <a:latin typeface="+mn-lt"/>
+                <a:ea typeface="+mn-ea"/>
+                <a:cs typeface="+mn-cs"/>
+              </a:defRPr>
+            </a:lvl4pPr>
+            <a:lvl5pPr marL="1097280" indent="-1097280" algn="l" defTabSz="914400" rtl="0" eaLnBrk="1" latinLnBrk="0" hangingPunct="1">
+              <a:lnSpc>
+                <a:spcPct val="85000"/>
+              </a:lnSpc>
+              <a:spcBef>
+                <a:spcPts val="600"/>
+              </a:spcBef>
+              <a:buFont typeface="Arial" pitchFamily="34" charset="0"/>
+              <a:buChar char=" "/>
+              <a:defRPr sz="1600" kern="1200">
+                <a:solidFill>
+                  <a:schemeClr val="tx1">
+                    <a:lumMod val="85000"/>
+                    <a:lumOff val="15000"/>
+                  </a:schemeClr>
+                </a:solidFill>
+                <a:latin typeface="+mn-lt"/>
+                <a:ea typeface="+mn-ea"/>
+                <a:cs typeface="+mn-cs"/>
+              </a:defRPr>
+            </a:lvl5pPr>
+            <a:lvl6pPr marL="1200000" indent="-228600" algn="l" defTabSz="914400" rtl="0" eaLnBrk="1" latinLnBrk="0" hangingPunct="1">
+              <a:lnSpc>
+                <a:spcPct val="85000"/>
+              </a:lnSpc>
+              <a:spcBef>
+                <a:spcPts val="600"/>
+              </a:spcBef>
+              <a:buFont typeface="Arial" pitchFamily="34" charset="0"/>
+              <a:buChar char=" "/>
+              <a:defRPr sz="1600" kern="1200">
+                <a:solidFill>
+                  <a:schemeClr val="tx1">
+                    <a:lumMod val="85000"/>
+                    <a:lumOff val="15000"/>
+                  </a:schemeClr>
+                </a:solidFill>
+                <a:latin typeface="+mn-lt"/>
+                <a:ea typeface="+mn-ea"/>
+                <a:cs typeface="+mn-cs"/>
+              </a:defRPr>
+            </a:lvl6pPr>
+            <a:lvl7pPr marL="1400000" indent="-228600" algn="l" defTabSz="914400" rtl="0" eaLnBrk="1" latinLnBrk="0" hangingPunct="1">
+              <a:lnSpc>
+                <a:spcPct val="85000"/>
+              </a:lnSpc>
+              <a:spcBef>
+                <a:spcPts val="600"/>
+              </a:spcBef>
+              <a:buFont typeface="Arial" pitchFamily="34" charset="0"/>
+              <a:buChar char=" "/>
+              <a:defRPr sz="1600" kern="1200">
+                <a:solidFill>
+                  <a:schemeClr val="tx1">
+                    <a:lumMod val="85000"/>
+                    <a:lumOff val="15000"/>
+                  </a:schemeClr>
+                </a:solidFill>
+                <a:latin typeface="+mn-lt"/>
+                <a:ea typeface="+mn-ea"/>
+                <a:cs typeface="+mn-cs"/>
+              </a:defRPr>
+            </a:lvl7pPr>
+            <a:lvl8pPr marL="1600000" indent="-228600" algn="l" defTabSz="914400" rtl="0" eaLnBrk="1" latinLnBrk="0" hangingPunct="1">
+              <a:lnSpc>
+                <a:spcPct val="85000"/>
+              </a:lnSpc>
+              <a:spcBef>
+                <a:spcPts val="600"/>
+              </a:spcBef>
+              <a:buFont typeface="Arial" pitchFamily="34" charset="0"/>
+              <a:buChar char=" "/>
+              <a:defRPr sz="1600" kern="1200">
+                <a:solidFill>
+                  <a:schemeClr val="tx1">
+                    <a:lumMod val="85000"/>
+                    <a:lumOff val="15000"/>
+                  </a:schemeClr>
+                </a:solidFill>
+                <a:latin typeface="+mn-lt"/>
+                <a:ea typeface="+mn-ea"/>
+                <a:cs typeface="+mn-cs"/>
+              </a:defRPr>
+            </a:lvl8pPr>
+            <a:lvl9pPr marL="1800000" indent="-228600" algn="l" defTabSz="914400" rtl="0" eaLnBrk="1" latinLnBrk="0" hangingPunct="1">
+              <a:lnSpc>
+                <a:spcPct val="85000"/>
+              </a:lnSpc>
+              <a:spcBef>
+                <a:spcPts val="600"/>
+              </a:spcBef>
+              <a:buFont typeface="Arial" pitchFamily="34" charset="0"/>
+              <a:buChar char=" "/>
+              <a:defRPr sz="1600" kern="1200">
+                <a:solidFill>
+                  <a:schemeClr val="tx1">
+                    <a:lumMod val="85000"/>
+                    <a:lumOff val="15000"/>
+                  </a:schemeClr>
+                </a:solidFill>
+                <a:latin typeface="+mn-lt"/>
+                <a:ea typeface="+mn-ea"/>
+                <a:cs typeface="+mn-cs"/>
+              </a:defRPr>
+            </a:lvl9pPr>
+          </a:lstStyle>
+          <a:p>
+            <a:endParaRPr lang="it-IT" dirty="0"/>
+          </a:p>
+        </p:txBody>
+      </p:sp>
+      <p:sp>
+        <p:nvSpPr>
+          <p:cNvPr id="3" name="Segnaposto contenuto 2">
+            <a:extLst>
+              <a:ext uri="{FF2B5EF4-FFF2-40B4-BE49-F238E27FC236}">
+                <a16:creationId xmlns:a16="http://schemas.microsoft.com/office/drawing/2014/main" id="{7F20E12C-D61C-574D-7FA0-00F0396E01FA}"/>
+              </a:ext>
+            </a:extLst>
+          </p:cNvPr>
+          <p:cNvSpPr>
+            <a:spLocks noGrp="1"/>
+          </p:cNvSpPr>
+          <p:nvPr>
+            <p:ph sz="half" idx="2"/>
+          </p:nvPr>
+        </p:nvSpPr>
+        <p:spPr>
+          <a:xfrm>
+            <a:off x="3835532" y="2246709"/>
+            <a:ext cx="4663440" cy="3767328"/>
+          </a:xfrm>
+        </p:spPr>
+        <p:txBody>
+          <a:bodyPr/>
           <a:lstStyle/>
           <a:p>
-            <a:r>
-              <a:rPr lang="it-IT" dirty="0">
-                <a:solidFill>
-                  <a:srgbClr val="FF0000"/>
-                </a:solidFill>
-              </a:rPr>
-              <a:t>Grafico simulazione sinusoide </a:t>
-            </a:r>
+            <a:endParaRPr lang="it-IT"/>
           </a:p>
         </p:txBody>
       </p:sp>
     </p:spTree>
     <p:extLst>
       <p:ext uri="{BB962C8B-B14F-4D97-AF65-F5344CB8AC3E}">
-        <p14:creationId xmlns:p14="http://schemas.microsoft.com/office/powerpoint/2010/main" val="497402939"/>
+        <p14:creationId xmlns:p14="http://schemas.microsoft.com/office/powerpoint/2010/main" val="2935009997"/>
       </p:ext>
     </p:extLst>
   </p:cSld>
@@ -17090,9 +20378,9 @@
 </file>
 
 <file path=ppt/theme/theme1.xml><?xml version="1.0" encoding="utf-8"?>
-<a:theme xmlns:a="http://schemas.openxmlformats.org/drawingml/2006/main" name="Tema di Office">
+<a:theme xmlns:a="http://schemas.openxmlformats.org/drawingml/2006/main" name="Metropolitano">
   <a:themeElements>
-    <a:clrScheme name="Office">
+    <a:clrScheme name="Rosso">
       <a:dk1>
         <a:sysClr val="windowText" lastClr="000000"/>
       </a:dk1>
@@ -17100,44 +20388,44 @@
         <a:sysClr val="window" lastClr="FFFFFF"/>
       </a:lt1>
       <a:dk2>
-        <a:srgbClr val="44546A"/>
+        <a:srgbClr val="323232"/>
       </a:dk2>
       <a:lt2>
-        <a:srgbClr val="E7E6E6"/>
+        <a:srgbClr val="E5C243"/>
       </a:lt2>
       <a:accent1>
-        <a:srgbClr val="4472C4"/>
+        <a:srgbClr val="A5300F"/>
       </a:accent1>
       <a:accent2>
-        <a:srgbClr val="ED7D31"/>
+        <a:srgbClr val="D55816"/>
       </a:accent2>
       <a:accent3>
-        <a:srgbClr val="A5A5A5"/>
+        <a:srgbClr val="E19825"/>
       </a:accent3>
       <a:accent4>
-        <a:srgbClr val="FFC000"/>
+        <a:srgbClr val="B19C7D"/>
       </a:accent4>
       <a:accent5>
-        <a:srgbClr val="5B9BD5"/>
+        <a:srgbClr val="7F5F52"/>
       </a:accent5>
       <a:accent6>
-        <a:srgbClr val="70AD47"/>
+        <a:srgbClr val="B27D49"/>
       </a:accent6>
       <a:hlink>
-        <a:srgbClr val="0563C1"/>
+        <a:srgbClr val="6B9F25"/>
       </a:hlink>
       <a:folHlink>
-        <a:srgbClr val="954F72"/>
+        <a:srgbClr val="B26B02"/>
       </a:folHlink>
     </a:clrScheme>
-    <a:fontScheme name="Office">
+    <a:fontScheme name="Metropolitano">
       <a:majorFont>
         <a:latin typeface="Calibri Light" panose="020F0302020204030204"/>
         <a:ea typeface=""/>
         <a:cs typeface=""/>
-        <a:font script="Jpan" typeface="游ゴシック Light"/>
+        <a:font script="Jpan" typeface="ＭＳ Ｐゴシック"/>
         <a:font script="Hang" typeface="맑은 고딕"/>
-        <a:font script="Hans" typeface="等线 Light"/>
+        <a:font script="Hans" typeface="宋体"/>
         <a:font script="Hant" typeface="新細明體"/>
         <a:font script="Arab" typeface="Times New Roman"/>
         <a:font script="Hebr" typeface="Times New Roman"/>
@@ -17165,39 +20453,22 @@
         <a:font script="Viet" typeface="Times New Roman"/>
         <a:font script="Uigh" typeface="Microsoft Uighur"/>
         <a:font script="Geor" typeface="Sylfaen"/>
-        <a:font script="Armn" typeface="Arial"/>
-        <a:font script="Bugi" typeface="Leelawadee UI"/>
-        <a:font script="Bopo" typeface="Microsoft JhengHei"/>
-        <a:font script="Java" typeface="Javanese Text"/>
-        <a:font script="Lisu" typeface="Segoe UI"/>
-        <a:font script="Mymr" typeface="Myanmar Text"/>
-        <a:font script="Nkoo" typeface="Ebrima"/>
-        <a:font script="Olck" typeface="Nirmala UI"/>
-        <a:font script="Osma" typeface="Ebrima"/>
-        <a:font script="Phag" typeface="Phagspa"/>
-        <a:font script="Syrn" typeface="Estrangelo Edessa"/>
-        <a:font script="Syrj" typeface="Estrangelo Edessa"/>
-        <a:font script="Syre" typeface="Estrangelo Edessa"/>
-        <a:font script="Sora" typeface="Nirmala UI"/>
-        <a:font script="Tale" typeface="Microsoft Tai Le"/>
-        <a:font script="Talu" typeface="Microsoft New Tai Lue"/>
-        <a:font script="Tfng" typeface="Ebrima"/>
       </a:majorFont>
       <a:minorFont>
-        <a:latin typeface="Calibri" panose="020F0502020204030204"/>
+        <a:latin typeface="Calibri Light" panose="020F0302020204030204"/>
         <a:ea typeface=""/>
         <a:cs typeface=""/>
-        <a:font script="Jpan" typeface="游ゴシック"/>
+        <a:font script="Jpan" typeface="ＭＳ Ｐゴシック"/>
         <a:font script="Hang" typeface="맑은 고딕"/>
-        <a:font script="Hans" typeface="等线"/>
+        <a:font script="Hans" typeface="宋体"/>
         <a:font script="Hant" typeface="新細明體"/>
-        <a:font script="Arab" typeface="Arial"/>
-        <a:font script="Hebr" typeface="Arial"/>
-        <a:font script="Thai" typeface="Cordia New"/>
+        <a:font script="Arab" typeface="Times New Roman"/>
+        <a:font script="Hebr" typeface="Times New Roman"/>
+        <a:font script="Thai" typeface="Angsana New"/>
         <a:font script="Ethi" typeface="Nyala"/>
         <a:font script="Beng" typeface="Vrinda"/>
         <a:font script="Gujr" typeface="Shruti"/>
-        <a:font script="Khmr" typeface="DaunPenh"/>
+        <a:font script="Khmr" typeface="MoolBoran"/>
         <a:font script="Knda" typeface="Tunga"/>
         <a:font script="Guru" typeface="Raavi"/>
         <a:font script="Cans" typeface="Euphemia"/>
@@ -17214,29 +20485,12 @@
         <a:font script="Laoo" typeface="DokChampa"/>
         <a:font script="Sinh" typeface="Iskoola Pota"/>
         <a:font script="Mong" typeface="Mongolian Baiti"/>
-        <a:font script="Viet" typeface="Arial"/>
+        <a:font script="Viet" typeface="Times New Roman"/>
         <a:font script="Uigh" typeface="Microsoft Uighur"/>
         <a:font script="Geor" typeface="Sylfaen"/>
-        <a:font script="Armn" typeface="Arial"/>
-        <a:font script="Bugi" typeface="Leelawadee UI"/>
-        <a:font script="Bopo" typeface="Microsoft JhengHei"/>
-        <a:font script="Java" typeface="Javanese Text"/>
-        <a:font script="Lisu" typeface="Segoe UI"/>
-        <a:font script="Mymr" typeface="Myanmar Text"/>
-        <a:font script="Nkoo" typeface="Ebrima"/>
-        <a:font script="Olck" typeface="Nirmala UI"/>
-        <a:font script="Osma" typeface="Ebrima"/>
-        <a:font script="Phag" typeface="Phagspa"/>
-        <a:font script="Syrn" typeface="Estrangelo Edessa"/>
-        <a:font script="Syrj" typeface="Estrangelo Edessa"/>
-        <a:font script="Syre" typeface="Estrangelo Edessa"/>
-        <a:font script="Sora" typeface="Nirmala UI"/>
-        <a:font script="Tale" typeface="Microsoft Tai Le"/>
-        <a:font script="Talu" typeface="Microsoft New Tai Lue"/>
-        <a:font script="Tfng" typeface="Ebrima"/>
       </a:minorFont>
     </a:fontScheme>
-    <a:fmtScheme name="Office">
+    <a:fmtScheme name="Metropolitano">
       <a:fillStyleLst>
         <a:solidFill>
           <a:schemeClr val="phClr"/>
@@ -17245,76 +20499,73 @@
           <a:gsLst>
             <a:gs pos="0">
               <a:schemeClr val="phClr">
+                <a:tint val="70000"/>
+                <a:satMod val="100000"/>
                 <a:lumMod val="110000"/>
-                <a:satMod val="105000"/>
-                <a:tint val="67000"/>
               </a:schemeClr>
             </a:gs>
             <a:gs pos="50000">
               <a:schemeClr val="phClr">
+                <a:tint val="75000"/>
+                <a:satMod val="101000"/>
                 <a:lumMod val="105000"/>
-                <a:satMod val="103000"/>
-                <a:tint val="73000"/>
               </a:schemeClr>
             </a:gs>
             <a:gs pos="100000">
               <a:schemeClr val="phClr">
+                <a:tint val="82000"/>
+                <a:satMod val="104000"/>
                 <a:lumMod val="105000"/>
-                <a:satMod val="109000"/>
-                <a:tint val="81000"/>
               </a:schemeClr>
             </a:gs>
           </a:gsLst>
-          <a:lin ang="5400000" scaled="0"/>
+          <a:lin ang="2700000" scaled="0"/>
         </a:gradFill>
         <a:gradFill rotWithShape="1">
           <a:gsLst>
             <a:gs pos="0">
               <a:schemeClr val="phClr">
-                <a:satMod val="103000"/>
+                <a:tint val="97000"/>
+                <a:satMod val="100000"/>
                 <a:lumMod val="102000"/>
-                <a:tint val="94000"/>
               </a:schemeClr>
             </a:gs>
             <a:gs pos="50000">
               <a:schemeClr val="phClr">
-                <a:satMod val="110000"/>
+                <a:shade val="100000"/>
+                <a:satMod val="100000"/>
                 <a:lumMod val="100000"/>
-                <a:shade val="100000"/>
               </a:schemeClr>
             </a:gs>
             <a:gs pos="100000">
               <a:schemeClr val="phClr">
+                <a:shade val="80000"/>
+                <a:satMod val="100000"/>
                 <a:lumMod val="99000"/>
-                <a:satMod val="120000"/>
-                <a:shade val="78000"/>
               </a:schemeClr>
             </a:gs>
           </a:gsLst>
-          <a:lin ang="5400000" scaled="0"/>
+          <a:lin ang="2700000" scaled="0"/>
         </a:gradFill>
       </a:fillStyleLst>
       <a:lnStyleLst>
-        <a:ln w="6350" cap="flat" cmpd="sng" algn="ctr">
+        <a:ln w="9525" cap="flat" cmpd="sng" algn="ctr">
           <a:solidFill>
             <a:schemeClr val="phClr"/>
           </a:solidFill>
           <a:prstDash val="solid"/>
-          <a:miter lim="800000"/>
         </a:ln>
         <a:ln w="12700" cap="flat" cmpd="sng" algn="ctr">
           <a:solidFill>
             <a:schemeClr val="phClr"/>
           </a:solidFill>
           <a:prstDash val="solid"/>
-          <a:miter lim="800000"/>
         </a:ln>
         <a:ln w="19050" cap="flat" cmpd="sng" algn="ctr">
           <a:solidFill>
             <a:schemeClr val="phClr"/>
           </a:solidFill>
           <a:prstDash val="solid"/>
-          <a:miter lim="800000"/>
         </a:ln>
       </a:lnStyleLst>
       <a:effectStyleLst>
@@ -17344,33 +20595,12 @@
             <a:satMod val="170000"/>
           </a:schemeClr>
         </a:solidFill>
-        <a:gradFill rotWithShape="1">
-          <a:gsLst>
-            <a:gs pos="0">
-              <a:schemeClr val="phClr">
-                <a:tint val="93000"/>
-                <a:satMod val="150000"/>
-                <a:shade val="98000"/>
-                <a:lumMod val="102000"/>
-              </a:schemeClr>
-            </a:gs>
-            <a:gs pos="50000">
-              <a:schemeClr val="phClr">
-                <a:tint val="98000"/>
-                <a:satMod val="130000"/>
-                <a:shade val="90000"/>
-                <a:lumMod val="103000"/>
-              </a:schemeClr>
-            </a:gs>
-            <a:gs pos="100000">
-              <a:schemeClr val="phClr">
-                <a:shade val="63000"/>
-                <a:satMod val="120000"/>
-              </a:schemeClr>
-            </a:gs>
-          </a:gsLst>
-          <a:lin ang="5400000" scaled="0"/>
-        </a:gradFill>
+        <a:solidFill>
+          <a:schemeClr val="phClr">
+            <a:shade val="95000"/>
+            <a:satMod val="170000"/>
+          </a:schemeClr>
+        </a:solidFill>
       </a:bgFillStyleLst>
     </a:fmtScheme>
   </a:themeElements>
@@ -17378,7 +20608,7 @@
   <a:extraClrSchemeLst/>
   <a:extLst>
     <a:ext uri="{05A4C25C-085E-4340-85A3-A5531E510DB2}">
-      <thm15:themeFamily xmlns:thm15="http://schemas.microsoft.com/office/thememl/2012/main" name="Office Theme" id="{62F939B6-93AF-4DB8-9C6B-D6C7DFDC589F}" vid="{4A3C46E8-61CC-4603-A589-7422A47A8E4A}"/>
+      <thm15:themeFamily xmlns:thm15="http://schemas.microsoft.com/office/thememl/2012/main" name="Metropolitan" id="{4C5440D6-04D2-4954-96CF-F251137069B2}" vid="{33ACF124-275F-44F2-8DE0-0A755069829B}"/>
     </a:ext>
   </a:extLst>
 </a:theme>
